--- a/report/extra_credit_presentation.pptx
+++ b/report/extra_credit_presentation.pptx
@@ -6,6 +6,8 @@
   </p:sldMasterIdLst>
   <p:sldIdLst>
     <p:sldId id="256" r:id="rId2"/>
+    <p:sldId id="257" r:id="rId3"/>
+    <p:sldId id="258" r:id="rId4"/>
   </p:sldIdLst>
   <p:sldSz cx="9144000" cy="6858000" type="screen4x3"/>
   <p:notesSz cx="6858000" cy="9144000"/>
@@ -288,7 +290,7 @@
           <a:p>
             <a:fld id="{CC883614-4664-B542-9BB9-1A8DA4BB28BA}" type="datetimeFigureOut">
               <a:rPr lang="en-US" smtClean="0"/>
-              <a:t>11/30/15</a:t>
+              <a:t>12/6/15</a:t>
             </a:fld>
             <a:endParaRPr lang="en-US"/>
           </a:p>
@@ -458,7 +460,7 @@
           <a:p>
             <a:fld id="{CC883614-4664-B542-9BB9-1A8DA4BB28BA}" type="datetimeFigureOut">
               <a:rPr lang="en-US" smtClean="0"/>
-              <a:t>11/30/15</a:t>
+              <a:t>12/6/15</a:t>
             </a:fld>
             <a:endParaRPr lang="en-US"/>
           </a:p>
@@ -638,7 +640,7 @@
           <a:p>
             <a:fld id="{CC883614-4664-B542-9BB9-1A8DA4BB28BA}" type="datetimeFigureOut">
               <a:rPr lang="en-US" smtClean="0"/>
-              <a:t>11/30/15</a:t>
+              <a:t>12/6/15</a:t>
             </a:fld>
             <a:endParaRPr lang="en-US"/>
           </a:p>
@@ -718,12 +720,69 @@
       </p:grpSpPr>
       <p:sp>
         <p:nvSpPr>
-          <p:cNvPr id="2" name="Title 1"/>
-          <p:cNvSpPr>
-            <a:spLocks noGrp="1"/>
-          </p:cNvSpPr>
-          <p:nvPr>
-            <p:ph type="title"/>
+          <p:cNvPr id="3" name="Content Placeholder 2"/>
+          <p:cNvSpPr>
+            <a:spLocks noGrp="1"/>
+          </p:cNvSpPr>
+          <p:nvPr>
+            <p:ph idx="1"/>
+          </p:nvPr>
+        </p:nvSpPr>
+        <p:spPr>
+          <a:xfrm>
+            <a:off x="151026" y="645040"/>
+            <a:ext cx="8841303" cy="5600240"/>
+          </a:xfrm>
+        </p:spPr>
+        <p:txBody>
+          <a:bodyPr/>
+          <a:lstStyle/>
+          <a:p>
+            <a:pPr lvl="0"/>
+            <a:r>
+              <a:rPr lang="en-US" smtClean="0"/>
+              <a:t>Click to edit Master text styles</a:t>
+            </a:r>
+          </a:p>
+          <a:p>
+            <a:pPr lvl="1"/>
+            <a:r>
+              <a:rPr lang="en-US" smtClean="0"/>
+              <a:t>Second level</a:t>
+            </a:r>
+          </a:p>
+          <a:p>
+            <a:pPr lvl="2"/>
+            <a:r>
+              <a:rPr lang="en-US" smtClean="0"/>
+              <a:t>Third level</a:t>
+            </a:r>
+          </a:p>
+          <a:p>
+            <a:pPr lvl="3"/>
+            <a:r>
+              <a:rPr lang="en-US" smtClean="0"/>
+              <a:t>Fourth level</a:t>
+            </a:r>
+          </a:p>
+          <a:p>
+            <a:pPr lvl="4"/>
+            <a:r>
+              <a:rPr lang="en-US" smtClean="0"/>
+              <a:t>Fifth level</a:t>
+            </a:r>
+            <a:endParaRPr lang="en-US"/>
+          </a:p>
+        </p:txBody>
+      </p:sp>
+      <p:sp>
+        <p:nvSpPr>
+          <p:cNvPr id="4" name="Date Placeholder 3"/>
+          <p:cNvSpPr>
+            <a:spLocks noGrp="1"/>
+          </p:cNvSpPr>
+          <p:nvPr>
+            <p:ph type="dt" sz="half" idx="10"/>
           </p:nvPr>
         </p:nvSpPr>
         <p:spPr/>
@@ -731,84 +790,9 @@
           <a:bodyPr/>
           <a:lstStyle/>
           <a:p>
-            <a:r>
-              <a:rPr lang="en-US" smtClean="0"/>
-              <a:t>Click to edit Master title style</a:t>
-            </a:r>
-            <a:endParaRPr lang="en-US"/>
-          </a:p>
-        </p:txBody>
-      </p:sp>
-      <p:sp>
-        <p:nvSpPr>
-          <p:cNvPr id="3" name="Content Placeholder 2"/>
-          <p:cNvSpPr>
-            <a:spLocks noGrp="1"/>
-          </p:cNvSpPr>
-          <p:nvPr>
-            <p:ph idx="1"/>
-          </p:nvPr>
-        </p:nvSpPr>
-        <p:spPr/>
-        <p:txBody>
-          <a:bodyPr/>
-          <a:lstStyle/>
-          <a:p>
-            <a:pPr lvl="0"/>
-            <a:r>
-              <a:rPr lang="en-US" smtClean="0"/>
-              <a:t>Click to edit Master text styles</a:t>
-            </a:r>
-          </a:p>
-          <a:p>
-            <a:pPr lvl="1"/>
-            <a:r>
-              <a:rPr lang="en-US" smtClean="0"/>
-              <a:t>Second level</a:t>
-            </a:r>
-          </a:p>
-          <a:p>
-            <a:pPr lvl="2"/>
-            <a:r>
-              <a:rPr lang="en-US" smtClean="0"/>
-              <a:t>Third level</a:t>
-            </a:r>
-          </a:p>
-          <a:p>
-            <a:pPr lvl="3"/>
-            <a:r>
-              <a:rPr lang="en-US" smtClean="0"/>
-              <a:t>Fourth level</a:t>
-            </a:r>
-          </a:p>
-          <a:p>
-            <a:pPr lvl="4"/>
-            <a:r>
-              <a:rPr lang="en-US" smtClean="0"/>
-              <a:t>Fifth level</a:t>
-            </a:r>
-            <a:endParaRPr lang="en-US"/>
-          </a:p>
-        </p:txBody>
-      </p:sp>
-      <p:sp>
-        <p:nvSpPr>
-          <p:cNvPr id="4" name="Date Placeholder 3"/>
-          <p:cNvSpPr>
-            <a:spLocks noGrp="1"/>
-          </p:cNvSpPr>
-          <p:nvPr>
-            <p:ph type="dt" sz="half" idx="10"/>
-          </p:nvPr>
-        </p:nvSpPr>
-        <p:spPr/>
-        <p:txBody>
-          <a:bodyPr/>
-          <a:lstStyle/>
-          <a:p>
             <a:fld id="{CC883614-4664-B542-9BB9-1A8DA4BB28BA}" type="datetimeFigureOut">
               <a:rPr lang="en-US" smtClean="0"/>
-              <a:t>11/30/15</a:t>
+              <a:t>12/6/15</a:t>
             </a:fld>
             <a:endParaRPr lang="en-US"/>
           </a:p>
@@ -853,6 +837,94 @@
               <a:t>‹#›</a:t>
             </a:fld>
             <a:endParaRPr lang="en-US"/>
+          </a:p>
+        </p:txBody>
+      </p:sp>
+      <p:sp>
+        <p:nvSpPr>
+          <p:cNvPr id="7" name="Rectangle 6"/>
+          <p:cNvSpPr/>
+          <p:nvPr userDrawn="1"/>
+        </p:nvSpPr>
+        <p:spPr>
+          <a:xfrm>
+            <a:off x="0" y="0"/>
+            <a:ext cx="9144000" cy="545806"/>
+          </a:xfrm>
+          <a:prstGeom prst="rect">
+            <a:avLst/>
+          </a:prstGeom>
+          <a:solidFill>
+            <a:schemeClr val="tx2">
+              <a:lumMod val="60000"/>
+              <a:lumOff val="40000"/>
+            </a:schemeClr>
+          </a:solidFill>
+          <a:ln>
+            <a:noFill/>
+          </a:ln>
+          <a:effectLst/>
+        </p:spPr>
+        <p:style>
+          <a:lnRef idx="1">
+            <a:schemeClr val="accent1"/>
+          </a:lnRef>
+          <a:fillRef idx="3">
+            <a:schemeClr val="accent1"/>
+          </a:fillRef>
+          <a:effectRef idx="2">
+            <a:schemeClr val="accent1"/>
+          </a:effectRef>
+          <a:fontRef idx="minor">
+            <a:schemeClr val="lt1"/>
+          </a:fontRef>
+        </p:style>
+        <p:txBody>
+          <a:bodyPr rtlCol="0" anchor="ctr"/>
+          <a:lstStyle/>
+          <a:p>
+            <a:pPr algn="ctr"/>
+            <a:endParaRPr lang="en-US" dirty="0">
+              <a:latin typeface="Open Sans Light"/>
+            </a:endParaRPr>
+          </a:p>
+        </p:txBody>
+      </p:sp>
+      <p:sp>
+        <p:nvSpPr>
+          <p:cNvPr id="2" name="Title 1"/>
+          <p:cNvSpPr>
+            <a:spLocks noGrp="1"/>
+          </p:cNvSpPr>
+          <p:nvPr>
+            <p:ph type="title"/>
+          </p:nvPr>
+        </p:nvSpPr>
+        <p:spPr>
+          <a:xfrm>
+            <a:off x="151027" y="71750"/>
+            <a:ext cx="8841303" cy="400582"/>
+          </a:xfrm>
+        </p:spPr>
+        <p:txBody>
+          <a:bodyPr>
+            <a:normAutofit/>
+          </a:bodyPr>
+          <a:lstStyle>
+            <a:lvl1pPr algn="l">
+              <a:defRPr sz="1800">
+                <a:solidFill>
+                  <a:srgbClr val="FFFFFF"/>
+                </a:solidFill>
+              </a:defRPr>
+            </a:lvl1pPr>
+          </a:lstStyle>
+          <a:p>
+            <a:r>
+              <a:rPr lang="en-US" dirty="0" smtClean="0"/>
+              <a:t>Click to edit Master title style</a:t>
+            </a:r>
+            <a:endParaRPr lang="en-US" dirty="0"/>
           </a:p>
         </p:txBody>
       </p:sp>
@@ -1054,7 +1126,7 @@
           <a:p>
             <a:fld id="{CC883614-4664-B542-9BB9-1A8DA4BB28BA}" type="datetimeFigureOut">
               <a:rPr lang="en-US" smtClean="0"/>
-              <a:t>11/30/15</a:t>
+              <a:t>12/6/15</a:t>
             </a:fld>
             <a:endParaRPr lang="en-US"/>
           </a:p>
@@ -1342,7 +1414,7 @@
           <a:p>
             <a:fld id="{CC883614-4664-B542-9BB9-1A8DA4BB28BA}" type="datetimeFigureOut">
               <a:rPr lang="en-US" smtClean="0"/>
-              <a:t>11/30/15</a:t>
+              <a:t>12/6/15</a:t>
             </a:fld>
             <a:endParaRPr lang="en-US"/>
           </a:p>
@@ -1764,7 +1836,7 @@
           <a:p>
             <a:fld id="{CC883614-4664-B542-9BB9-1A8DA4BB28BA}" type="datetimeFigureOut">
               <a:rPr lang="en-US" smtClean="0"/>
-              <a:t>11/30/15</a:t>
+              <a:t>12/6/15</a:t>
             </a:fld>
             <a:endParaRPr lang="en-US"/>
           </a:p>
@@ -1882,7 +1954,7 @@
           <a:p>
             <a:fld id="{CC883614-4664-B542-9BB9-1A8DA4BB28BA}" type="datetimeFigureOut">
               <a:rPr lang="en-US" smtClean="0"/>
-              <a:t>11/30/15</a:t>
+              <a:t>12/6/15</a:t>
             </a:fld>
             <a:endParaRPr lang="en-US"/>
           </a:p>
@@ -1977,7 +2049,7 @@
           <a:p>
             <a:fld id="{CC883614-4664-B542-9BB9-1A8DA4BB28BA}" type="datetimeFigureOut">
               <a:rPr lang="en-US" smtClean="0"/>
-              <a:t>11/30/15</a:t>
+              <a:t>12/6/15</a:t>
             </a:fld>
             <a:endParaRPr lang="en-US"/>
           </a:p>
@@ -2254,7 +2326,7 @@
           <a:p>
             <a:fld id="{CC883614-4664-B542-9BB9-1A8DA4BB28BA}" type="datetimeFigureOut">
               <a:rPr lang="en-US" smtClean="0"/>
-              <a:t>11/30/15</a:t>
+              <a:t>12/6/15</a:t>
             </a:fld>
             <a:endParaRPr lang="en-US"/>
           </a:p>
@@ -2507,7 +2579,7 @@
           <a:p>
             <a:fld id="{CC883614-4664-B542-9BB9-1A8DA4BB28BA}" type="datetimeFigureOut">
               <a:rPr lang="en-US" smtClean="0"/>
-              <a:t>11/30/15</a:t>
+              <a:t>12/6/15</a:t>
             </a:fld>
             <a:endParaRPr lang="en-US"/>
           </a:p>
@@ -2616,10 +2688,10 @@
           <a:lstStyle/>
           <a:p>
             <a:r>
-              <a:rPr lang="en-US" smtClean="0"/>
+              <a:rPr lang="en-US" dirty="0" smtClean="0"/>
               <a:t>Click to edit Master title style</a:t>
             </a:r>
-            <a:endParaRPr lang="en-US"/>
+            <a:endParaRPr lang="en-US" dirty="0"/>
           </a:p>
         </p:txBody>
       </p:sp>
@@ -2650,38 +2722,38 @@
           <a:p>
             <a:pPr lvl="0"/>
             <a:r>
-              <a:rPr lang="en-US" smtClean="0"/>
+              <a:rPr lang="en-US" dirty="0" smtClean="0"/>
               <a:t>Click to edit Master text styles</a:t>
             </a:r>
           </a:p>
           <a:p>
             <a:pPr lvl="1"/>
             <a:r>
-              <a:rPr lang="en-US" smtClean="0"/>
+              <a:rPr lang="en-US" dirty="0" smtClean="0"/>
               <a:t>Second level</a:t>
             </a:r>
           </a:p>
           <a:p>
             <a:pPr lvl="2"/>
             <a:r>
-              <a:rPr lang="en-US" smtClean="0"/>
+              <a:rPr lang="en-US" dirty="0" smtClean="0"/>
               <a:t>Third level</a:t>
             </a:r>
           </a:p>
           <a:p>
             <a:pPr lvl="3"/>
             <a:r>
-              <a:rPr lang="en-US" smtClean="0"/>
+              <a:rPr lang="en-US" dirty="0" smtClean="0"/>
               <a:t>Fourth level</a:t>
             </a:r>
           </a:p>
           <a:p>
             <a:pPr lvl="4"/>
             <a:r>
-              <a:rPr lang="en-US" smtClean="0"/>
+              <a:rPr lang="en-US" dirty="0" smtClean="0"/>
               <a:t>Fifth level</a:t>
             </a:r>
-            <a:endParaRPr lang="en-US"/>
+            <a:endParaRPr lang="en-US" dirty="0"/>
           </a:p>
         </p:txBody>
       </p:sp>
@@ -2714,15 +2786,17 @@
                     <a:tint val="75000"/>
                   </a:schemeClr>
                 </a:solidFill>
+                <a:latin typeface="Open Sans Light"/>
               </a:defRPr>
             </a:lvl1pPr>
           </a:lstStyle>
           <a:p>
             <a:fld id="{CC883614-4664-B542-9BB9-1A8DA4BB28BA}" type="datetimeFigureOut">
               <a:rPr lang="en-US" smtClean="0"/>
-              <a:t>11/30/15</a:t>
+              <a:pPr/>
+              <a:t>12/6/15</a:t>
             </a:fld>
-            <a:endParaRPr lang="en-US"/>
+            <a:endParaRPr lang="en-US" dirty="0"/>
           </a:p>
         </p:txBody>
       </p:sp>
@@ -2755,11 +2829,12 @@
                     <a:tint val="75000"/>
                   </a:schemeClr>
                 </a:solidFill>
+                <a:latin typeface="Open Sans Light"/>
               </a:defRPr>
             </a:lvl1pPr>
           </a:lstStyle>
           <a:p>
-            <a:endParaRPr lang="en-US"/>
+            <a:endParaRPr lang="en-US" dirty="0"/>
           </a:p>
         </p:txBody>
       </p:sp>
@@ -2792,15 +2867,17 @@
                     <a:tint val="75000"/>
                   </a:schemeClr>
                 </a:solidFill>
+                <a:latin typeface="Open Sans Light"/>
               </a:defRPr>
             </a:lvl1pPr>
           </a:lstStyle>
           <a:p>
             <a:fld id="{199C7956-E475-4846-89F5-64C2B814DE9D}" type="slidenum">
               <a:rPr lang="en-US" smtClean="0"/>
+              <a:pPr/>
               <a:t>‹#›</a:t>
             </a:fld>
-            <a:endParaRPr lang="en-US"/>
+            <a:endParaRPr lang="en-US" dirty="0"/>
           </a:p>
         </p:txBody>
       </p:sp>
@@ -2836,9 +2913,9 @@
           <a:solidFill>
             <a:schemeClr val="tx1"/>
           </a:solidFill>
-          <a:latin typeface="+mj-lt"/>
+          <a:latin typeface="Open Sans Light"/>
           <a:ea typeface="+mj-ea"/>
-          <a:cs typeface="+mj-cs"/>
+          <a:cs typeface="Open Sans Light"/>
         </a:defRPr>
       </a:lvl1pPr>
     </p:titleStyle>
@@ -2853,9 +2930,9 @@
           <a:solidFill>
             <a:schemeClr val="tx1"/>
           </a:solidFill>
-          <a:latin typeface="+mn-lt"/>
+          <a:latin typeface="Open Sans Light"/>
           <a:ea typeface="+mn-ea"/>
-          <a:cs typeface="+mn-cs"/>
+          <a:cs typeface="Open Sans Light"/>
         </a:defRPr>
       </a:lvl1pPr>
       <a:lvl2pPr marL="742950" indent="-285750" algn="l" defTabSz="457200" rtl="0" eaLnBrk="1" latinLnBrk="0" hangingPunct="1">
@@ -2868,9 +2945,9 @@
           <a:solidFill>
             <a:schemeClr val="tx1"/>
           </a:solidFill>
-          <a:latin typeface="+mn-lt"/>
+          <a:latin typeface="Open Sans Light"/>
           <a:ea typeface="+mn-ea"/>
-          <a:cs typeface="+mn-cs"/>
+          <a:cs typeface="Open Sans Light"/>
         </a:defRPr>
       </a:lvl2pPr>
       <a:lvl3pPr marL="1143000" indent="-228600" algn="l" defTabSz="457200" rtl="0" eaLnBrk="1" latinLnBrk="0" hangingPunct="1">
@@ -2883,9 +2960,9 @@
           <a:solidFill>
             <a:schemeClr val="tx1"/>
           </a:solidFill>
-          <a:latin typeface="+mn-lt"/>
+          <a:latin typeface="Open Sans Light"/>
           <a:ea typeface="+mn-ea"/>
-          <a:cs typeface="+mn-cs"/>
+          <a:cs typeface="Open Sans Light"/>
         </a:defRPr>
       </a:lvl3pPr>
       <a:lvl4pPr marL="1600200" indent="-228600" algn="l" defTabSz="457200" rtl="0" eaLnBrk="1" latinLnBrk="0" hangingPunct="1">
@@ -2898,9 +2975,9 @@
           <a:solidFill>
             <a:schemeClr val="tx1"/>
           </a:solidFill>
-          <a:latin typeface="+mn-lt"/>
+          <a:latin typeface="Open Sans Light"/>
           <a:ea typeface="+mn-ea"/>
-          <a:cs typeface="+mn-cs"/>
+          <a:cs typeface="Open Sans Light"/>
         </a:defRPr>
       </a:lvl4pPr>
       <a:lvl5pPr marL="2057400" indent="-228600" algn="l" defTabSz="457200" rtl="0" eaLnBrk="1" latinLnBrk="0" hangingPunct="1">
@@ -2913,9 +2990,9 @@
           <a:solidFill>
             <a:schemeClr val="tx1"/>
           </a:solidFill>
-          <a:latin typeface="+mn-lt"/>
+          <a:latin typeface="Open Sans Light"/>
           <a:ea typeface="+mn-ea"/>
-          <a:cs typeface="+mn-cs"/>
+          <a:cs typeface="Open Sans Light"/>
         </a:defRPr>
       </a:lvl5pPr>
       <a:lvl6pPr marL="2514600" indent="-228600" algn="l" defTabSz="457200" rtl="0" eaLnBrk="1" latinLnBrk="0" hangingPunct="1">
@@ -3097,6 +3174,61 @@
       </p:grpSpPr>
       <p:sp>
         <p:nvSpPr>
+          <p:cNvPr id="4" name="Rectangle 3"/>
+          <p:cNvSpPr/>
+          <p:nvPr/>
+        </p:nvSpPr>
+        <p:spPr>
+          <a:xfrm>
+            <a:off x="0" y="0"/>
+            <a:ext cx="9144000" cy="6858000"/>
+          </a:xfrm>
+          <a:prstGeom prst="rect">
+            <a:avLst/>
+          </a:prstGeom>
+          <a:solidFill>
+            <a:schemeClr val="tx2">
+              <a:lumMod val="60000"/>
+              <a:lumOff val="40000"/>
+            </a:schemeClr>
+          </a:solidFill>
+          <a:ln>
+            <a:noFill/>
+          </a:ln>
+          <a:effectLst/>
+        </p:spPr>
+        <p:style>
+          <a:lnRef idx="1">
+            <a:schemeClr val="accent1"/>
+          </a:lnRef>
+          <a:fillRef idx="3">
+            <a:schemeClr val="accent1"/>
+          </a:fillRef>
+          <a:effectRef idx="2">
+            <a:schemeClr val="accent1"/>
+          </a:effectRef>
+          <a:fontRef idx="minor">
+            <a:schemeClr val="lt1"/>
+          </a:fontRef>
+        </p:style>
+        <p:txBody>
+          <a:bodyPr rot="0" spcFirstLastPara="0" vertOverflow="overflow" horzOverflow="overflow" vert="horz" wrap="square" lIns="91440" tIns="45720" rIns="91440" bIns="45720" numCol="1" spcCol="0" rtlCol="0" fromWordArt="0" anchor="ctr" anchorCtr="0" forceAA="0" compatLnSpc="1">
+            <a:prstTxWarp prst="textNoShape">
+              <a:avLst/>
+            </a:prstTxWarp>
+            <a:noAutofit/>
+          </a:bodyPr>
+          <a:lstStyle/>
+          <a:p>
+            <a:pPr algn="ctr"/>
+            <a:endParaRPr lang="en-US" dirty="0">
+              <a:latin typeface="Open Sans Light"/>
+            </a:endParaRPr>
+          </a:p>
+        </p:txBody>
+      </p:sp>
+      <p:sp>
+        <p:nvSpPr>
           <p:cNvPr id="2" name="Title 1"/>
           <p:cNvSpPr>
             <a:spLocks noGrp="1"/>
@@ -3105,12 +3237,29 @@
             <p:ph type="ctrTitle"/>
           </p:nvPr>
         </p:nvSpPr>
-        <p:spPr/>
-        <p:txBody>
-          <a:bodyPr/>
-          <a:lstStyle/>
-          <a:p>
-            <a:endParaRPr lang="en-US"/>
+        <p:spPr>
+          <a:xfrm>
+            <a:off x="685800" y="655427"/>
+            <a:ext cx="7772400" cy="1044837"/>
+          </a:xfrm>
+        </p:spPr>
+        <p:txBody>
+          <a:bodyPr/>
+          <a:lstStyle/>
+          <a:p>
+            <a:r>
+              <a:rPr lang="en-US" dirty="0" smtClean="0">
+                <a:solidFill>
+                  <a:schemeClr val="bg1"/>
+                </a:solidFill>
+              </a:rPr>
+              <a:t>Statistics 133 Final Project</a:t>
+            </a:r>
+            <a:endParaRPr lang="en-US" dirty="0">
+              <a:solidFill>
+                <a:schemeClr val="bg1"/>
+              </a:solidFill>
+            </a:endParaRPr>
           </a:p>
         </p:txBody>
       </p:sp>
@@ -3124,19 +3273,557 @@
             <p:ph type="subTitle" idx="1"/>
           </p:nvPr>
         </p:nvSpPr>
-        <p:spPr/>
-        <p:txBody>
-          <a:bodyPr/>
-          <a:lstStyle/>
-          <a:p>
-            <a:endParaRPr lang="en-US"/>
-          </a:p>
-        </p:txBody>
-      </p:sp>
+        <p:spPr>
+          <a:xfrm>
+            <a:off x="1371600" y="1711604"/>
+            <a:ext cx="6400800" cy="547827"/>
+          </a:xfrm>
+        </p:spPr>
+        <p:txBody>
+          <a:bodyPr>
+            <a:normAutofit lnSpcReduction="10000"/>
+          </a:bodyPr>
+          <a:lstStyle/>
+          <a:p>
+            <a:r>
+              <a:rPr lang="en-US" i="1" dirty="0" smtClean="0">
+                <a:solidFill>
+                  <a:srgbClr val="FFFFFF"/>
+                </a:solidFill>
+              </a:rPr>
+              <a:t>Extra Credit Presentation</a:t>
+            </a:r>
+          </a:p>
+        </p:txBody>
+      </p:sp>
+      <p:sp>
+        <p:nvSpPr>
+          <p:cNvPr id="5" name="TextBox 4"/>
+          <p:cNvSpPr txBox="1"/>
+          <p:nvPr/>
+        </p:nvSpPr>
+        <p:spPr>
+          <a:xfrm>
+            <a:off x="518635" y="5777151"/>
+            <a:ext cx="1705930" cy="769441"/>
+          </a:xfrm>
+          <a:prstGeom prst="rect">
+            <a:avLst/>
+          </a:prstGeom>
+          <a:noFill/>
+        </p:spPr>
+        <p:txBody>
+          <a:bodyPr wrap="square" rtlCol="0">
+            <a:spAutoFit/>
+          </a:bodyPr>
+          <a:lstStyle/>
+          <a:p>
+            <a:pPr algn="ctr"/>
+            <a:r>
+              <a:rPr lang="en-US" sz="1600" dirty="0" smtClean="0">
+                <a:solidFill>
+                  <a:srgbClr val="FFFFFF"/>
+                </a:solidFill>
+                <a:latin typeface="Open Sans Light"/>
+                <a:cs typeface="Open Sans Light"/>
+              </a:rPr>
+              <a:t>Christian </a:t>
+            </a:r>
+            <a:r>
+              <a:rPr lang="en-US" sz="1600" dirty="0" err="1" smtClean="0">
+                <a:solidFill>
+                  <a:srgbClr val="FFFFFF"/>
+                </a:solidFill>
+                <a:latin typeface="Open Sans Light"/>
+                <a:cs typeface="Open Sans Light"/>
+              </a:rPr>
+              <a:t>Alarcio</a:t>
+            </a:r>
+            <a:endParaRPr lang="en-US" sz="1600" dirty="0" smtClean="0">
+              <a:solidFill>
+                <a:srgbClr val="FFFFFF"/>
+              </a:solidFill>
+              <a:latin typeface="Open Sans Light"/>
+              <a:cs typeface="Open Sans Light"/>
+            </a:endParaRPr>
+          </a:p>
+          <a:p>
+            <a:pPr algn="ctr"/>
+            <a:r>
+              <a:rPr lang="en-US" sz="1400" i="1" dirty="0" smtClean="0">
+                <a:solidFill>
+                  <a:srgbClr val="FFFFFF"/>
+                </a:solidFill>
+                <a:latin typeface="Open Sans Light"/>
+              </a:rPr>
+              <a:t>Economics</a:t>
+            </a:r>
+          </a:p>
+          <a:p>
+            <a:pPr algn="ctr"/>
+            <a:r>
+              <a:rPr lang="en-US" sz="1400" i="1" dirty="0" smtClean="0">
+                <a:solidFill>
+                  <a:srgbClr val="FFFFFF"/>
+                </a:solidFill>
+                <a:latin typeface="Open Sans Light"/>
+              </a:rPr>
+              <a:t>2016</a:t>
+            </a:r>
+            <a:endParaRPr lang="en-US" sz="1400" i="1" dirty="0">
+              <a:solidFill>
+                <a:srgbClr val="FFFFFF"/>
+              </a:solidFill>
+              <a:latin typeface="Open Sans Light"/>
+            </a:endParaRPr>
+          </a:p>
+        </p:txBody>
+      </p:sp>
+      <p:sp>
+        <p:nvSpPr>
+          <p:cNvPr id="6" name="TextBox 5"/>
+          <p:cNvSpPr txBox="1"/>
+          <p:nvPr/>
+        </p:nvSpPr>
+        <p:spPr>
+          <a:xfrm>
+            <a:off x="2722989" y="5777151"/>
+            <a:ext cx="1147341" cy="769441"/>
+          </a:xfrm>
+          <a:prstGeom prst="rect">
+            <a:avLst/>
+          </a:prstGeom>
+          <a:noFill/>
+        </p:spPr>
+        <p:txBody>
+          <a:bodyPr wrap="square" rtlCol="0">
+            <a:spAutoFit/>
+          </a:bodyPr>
+          <a:lstStyle/>
+          <a:p>
+            <a:pPr algn="ctr"/>
+            <a:r>
+              <a:rPr lang="en-US" sz="1600" dirty="0" smtClean="0">
+                <a:solidFill>
+                  <a:srgbClr val="FFFFFF"/>
+                </a:solidFill>
+                <a:latin typeface="Open Sans Light"/>
+                <a:cs typeface="Open Sans Light"/>
+              </a:rPr>
+              <a:t>Ellen Chan</a:t>
+            </a:r>
+          </a:p>
+          <a:p>
+            <a:pPr algn="ctr"/>
+            <a:r>
+              <a:rPr lang="en-US" sz="1400" i="1" dirty="0" smtClean="0">
+                <a:solidFill>
+                  <a:srgbClr val="FFFFFF"/>
+                </a:solidFill>
+                <a:latin typeface="Open Sans Light"/>
+              </a:rPr>
+              <a:t>Statistics</a:t>
+            </a:r>
+          </a:p>
+          <a:p>
+            <a:pPr algn="ctr"/>
+            <a:r>
+              <a:rPr lang="en-US" sz="1400" i="1" dirty="0" smtClean="0">
+                <a:solidFill>
+                  <a:srgbClr val="FFFFFF"/>
+                </a:solidFill>
+                <a:latin typeface="Open Sans Light"/>
+              </a:rPr>
+              <a:t>2017</a:t>
+            </a:r>
+            <a:endParaRPr lang="en-US" sz="1400" i="1" dirty="0">
+              <a:solidFill>
+                <a:srgbClr val="FFFFFF"/>
+              </a:solidFill>
+              <a:latin typeface="Open Sans Light"/>
+            </a:endParaRPr>
+          </a:p>
+        </p:txBody>
+      </p:sp>
+      <p:sp>
+        <p:nvSpPr>
+          <p:cNvPr id="7" name="TextBox 6"/>
+          <p:cNvSpPr txBox="1"/>
+          <p:nvPr/>
+        </p:nvSpPr>
+        <p:spPr>
+          <a:xfrm>
+            <a:off x="4368754" y="5777151"/>
+            <a:ext cx="1260974" cy="769441"/>
+          </a:xfrm>
+          <a:prstGeom prst="rect">
+            <a:avLst/>
+          </a:prstGeom>
+          <a:noFill/>
+        </p:spPr>
+        <p:txBody>
+          <a:bodyPr wrap="square" rtlCol="0">
+            <a:spAutoFit/>
+          </a:bodyPr>
+          <a:lstStyle/>
+          <a:p>
+            <a:pPr algn="ctr"/>
+            <a:r>
+              <a:rPr lang="en-US" sz="1600" dirty="0" err="1" smtClean="0">
+                <a:solidFill>
+                  <a:srgbClr val="FFFFFF"/>
+                </a:solidFill>
+                <a:latin typeface="Open Sans Light"/>
+                <a:cs typeface="Open Sans Light"/>
+              </a:rPr>
+              <a:t>Anais</a:t>
+            </a:r>
+            <a:r>
+              <a:rPr lang="en-US" sz="1600" dirty="0" smtClean="0">
+                <a:solidFill>
+                  <a:srgbClr val="FFFFFF"/>
+                </a:solidFill>
+                <a:latin typeface="Open Sans Light"/>
+                <a:cs typeface="Open Sans Light"/>
+              </a:rPr>
+              <a:t> </a:t>
+            </a:r>
+            <a:r>
+              <a:rPr lang="en-US" sz="1600" dirty="0" err="1" smtClean="0">
+                <a:solidFill>
+                  <a:srgbClr val="FFFFFF"/>
+                </a:solidFill>
+                <a:latin typeface="Open Sans Light"/>
+                <a:cs typeface="Open Sans Light"/>
+              </a:rPr>
+              <a:t>Sidhu</a:t>
+            </a:r>
+            <a:endParaRPr lang="en-US" sz="1600" dirty="0" smtClean="0">
+              <a:solidFill>
+                <a:srgbClr val="FFFFFF"/>
+              </a:solidFill>
+              <a:latin typeface="Open Sans Light"/>
+              <a:cs typeface="Open Sans Light"/>
+            </a:endParaRPr>
+          </a:p>
+          <a:p>
+            <a:pPr algn="ctr"/>
+            <a:r>
+              <a:rPr lang="en-US" sz="1400" i="1" dirty="0" smtClean="0">
+                <a:solidFill>
+                  <a:srgbClr val="FFFFFF"/>
+                </a:solidFill>
+                <a:latin typeface="Open Sans Light"/>
+              </a:rPr>
+              <a:t>Economics</a:t>
+            </a:r>
+          </a:p>
+          <a:p>
+            <a:pPr algn="ctr"/>
+            <a:r>
+              <a:rPr lang="en-US" sz="1400" i="1" dirty="0" smtClean="0">
+                <a:solidFill>
+                  <a:srgbClr val="FFFFFF"/>
+                </a:solidFill>
+                <a:latin typeface="Open Sans Light"/>
+              </a:rPr>
+              <a:t>2017</a:t>
+            </a:r>
+            <a:endParaRPr lang="en-US" sz="1400" i="1" dirty="0">
+              <a:solidFill>
+                <a:srgbClr val="FFFFFF"/>
+              </a:solidFill>
+              <a:latin typeface="Open Sans Light"/>
+            </a:endParaRPr>
+          </a:p>
+        </p:txBody>
+      </p:sp>
+      <p:sp>
+        <p:nvSpPr>
+          <p:cNvPr id="8" name="TextBox 7"/>
+          <p:cNvSpPr txBox="1"/>
+          <p:nvPr/>
+        </p:nvSpPr>
+        <p:spPr>
+          <a:xfrm>
+            <a:off x="6128153" y="5777151"/>
+            <a:ext cx="2472041" cy="769441"/>
+          </a:xfrm>
+          <a:prstGeom prst="rect">
+            <a:avLst/>
+          </a:prstGeom>
+          <a:noFill/>
+        </p:spPr>
+        <p:txBody>
+          <a:bodyPr wrap="square" rtlCol="0">
+            <a:spAutoFit/>
+          </a:bodyPr>
+          <a:lstStyle/>
+          <a:p>
+            <a:pPr algn="ctr"/>
+            <a:r>
+              <a:rPr lang="en-US" sz="1600" dirty="0" smtClean="0">
+                <a:solidFill>
+                  <a:srgbClr val="FFFFFF"/>
+                </a:solidFill>
+                <a:latin typeface="Open Sans Light"/>
+                <a:cs typeface="Open Sans Light"/>
+              </a:rPr>
+              <a:t>Ruomeng (Michelle) Yang</a:t>
+            </a:r>
+          </a:p>
+          <a:p>
+            <a:pPr algn="ctr"/>
+            <a:r>
+              <a:rPr lang="en-US" sz="1400" i="1" dirty="0" smtClean="0">
+                <a:solidFill>
+                  <a:srgbClr val="FFFFFF"/>
+                </a:solidFill>
+                <a:latin typeface="Open Sans Light"/>
+              </a:rPr>
+              <a:t>EECS</a:t>
+            </a:r>
+          </a:p>
+          <a:p>
+            <a:pPr algn="ctr"/>
+            <a:r>
+              <a:rPr lang="en-US" sz="1400" i="1" dirty="0" smtClean="0">
+                <a:solidFill>
+                  <a:srgbClr val="FFFFFF"/>
+                </a:solidFill>
+                <a:latin typeface="Open Sans Light"/>
+              </a:rPr>
+              <a:t>2018</a:t>
+            </a:r>
+            <a:endParaRPr lang="en-US" sz="1400" i="1" dirty="0">
+              <a:solidFill>
+                <a:srgbClr val="FFFFFF"/>
+              </a:solidFill>
+              <a:latin typeface="Open Sans Light"/>
+            </a:endParaRPr>
+          </a:p>
+        </p:txBody>
+      </p:sp>
+      <p:pic>
+        <p:nvPicPr>
+          <p:cNvPr id="11" name="Picture 10"/>
+          <p:cNvPicPr>
+            <a:picLocks noChangeAspect="1"/>
+          </p:cNvPicPr>
+          <p:nvPr/>
+        </p:nvPicPr>
+        <p:blipFill>
+          <a:blip r:embed="rId2">
+            <a:alphaModFix amt="37000"/>
+          </a:blip>
+          <a:stretch>
+            <a:fillRect/>
+          </a:stretch>
+        </p:blipFill>
+        <p:spPr>
+          <a:xfrm>
+            <a:off x="0" y="2449489"/>
+            <a:ext cx="9144000" cy="3199631"/>
+          </a:xfrm>
+          <a:prstGeom prst="rect">
+            <a:avLst/>
+          </a:prstGeom>
+        </p:spPr>
+      </p:pic>
     </p:spTree>
     <p:extLst>
       <p:ext uri="{BB962C8B-B14F-4D97-AF65-F5344CB8AC3E}">
         <p14:creationId xmlns:p14="http://schemas.microsoft.com/office/powerpoint/2010/main" val="1509515641"/>
+      </p:ext>
+    </p:extLst>
+  </p:cSld>
+  <p:clrMapOvr>
+    <a:masterClrMapping/>
+  </p:clrMapOvr>
+  <p:timing>
+    <p:tnLst>
+      <p:par>
+        <p:cTn xmlns:p14="http://schemas.microsoft.com/office/powerpoint/2010/main" id="1" dur="indefinite" restart="never" nodeType="tmRoot"/>
+      </p:par>
+    </p:tnLst>
+  </p:timing>
+</p:sld>
+</file>
+
+<file path=ppt/slides/slide2.xml><?xml version="1.0" encoding="utf-8"?>
+<p:sld xmlns:a="http://schemas.openxmlformats.org/drawingml/2006/main" xmlns:r="http://schemas.openxmlformats.org/officeDocument/2006/relationships" xmlns:p="http://schemas.openxmlformats.org/presentationml/2006/main">
+  <p:cSld>
+    <p:spTree>
+      <p:nvGrpSpPr>
+        <p:cNvPr id="1" name=""/>
+        <p:cNvGrpSpPr/>
+        <p:nvPr/>
+      </p:nvGrpSpPr>
+      <p:grpSpPr>
+        <a:xfrm>
+          <a:off x="0" y="0"/>
+          <a:ext cx="0" cy="0"/>
+          <a:chOff x="0" y="0"/>
+          <a:chExt cx="0" cy="0"/>
+        </a:xfrm>
+      </p:grpSpPr>
+      <p:sp>
+        <p:nvSpPr>
+          <p:cNvPr id="2" name="Title 1"/>
+          <p:cNvSpPr>
+            <a:spLocks noGrp="1"/>
+          </p:cNvSpPr>
+          <p:nvPr>
+            <p:ph type="title"/>
+          </p:nvPr>
+        </p:nvSpPr>
+        <p:spPr>
+          <a:xfrm>
+            <a:off x="151028" y="71750"/>
+            <a:ext cx="8841303" cy="405775"/>
+          </a:xfrm>
+        </p:spPr>
+        <p:txBody>
+          <a:bodyPr>
+            <a:normAutofit/>
+          </a:bodyPr>
+          <a:lstStyle/>
+          <a:p>
+            <a:pPr algn="l"/>
+            <a:r>
+              <a:rPr lang="en-US" sz="1800" dirty="0" smtClean="0">
+                <a:solidFill>
+                  <a:srgbClr val="FFFFFF"/>
+                </a:solidFill>
+              </a:rPr>
+              <a:t>RESEARCH PROBLEM</a:t>
+            </a:r>
+            <a:endParaRPr lang="en-US" sz="1800" dirty="0">
+              <a:solidFill>
+                <a:srgbClr val="FFFFFF"/>
+              </a:solidFill>
+            </a:endParaRPr>
+          </a:p>
+        </p:txBody>
+      </p:sp>
+    </p:spTree>
+    <p:extLst>
+      <p:ext uri="{BB962C8B-B14F-4D97-AF65-F5344CB8AC3E}">
+        <p14:creationId xmlns:p14="http://schemas.microsoft.com/office/powerpoint/2010/main" val="3209377447"/>
+      </p:ext>
+    </p:extLst>
+  </p:cSld>
+  <p:clrMapOvr>
+    <a:masterClrMapping/>
+  </p:clrMapOvr>
+  <p:timing>
+    <p:tnLst>
+      <p:par>
+        <p:cTn xmlns:p14="http://schemas.microsoft.com/office/powerpoint/2010/main" id="1" dur="indefinite" restart="never" nodeType="tmRoot"/>
+      </p:par>
+    </p:tnLst>
+  </p:timing>
+</p:sld>
+</file>
+
+<file path=ppt/slides/slide3.xml><?xml version="1.0" encoding="utf-8"?>
+<p:sld xmlns:a="http://schemas.openxmlformats.org/drawingml/2006/main" xmlns:r="http://schemas.openxmlformats.org/officeDocument/2006/relationships" xmlns:p="http://schemas.openxmlformats.org/presentationml/2006/main">
+  <p:cSld>
+    <p:spTree>
+      <p:nvGrpSpPr>
+        <p:cNvPr id="1" name=""/>
+        <p:cNvGrpSpPr/>
+        <p:nvPr/>
+      </p:nvGrpSpPr>
+      <p:grpSpPr>
+        <a:xfrm>
+          <a:off x="0" y="0"/>
+          <a:ext cx="0" cy="0"/>
+          <a:chOff x="0" y="0"/>
+          <a:chExt cx="0" cy="0"/>
+        </a:xfrm>
+      </p:grpSpPr>
+      <p:sp>
+        <p:nvSpPr>
+          <p:cNvPr id="2" name="Content Placeholder 1"/>
+          <p:cNvSpPr>
+            <a:spLocks noGrp="1"/>
+          </p:cNvSpPr>
+          <p:nvPr>
+            <p:ph idx="1"/>
+          </p:nvPr>
+        </p:nvSpPr>
+        <p:spPr>
+          <a:xfrm>
+            <a:off x="151026" y="670302"/>
+            <a:ext cx="8841303" cy="4525963"/>
+          </a:xfrm>
+        </p:spPr>
+        <p:txBody>
+          <a:bodyPr>
+            <a:normAutofit/>
+          </a:bodyPr>
+          <a:lstStyle/>
+          <a:p>
+            <a:r>
+              <a:rPr lang="en-US" sz="1400" dirty="0" smtClean="0"/>
+              <a:t>Front-</a:t>
+            </a:r>
+            <a:r>
+              <a:rPr lang="en-US" sz="1400" dirty="0"/>
+              <a:t>page picture: http://</a:t>
+            </a:r>
+            <a:r>
+              <a:rPr lang="en-US" sz="1400" dirty="0" err="1"/>
+              <a:t>qcfinance.in</a:t>
+            </a:r>
+            <a:r>
+              <a:rPr lang="en-US" sz="1400" dirty="0"/>
+              <a:t>/</a:t>
+            </a:r>
+            <a:r>
+              <a:rPr lang="en-US" sz="1400" dirty="0" err="1"/>
+              <a:t>wp</a:t>
+            </a:r>
+            <a:r>
+              <a:rPr lang="en-US" sz="1400" dirty="0"/>
+              <a:t>-content/uploads/2013/10/financial-</a:t>
+            </a:r>
+            <a:r>
+              <a:rPr lang="en-US" sz="1400" dirty="0" err="1"/>
+              <a:t>analysis.jpg</a:t>
+            </a:r>
+            <a:endParaRPr lang="en-US" sz="1400" dirty="0"/>
+          </a:p>
+        </p:txBody>
+      </p:sp>
+      <p:sp>
+        <p:nvSpPr>
+          <p:cNvPr id="3" name="Title 2"/>
+          <p:cNvSpPr>
+            <a:spLocks noGrp="1"/>
+          </p:cNvSpPr>
+          <p:nvPr>
+            <p:ph type="title"/>
+          </p:nvPr>
+        </p:nvSpPr>
+        <p:spPr/>
+        <p:txBody>
+          <a:bodyPr/>
+          <a:lstStyle/>
+          <a:p>
+            <a:r>
+              <a:rPr lang="en-US" dirty="0" smtClean="0"/>
+              <a:t>SOURCES</a:t>
+            </a:r>
+            <a:endParaRPr lang="en-US" dirty="0"/>
+          </a:p>
+        </p:txBody>
+      </p:sp>
+    </p:spTree>
+    <p:extLst>
+      <p:ext uri="{BB962C8B-B14F-4D97-AF65-F5344CB8AC3E}">
+        <p14:creationId xmlns:p14="http://schemas.microsoft.com/office/powerpoint/2010/main" val="2329031321"/>
       </p:ext>
     </p:extLst>
   </p:cSld>
@@ -3424,9 +4111,24 @@
   </a:themeElements>
   <a:objectDefaults>
     <a:spDef>
-      <a:spPr/>
-      <a:bodyPr/>
-      <a:lstStyle/>
+      <a:spPr>
+        <a:solidFill>
+          <a:schemeClr val="tx2">
+            <a:lumMod val="60000"/>
+            <a:lumOff val="40000"/>
+          </a:schemeClr>
+        </a:solidFill>
+        <a:ln>
+          <a:noFill/>
+        </a:ln>
+        <a:effectLst/>
+      </a:spPr>
+      <a:bodyPr rtlCol="0" anchor="ctr"/>
+      <a:lstStyle>
+        <a:defPPr algn="ctr">
+          <a:defRPr/>
+        </a:defPPr>
+      </a:lstStyle>
       <a:style>
         <a:lnRef idx="1">
           <a:schemeClr val="accent1"/>

--- a/report/extra_credit_presentation.pptx
+++ b/report/extra_credit_presentation.pptx
@@ -4,10 +4,18 @@
   <p:sldMasterIdLst>
     <p:sldMasterId id="2147483648" r:id="rId1"/>
   </p:sldMasterIdLst>
+  <p:notesMasterIdLst>
+    <p:notesMasterId r:id="rId10"/>
+  </p:notesMasterIdLst>
   <p:sldIdLst>
     <p:sldId id="256" r:id="rId2"/>
     <p:sldId id="257" r:id="rId3"/>
-    <p:sldId id="258" r:id="rId4"/>
+    <p:sldId id="259" r:id="rId4"/>
+    <p:sldId id="260" r:id="rId5"/>
+    <p:sldId id="263" r:id="rId6"/>
+    <p:sldId id="261" r:id="rId7"/>
+    <p:sldId id="262" r:id="rId8"/>
+    <p:sldId id="258" r:id="rId9"/>
   </p:sldIdLst>
   <p:sldSz cx="9144000" cy="6858000" type="screen4x3"/>
   <p:notesSz cx="6858000" cy="9144000"/>
@@ -107,6 +115,450 @@
     </a:lvl9pPr>
   </p:defaultTextStyle>
 </p:presentation>
+</file>
+
+<file path=ppt/notesMasters/notesMaster1.xml><?xml version="1.0" encoding="utf-8"?>
+<p:notesMaster xmlns:a="http://schemas.openxmlformats.org/drawingml/2006/main" xmlns:r="http://schemas.openxmlformats.org/officeDocument/2006/relationships" xmlns:p="http://schemas.openxmlformats.org/presentationml/2006/main">
+  <p:cSld>
+    <p:bg>
+      <p:bgRef idx="1001">
+        <a:schemeClr val="bg1"/>
+      </p:bgRef>
+    </p:bg>
+    <p:spTree>
+      <p:nvGrpSpPr>
+        <p:cNvPr id="1" name=""/>
+        <p:cNvGrpSpPr/>
+        <p:nvPr/>
+      </p:nvGrpSpPr>
+      <p:grpSpPr>
+        <a:xfrm>
+          <a:off x="0" y="0"/>
+          <a:ext cx="0" cy="0"/>
+          <a:chOff x="0" y="0"/>
+          <a:chExt cx="0" cy="0"/>
+        </a:xfrm>
+      </p:grpSpPr>
+      <p:sp>
+        <p:nvSpPr>
+          <p:cNvPr id="2" name="Header Placeholder 1"/>
+          <p:cNvSpPr>
+            <a:spLocks noGrp="1"/>
+          </p:cNvSpPr>
+          <p:nvPr>
+            <p:ph type="hdr" sz="quarter"/>
+          </p:nvPr>
+        </p:nvSpPr>
+        <p:spPr>
+          <a:xfrm>
+            <a:off x="0" y="0"/>
+            <a:ext cx="2971800" cy="457200"/>
+          </a:xfrm>
+          <a:prstGeom prst="rect">
+            <a:avLst/>
+          </a:prstGeom>
+        </p:spPr>
+        <p:txBody>
+          <a:bodyPr vert="horz" lIns="91440" tIns="45720" rIns="91440" bIns="45720" rtlCol="0"/>
+          <a:lstStyle>
+            <a:lvl1pPr algn="l">
+              <a:defRPr sz="1200">
+                <a:latin typeface="Open Sans Light"/>
+              </a:defRPr>
+            </a:lvl1pPr>
+          </a:lstStyle>
+          <a:p>
+            <a:endParaRPr lang="en-US" dirty="0"/>
+          </a:p>
+        </p:txBody>
+      </p:sp>
+      <p:sp>
+        <p:nvSpPr>
+          <p:cNvPr id="3" name="Date Placeholder 2"/>
+          <p:cNvSpPr>
+            <a:spLocks noGrp="1"/>
+          </p:cNvSpPr>
+          <p:nvPr>
+            <p:ph type="dt" idx="1"/>
+          </p:nvPr>
+        </p:nvSpPr>
+        <p:spPr>
+          <a:xfrm>
+            <a:off x="3884613" y="0"/>
+            <a:ext cx="2971800" cy="457200"/>
+          </a:xfrm>
+          <a:prstGeom prst="rect">
+            <a:avLst/>
+          </a:prstGeom>
+        </p:spPr>
+        <p:txBody>
+          <a:bodyPr vert="horz" lIns="91440" tIns="45720" rIns="91440" bIns="45720" rtlCol="0"/>
+          <a:lstStyle>
+            <a:lvl1pPr algn="r">
+              <a:defRPr sz="1200">
+                <a:latin typeface="Open Sans Light"/>
+              </a:defRPr>
+            </a:lvl1pPr>
+          </a:lstStyle>
+          <a:p>
+            <a:fld id="{A17205BF-3EE1-5943-AE38-F7029D1952EE}" type="datetimeFigureOut">
+              <a:rPr lang="en-US" smtClean="0"/>
+              <a:pPr/>
+              <a:t>12/6/15</a:t>
+            </a:fld>
+            <a:endParaRPr lang="en-US" dirty="0"/>
+          </a:p>
+        </p:txBody>
+      </p:sp>
+      <p:sp>
+        <p:nvSpPr>
+          <p:cNvPr id="4" name="Slide Image Placeholder 3"/>
+          <p:cNvSpPr>
+            <a:spLocks noGrp="1" noRot="1" noChangeAspect="1"/>
+          </p:cNvSpPr>
+          <p:nvPr>
+            <p:ph type="sldImg" idx="2"/>
+          </p:nvPr>
+        </p:nvSpPr>
+        <p:spPr>
+          <a:xfrm>
+            <a:off x="1143000" y="685800"/>
+            <a:ext cx="4572000" cy="3429000"/>
+          </a:xfrm>
+          <a:prstGeom prst="rect">
+            <a:avLst/>
+          </a:prstGeom>
+          <a:noFill/>
+          <a:ln w="12700">
+            <a:solidFill>
+              <a:prstClr val="black"/>
+            </a:solidFill>
+          </a:ln>
+        </p:spPr>
+        <p:txBody>
+          <a:bodyPr vert="horz" lIns="91440" tIns="45720" rIns="91440" bIns="45720" rtlCol="0" anchor="ctr"/>
+          <a:lstStyle/>
+          <a:p>
+            <a:endParaRPr lang="en-US" dirty="0"/>
+          </a:p>
+        </p:txBody>
+      </p:sp>
+      <p:sp>
+        <p:nvSpPr>
+          <p:cNvPr id="5" name="Notes Placeholder 4"/>
+          <p:cNvSpPr>
+            <a:spLocks noGrp="1"/>
+          </p:cNvSpPr>
+          <p:nvPr>
+            <p:ph type="body" sz="quarter" idx="3"/>
+          </p:nvPr>
+        </p:nvSpPr>
+        <p:spPr>
+          <a:xfrm>
+            <a:off x="685800" y="4343400"/>
+            <a:ext cx="5486400" cy="4114800"/>
+          </a:xfrm>
+          <a:prstGeom prst="rect">
+            <a:avLst/>
+          </a:prstGeom>
+        </p:spPr>
+        <p:txBody>
+          <a:bodyPr vert="horz" lIns="91440" tIns="45720" rIns="91440" bIns="45720" rtlCol="0"/>
+          <a:lstStyle/>
+          <a:p>
+            <a:pPr lvl="0"/>
+            <a:r>
+              <a:rPr lang="en-US" dirty="0" smtClean="0"/>
+              <a:t>Click to edit Master text styles</a:t>
+            </a:r>
+          </a:p>
+          <a:p>
+            <a:pPr lvl="1"/>
+            <a:r>
+              <a:rPr lang="en-US" dirty="0" smtClean="0"/>
+              <a:t>Second level</a:t>
+            </a:r>
+          </a:p>
+          <a:p>
+            <a:pPr lvl="2"/>
+            <a:r>
+              <a:rPr lang="en-US" dirty="0" smtClean="0"/>
+              <a:t>Third level</a:t>
+            </a:r>
+          </a:p>
+          <a:p>
+            <a:pPr lvl="3"/>
+            <a:r>
+              <a:rPr lang="en-US" dirty="0" smtClean="0"/>
+              <a:t>Fourth level</a:t>
+            </a:r>
+          </a:p>
+          <a:p>
+            <a:pPr lvl="4"/>
+            <a:r>
+              <a:rPr lang="en-US" dirty="0" smtClean="0"/>
+              <a:t>Fifth level</a:t>
+            </a:r>
+            <a:endParaRPr lang="en-US" dirty="0"/>
+          </a:p>
+        </p:txBody>
+      </p:sp>
+      <p:sp>
+        <p:nvSpPr>
+          <p:cNvPr id="6" name="Footer Placeholder 5"/>
+          <p:cNvSpPr>
+            <a:spLocks noGrp="1"/>
+          </p:cNvSpPr>
+          <p:nvPr>
+            <p:ph type="ftr" sz="quarter" idx="4"/>
+          </p:nvPr>
+        </p:nvSpPr>
+        <p:spPr>
+          <a:xfrm>
+            <a:off x="0" y="8685213"/>
+            <a:ext cx="2971800" cy="457200"/>
+          </a:xfrm>
+          <a:prstGeom prst="rect">
+            <a:avLst/>
+          </a:prstGeom>
+        </p:spPr>
+        <p:txBody>
+          <a:bodyPr vert="horz" lIns="91440" tIns="45720" rIns="91440" bIns="45720" rtlCol="0" anchor="b"/>
+          <a:lstStyle>
+            <a:lvl1pPr algn="l">
+              <a:defRPr sz="1200">
+                <a:latin typeface="Open Sans Light"/>
+              </a:defRPr>
+            </a:lvl1pPr>
+          </a:lstStyle>
+          <a:p>
+            <a:endParaRPr lang="en-US" dirty="0"/>
+          </a:p>
+        </p:txBody>
+      </p:sp>
+      <p:sp>
+        <p:nvSpPr>
+          <p:cNvPr id="7" name="Slide Number Placeholder 6"/>
+          <p:cNvSpPr>
+            <a:spLocks noGrp="1"/>
+          </p:cNvSpPr>
+          <p:nvPr>
+            <p:ph type="sldNum" sz="quarter" idx="5"/>
+          </p:nvPr>
+        </p:nvSpPr>
+        <p:spPr>
+          <a:xfrm>
+            <a:off x="3884613" y="8685213"/>
+            <a:ext cx="2971800" cy="457200"/>
+          </a:xfrm>
+          <a:prstGeom prst="rect">
+            <a:avLst/>
+          </a:prstGeom>
+        </p:spPr>
+        <p:txBody>
+          <a:bodyPr vert="horz" lIns="91440" tIns="45720" rIns="91440" bIns="45720" rtlCol="0" anchor="b"/>
+          <a:lstStyle>
+            <a:lvl1pPr algn="r">
+              <a:defRPr sz="1200">
+                <a:latin typeface="Open Sans Light"/>
+              </a:defRPr>
+            </a:lvl1pPr>
+          </a:lstStyle>
+          <a:p>
+            <a:fld id="{224F8620-8618-7742-A6DC-7D2EA109A5FB}" type="slidenum">
+              <a:rPr lang="en-US" smtClean="0"/>
+              <a:pPr/>
+              <a:t>‹#›</a:t>
+            </a:fld>
+            <a:endParaRPr lang="en-US" dirty="0"/>
+          </a:p>
+        </p:txBody>
+      </p:sp>
+    </p:spTree>
+    <p:extLst>
+      <p:ext uri="{BB962C8B-B14F-4D97-AF65-F5344CB8AC3E}">
+        <p14:creationId xmlns:p14="http://schemas.microsoft.com/office/powerpoint/2010/main" val="1703485787"/>
+      </p:ext>
+    </p:extLst>
+  </p:cSld>
+  <p:clrMap bg1="lt1" tx1="dk1" bg2="lt2" tx2="dk2" accent1="accent1" accent2="accent2" accent3="accent3" accent4="accent4" accent5="accent5" accent6="accent6" hlink="hlink" folHlink="folHlink"/>
+  <p:notesStyle>
+    <a:lvl1pPr marL="0" algn="l" defTabSz="457200" rtl="0" eaLnBrk="1" latinLnBrk="0" hangingPunct="1">
+      <a:defRPr sz="1200" kern="1200">
+        <a:solidFill>
+          <a:schemeClr val="tx1"/>
+        </a:solidFill>
+        <a:latin typeface="Open Sans Light"/>
+        <a:ea typeface="+mn-ea"/>
+        <a:cs typeface="+mn-cs"/>
+      </a:defRPr>
+    </a:lvl1pPr>
+    <a:lvl2pPr marL="457200" algn="l" defTabSz="457200" rtl="0" eaLnBrk="1" latinLnBrk="0" hangingPunct="1">
+      <a:defRPr sz="1200" kern="1200">
+        <a:solidFill>
+          <a:schemeClr val="tx1"/>
+        </a:solidFill>
+        <a:latin typeface="Open Sans Light"/>
+        <a:ea typeface="+mn-ea"/>
+        <a:cs typeface="+mn-cs"/>
+      </a:defRPr>
+    </a:lvl2pPr>
+    <a:lvl3pPr marL="914400" algn="l" defTabSz="457200" rtl="0" eaLnBrk="1" latinLnBrk="0" hangingPunct="1">
+      <a:defRPr sz="1200" kern="1200">
+        <a:solidFill>
+          <a:schemeClr val="tx1"/>
+        </a:solidFill>
+        <a:latin typeface="Open Sans Light"/>
+        <a:ea typeface="+mn-ea"/>
+        <a:cs typeface="+mn-cs"/>
+      </a:defRPr>
+    </a:lvl3pPr>
+    <a:lvl4pPr marL="1371600" algn="l" defTabSz="457200" rtl="0" eaLnBrk="1" latinLnBrk="0" hangingPunct="1">
+      <a:defRPr sz="1200" kern="1200">
+        <a:solidFill>
+          <a:schemeClr val="tx1"/>
+        </a:solidFill>
+        <a:latin typeface="Open Sans Light"/>
+        <a:ea typeface="+mn-ea"/>
+        <a:cs typeface="+mn-cs"/>
+      </a:defRPr>
+    </a:lvl4pPr>
+    <a:lvl5pPr marL="1828800" algn="l" defTabSz="457200" rtl="0" eaLnBrk="1" latinLnBrk="0" hangingPunct="1">
+      <a:defRPr sz="1200" kern="1200">
+        <a:solidFill>
+          <a:schemeClr val="tx1"/>
+        </a:solidFill>
+        <a:latin typeface="Open Sans Light"/>
+        <a:ea typeface="+mn-ea"/>
+        <a:cs typeface="+mn-cs"/>
+      </a:defRPr>
+    </a:lvl5pPr>
+    <a:lvl6pPr marL="2286000" algn="l" defTabSz="457200" rtl="0" eaLnBrk="1" latinLnBrk="0" hangingPunct="1">
+      <a:defRPr sz="1200" kern="1200">
+        <a:solidFill>
+          <a:schemeClr val="tx1"/>
+        </a:solidFill>
+        <a:latin typeface="+mn-lt"/>
+        <a:ea typeface="+mn-ea"/>
+        <a:cs typeface="+mn-cs"/>
+      </a:defRPr>
+    </a:lvl6pPr>
+    <a:lvl7pPr marL="2743200" algn="l" defTabSz="457200" rtl="0" eaLnBrk="1" latinLnBrk="0" hangingPunct="1">
+      <a:defRPr sz="1200" kern="1200">
+        <a:solidFill>
+          <a:schemeClr val="tx1"/>
+        </a:solidFill>
+        <a:latin typeface="+mn-lt"/>
+        <a:ea typeface="+mn-ea"/>
+        <a:cs typeface="+mn-cs"/>
+      </a:defRPr>
+    </a:lvl7pPr>
+    <a:lvl8pPr marL="3200400" algn="l" defTabSz="457200" rtl="0" eaLnBrk="1" latinLnBrk="0" hangingPunct="1">
+      <a:defRPr sz="1200" kern="1200">
+        <a:solidFill>
+          <a:schemeClr val="tx1"/>
+        </a:solidFill>
+        <a:latin typeface="+mn-lt"/>
+        <a:ea typeface="+mn-ea"/>
+        <a:cs typeface="+mn-cs"/>
+      </a:defRPr>
+    </a:lvl8pPr>
+    <a:lvl9pPr marL="3657600" algn="l" defTabSz="457200" rtl="0" eaLnBrk="1" latinLnBrk="0" hangingPunct="1">
+      <a:defRPr sz="1200" kern="1200">
+        <a:solidFill>
+          <a:schemeClr val="tx1"/>
+        </a:solidFill>
+        <a:latin typeface="+mn-lt"/>
+        <a:ea typeface="+mn-ea"/>
+        <a:cs typeface="+mn-cs"/>
+      </a:defRPr>
+    </a:lvl9pPr>
+  </p:notesStyle>
+</p:notesMaster>
+</file>
+
+<file path=ppt/notesSlides/notesSlide1.xml><?xml version="1.0" encoding="utf-8"?>
+<p:notes xmlns:a="http://schemas.openxmlformats.org/drawingml/2006/main" xmlns:r="http://schemas.openxmlformats.org/officeDocument/2006/relationships" xmlns:p="http://schemas.openxmlformats.org/presentationml/2006/main">
+  <p:cSld>
+    <p:spTree>
+      <p:nvGrpSpPr>
+        <p:cNvPr id="1" name=""/>
+        <p:cNvGrpSpPr/>
+        <p:nvPr/>
+      </p:nvGrpSpPr>
+      <p:grpSpPr>
+        <a:xfrm>
+          <a:off x="0" y="0"/>
+          <a:ext cx="0" cy="0"/>
+          <a:chOff x="0" y="0"/>
+          <a:chExt cx="0" cy="0"/>
+        </a:xfrm>
+      </p:grpSpPr>
+      <p:sp>
+        <p:nvSpPr>
+          <p:cNvPr id="2" name="Slide Image Placeholder 1"/>
+          <p:cNvSpPr>
+            <a:spLocks noGrp="1" noRot="1" noChangeAspect="1"/>
+          </p:cNvSpPr>
+          <p:nvPr>
+            <p:ph type="sldImg"/>
+          </p:nvPr>
+        </p:nvSpPr>
+        <p:spPr/>
+      </p:sp>
+      <p:sp>
+        <p:nvSpPr>
+          <p:cNvPr id="3" name="Notes Placeholder 2"/>
+          <p:cNvSpPr>
+            <a:spLocks noGrp="1"/>
+          </p:cNvSpPr>
+          <p:nvPr>
+            <p:ph type="body" idx="1"/>
+          </p:nvPr>
+        </p:nvSpPr>
+        <p:spPr/>
+        <p:txBody>
+          <a:bodyPr/>
+          <a:lstStyle/>
+          <a:p>
+            <a:endParaRPr lang="en-US" dirty="0"/>
+          </a:p>
+        </p:txBody>
+      </p:sp>
+      <p:sp>
+        <p:nvSpPr>
+          <p:cNvPr id="4" name="Slide Number Placeholder 3"/>
+          <p:cNvSpPr>
+            <a:spLocks noGrp="1"/>
+          </p:cNvSpPr>
+          <p:nvPr>
+            <p:ph type="sldNum" sz="quarter" idx="10"/>
+          </p:nvPr>
+        </p:nvSpPr>
+        <p:spPr/>
+        <p:txBody>
+          <a:bodyPr/>
+          <a:lstStyle/>
+          <a:p>
+            <a:fld id="{224F8620-8618-7742-A6DC-7D2EA109A5FB}" type="slidenum">
+              <a:rPr lang="en-US" smtClean="0"/>
+              <a:t>7</a:t>
+            </a:fld>
+            <a:endParaRPr lang="en-US"/>
+          </a:p>
+        </p:txBody>
+      </p:sp>
+    </p:spTree>
+    <p:extLst>
+      <p:ext uri="{BB962C8B-B14F-4D97-AF65-F5344CB8AC3E}">
+        <p14:creationId xmlns:p14="http://schemas.microsoft.com/office/powerpoint/2010/main" val="4027181211"/>
+      </p:ext>
+    </p:extLst>
+  </p:cSld>
+  <p:clrMapOvr>
+    <a:masterClrMapping/>
+  </p:clrMapOvr>
+</p:notes>
 </file>
 
 <file path=ppt/slideLayouts/slideLayout1.xml><?xml version="1.0" encoding="utf-8"?>
@@ -3239,12 +3691,14 @@
         </p:nvSpPr>
         <p:spPr>
           <a:xfrm>
-            <a:off x="685800" y="655427"/>
-            <a:ext cx="7772400" cy="1044837"/>
+            <a:off x="537800" y="666765"/>
+            <a:ext cx="8068400" cy="1044837"/>
           </a:xfrm>
         </p:spPr>
         <p:txBody>
-          <a:bodyPr/>
+          <a:bodyPr>
+            <a:normAutofit fontScale="90000"/>
+          </a:bodyPr>
           <a:lstStyle/>
           <a:p>
             <a:r>
@@ -3253,9 +3707,24 @@
                   <a:schemeClr val="bg1"/>
                 </a:solidFill>
               </a:rPr>
-              <a:t>Statistics 133 Final Project</a:t>
-            </a:r>
-            <a:endParaRPr lang="en-US" dirty="0">
+              <a:t>Statistics 133 Final Project:</a:t>
+            </a:r>
+            <a:br>
+              <a:rPr lang="en-US" dirty="0" smtClean="0">
+                <a:solidFill>
+                  <a:schemeClr val="bg1"/>
+                </a:solidFill>
+              </a:rPr>
+            </a:br>
+            <a:r>
+              <a:rPr lang="en-US" sz="2900" dirty="0" smtClean="0">
+                <a:solidFill>
+                  <a:schemeClr val="bg1"/>
+                </a:solidFill>
+              </a:rPr>
+              <a:t>Financial Exploration through Statistical Computation</a:t>
+            </a:r>
+            <a:endParaRPr lang="en-US" sz="2900" dirty="0">
               <a:solidFill>
                 <a:schemeClr val="bg1"/>
               </a:solidFill>
@@ -3276,7 +3745,7 @@
         <p:spPr>
           <a:xfrm>
             <a:off x="1371600" y="1711604"/>
-            <a:ext cx="6400800" cy="547827"/>
+            <a:ext cx="6400800" cy="374997"/>
           </a:xfrm>
         </p:spPr>
         <p:txBody>
@@ -3286,9 +3755,11 @@
           <a:lstStyle/>
           <a:p>
             <a:r>
-              <a:rPr lang="en-US" i="1" dirty="0" smtClean="0">
+              <a:rPr lang="en-US" sz="2000" i="1" dirty="0" smtClean="0">
                 <a:solidFill>
-                  <a:srgbClr val="FFFFFF"/>
+                  <a:schemeClr val="bg1">
+                    <a:lumMod val="85000"/>
+                  </a:schemeClr>
                 </a:solidFill>
               </a:rPr>
               <a:t>Extra Credit Presentation</a:t>
@@ -3622,7 +4093,7 @@
         </p:blipFill>
         <p:spPr>
           <a:xfrm>
-            <a:off x="0" y="2449489"/>
+            <a:off x="0" y="2332060"/>
             <a:ext cx="9144000" cy="3199631"/>
           </a:xfrm>
           <a:prstGeom prst="rect">
@@ -3706,6 +4177,1198 @@
           </a:p>
         </p:txBody>
       </p:sp>
+      <p:sp>
+        <p:nvSpPr>
+          <p:cNvPr id="6" name="Pentagon 5"/>
+          <p:cNvSpPr/>
+          <p:nvPr/>
+        </p:nvSpPr>
+        <p:spPr>
+          <a:xfrm>
+            <a:off x="151028" y="1080460"/>
+            <a:ext cx="8841303" cy="445378"/>
+          </a:xfrm>
+          <a:prstGeom prst="homePlate">
+            <a:avLst/>
+          </a:prstGeom>
+          <a:solidFill>
+            <a:schemeClr val="bg1">
+              <a:lumMod val="65000"/>
+            </a:schemeClr>
+          </a:solidFill>
+          <a:ln>
+            <a:noFill/>
+          </a:ln>
+          <a:effectLst/>
+        </p:spPr>
+        <p:style>
+          <a:lnRef idx="1">
+            <a:schemeClr val="accent1"/>
+          </a:lnRef>
+          <a:fillRef idx="3">
+            <a:schemeClr val="accent1"/>
+          </a:fillRef>
+          <a:effectRef idx="2">
+            <a:schemeClr val="accent1"/>
+          </a:effectRef>
+          <a:fontRef idx="minor">
+            <a:schemeClr val="lt1"/>
+          </a:fontRef>
+        </p:style>
+        <p:txBody>
+          <a:bodyPr rot="0" spcFirstLastPara="0" vertOverflow="overflow" horzOverflow="overflow" vert="horz" wrap="square" lIns="91440" tIns="45720" rIns="91440" bIns="45720" numCol="1" spcCol="0" rtlCol="0" fromWordArt="0" anchor="ctr" anchorCtr="0" forceAA="0" compatLnSpc="1">
+            <a:prstTxWarp prst="textNoShape">
+              <a:avLst/>
+            </a:prstTxWarp>
+            <a:noAutofit/>
+          </a:bodyPr>
+          <a:lstStyle/>
+          <a:p>
+            <a:pPr algn="ctr"/>
+            <a:r>
+              <a:rPr lang="en-US" sz="1400" i="1" dirty="0" smtClean="0">
+                <a:latin typeface="Open Sans Light"/>
+                <a:cs typeface="Open Sans Light"/>
+              </a:rPr>
+              <a:t>Technology industries show higher growth and higher beta, and therefore lower PE ratios.</a:t>
+            </a:r>
+            <a:endParaRPr lang="en-US" sz="1400" i="1" dirty="0">
+              <a:latin typeface="Open Sans Light"/>
+              <a:cs typeface="Open Sans Light"/>
+            </a:endParaRPr>
+          </a:p>
+        </p:txBody>
+      </p:sp>
+      <p:grpSp>
+        <p:nvGrpSpPr>
+          <p:cNvPr id="16" name="Group 15"/>
+          <p:cNvGrpSpPr/>
+          <p:nvPr/>
+        </p:nvGrpSpPr>
+        <p:grpSpPr>
+          <a:xfrm>
+            <a:off x="385547" y="6376693"/>
+            <a:ext cx="8424615" cy="371785"/>
+            <a:chOff x="385547" y="6376693"/>
+            <a:chExt cx="8424615" cy="371785"/>
+          </a:xfrm>
+        </p:grpSpPr>
+        <p:grpSp>
+          <p:nvGrpSpPr>
+            <p:cNvPr id="11" name="Group 10"/>
+            <p:cNvGrpSpPr/>
+            <p:nvPr/>
+          </p:nvGrpSpPr>
+          <p:grpSpPr>
+            <a:xfrm>
+              <a:off x="385547" y="6376693"/>
+              <a:ext cx="8424614" cy="307777"/>
+              <a:chOff x="385547" y="6376693"/>
+              <a:chExt cx="8424614" cy="307777"/>
+            </a:xfrm>
+          </p:grpSpPr>
+          <p:sp>
+            <p:nvSpPr>
+              <p:cNvPr id="7" name="TextBox 6"/>
+              <p:cNvSpPr txBox="1"/>
+              <p:nvPr/>
+            </p:nvSpPr>
+            <p:spPr>
+              <a:xfrm>
+                <a:off x="385547" y="6376693"/>
+                <a:ext cx="1659441" cy="307777"/>
+              </a:xfrm>
+              <a:prstGeom prst="rect">
+                <a:avLst/>
+              </a:prstGeom>
+              <a:noFill/>
+            </p:spPr>
+            <p:txBody>
+              <a:bodyPr wrap="none" rtlCol="0">
+                <a:spAutoFit/>
+              </a:bodyPr>
+              <a:lstStyle/>
+              <a:p>
+                <a:r>
+                  <a:rPr lang="en-US" sz="1400" dirty="0" smtClean="0">
+                    <a:latin typeface="Open Sans Light"/>
+                    <a:cs typeface="Open Sans Light"/>
+                  </a:rPr>
+                  <a:t>Research Problem</a:t>
+                </a:r>
+                <a:endParaRPr lang="en-US" sz="1400" dirty="0">
+                  <a:latin typeface="Open Sans Light"/>
+                  <a:cs typeface="Open Sans Light"/>
+                </a:endParaRPr>
+              </a:p>
+            </p:txBody>
+          </p:sp>
+          <p:sp>
+            <p:nvSpPr>
+              <p:cNvPr id="8" name="TextBox 7"/>
+              <p:cNvSpPr txBox="1"/>
+              <p:nvPr/>
+            </p:nvSpPr>
+            <p:spPr>
+              <a:xfrm>
+                <a:off x="2674430" y="6376693"/>
+                <a:ext cx="1929885" cy="307777"/>
+              </a:xfrm>
+              <a:prstGeom prst="rect">
+                <a:avLst/>
+              </a:prstGeom>
+              <a:noFill/>
+            </p:spPr>
+            <p:txBody>
+              <a:bodyPr wrap="none" rtlCol="0">
+                <a:spAutoFit/>
+              </a:bodyPr>
+              <a:lstStyle/>
+              <a:p>
+                <a:r>
+                  <a:rPr lang="en-US" sz="1400" dirty="0" smtClean="0">
+                    <a:solidFill>
+                      <a:schemeClr val="bg1">
+                        <a:lumMod val="65000"/>
+                      </a:schemeClr>
+                    </a:solidFill>
+                    <a:latin typeface="Open Sans Light"/>
+                    <a:cs typeface="Open Sans Light"/>
+                  </a:rPr>
+                  <a:t>Data &amp; Preprocessing</a:t>
+                </a:r>
+                <a:endParaRPr lang="en-US" sz="1400" dirty="0">
+                  <a:solidFill>
+                    <a:schemeClr val="bg1">
+                      <a:lumMod val="65000"/>
+                    </a:schemeClr>
+                  </a:solidFill>
+                  <a:latin typeface="Open Sans Light"/>
+                  <a:cs typeface="Open Sans Light"/>
+                </a:endParaRPr>
+              </a:p>
+            </p:txBody>
+          </p:sp>
+          <p:sp>
+            <p:nvSpPr>
+              <p:cNvPr id="9" name="TextBox 8"/>
+              <p:cNvSpPr txBox="1"/>
+              <p:nvPr/>
+            </p:nvSpPr>
+            <p:spPr>
+              <a:xfrm>
+                <a:off x="5233757" y="6376693"/>
+                <a:ext cx="1762021" cy="307777"/>
+              </a:xfrm>
+              <a:prstGeom prst="rect">
+                <a:avLst/>
+              </a:prstGeom>
+              <a:noFill/>
+            </p:spPr>
+            <p:txBody>
+              <a:bodyPr wrap="none" rtlCol="0">
+                <a:spAutoFit/>
+              </a:bodyPr>
+              <a:lstStyle/>
+              <a:p>
+                <a:r>
+                  <a:rPr lang="en-US" sz="1400" dirty="0" smtClean="0">
+                    <a:solidFill>
+                      <a:schemeClr val="bg1">
+                        <a:lumMod val="65000"/>
+                      </a:schemeClr>
+                    </a:solidFill>
+                    <a:latin typeface="Open Sans Light"/>
+                    <a:cs typeface="Open Sans Light"/>
+                  </a:rPr>
+                  <a:t>Methods &amp; Analysis</a:t>
+                </a:r>
+                <a:endParaRPr lang="en-US" sz="1400" dirty="0">
+                  <a:solidFill>
+                    <a:schemeClr val="bg1">
+                      <a:lumMod val="65000"/>
+                    </a:schemeClr>
+                  </a:solidFill>
+                  <a:latin typeface="Open Sans Light"/>
+                  <a:cs typeface="Open Sans Light"/>
+                </a:endParaRPr>
+              </a:p>
+            </p:txBody>
+          </p:sp>
+          <p:sp>
+            <p:nvSpPr>
+              <p:cNvPr id="10" name="TextBox 9"/>
+              <p:cNvSpPr txBox="1"/>
+              <p:nvPr/>
+            </p:nvSpPr>
+            <p:spPr>
+              <a:xfrm>
+                <a:off x="7625221" y="6376693"/>
+                <a:ext cx="1184940" cy="307777"/>
+              </a:xfrm>
+              <a:prstGeom prst="rect">
+                <a:avLst/>
+              </a:prstGeom>
+              <a:noFill/>
+            </p:spPr>
+            <p:txBody>
+              <a:bodyPr wrap="none" rtlCol="0">
+                <a:spAutoFit/>
+              </a:bodyPr>
+              <a:lstStyle/>
+              <a:p>
+                <a:r>
+                  <a:rPr lang="en-US" sz="1400" dirty="0" smtClean="0">
+                    <a:solidFill>
+                      <a:schemeClr val="bg1">
+                        <a:lumMod val="65000"/>
+                      </a:schemeClr>
+                    </a:solidFill>
+                    <a:latin typeface="Open Sans Light"/>
+                    <a:cs typeface="Open Sans Light"/>
+                  </a:rPr>
+                  <a:t>Key Findings</a:t>
+                </a:r>
+                <a:endParaRPr lang="en-US" sz="1400" dirty="0">
+                  <a:solidFill>
+                    <a:schemeClr val="bg1">
+                      <a:lumMod val="65000"/>
+                    </a:schemeClr>
+                  </a:solidFill>
+                  <a:latin typeface="Open Sans Light"/>
+                  <a:cs typeface="Open Sans Light"/>
+                </a:endParaRPr>
+              </a:p>
+            </p:txBody>
+          </p:sp>
+        </p:grpSp>
+        <p:sp>
+          <p:nvSpPr>
+            <p:cNvPr id="12" name="Rectangle 11"/>
+            <p:cNvSpPr/>
+            <p:nvPr/>
+          </p:nvSpPr>
+          <p:spPr>
+            <a:xfrm>
+              <a:off x="385547" y="6684470"/>
+              <a:ext cx="1659441" cy="64008"/>
+            </a:xfrm>
+            <a:prstGeom prst="rect">
+              <a:avLst/>
+            </a:prstGeom>
+            <a:solidFill>
+              <a:schemeClr val="tx2">
+                <a:lumMod val="60000"/>
+                <a:lumOff val="40000"/>
+              </a:schemeClr>
+            </a:solidFill>
+            <a:ln>
+              <a:noFill/>
+            </a:ln>
+            <a:effectLst/>
+          </p:spPr>
+          <p:style>
+            <a:lnRef idx="1">
+              <a:schemeClr val="accent1"/>
+            </a:lnRef>
+            <a:fillRef idx="3">
+              <a:schemeClr val="accent1"/>
+            </a:fillRef>
+            <a:effectRef idx="2">
+              <a:schemeClr val="accent1"/>
+            </a:effectRef>
+            <a:fontRef idx="minor">
+              <a:schemeClr val="lt1"/>
+            </a:fontRef>
+          </p:style>
+          <p:txBody>
+            <a:bodyPr rot="0" spcFirstLastPara="0" vertOverflow="overflow" horzOverflow="overflow" vert="horz" wrap="square" lIns="91440" tIns="45720" rIns="91440" bIns="45720" numCol="1" spcCol="0" rtlCol="0" fromWordArt="0" anchor="ctr" anchorCtr="0" forceAA="0" compatLnSpc="1">
+              <a:prstTxWarp prst="textNoShape">
+                <a:avLst/>
+              </a:prstTxWarp>
+              <a:noAutofit/>
+            </a:bodyPr>
+            <a:lstStyle/>
+            <a:p>
+              <a:pPr algn="ctr"/>
+              <a:endParaRPr lang="en-US">
+                <a:solidFill>
+                  <a:schemeClr val="bg1">
+                    <a:lumMod val="65000"/>
+                  </a:schemeClr>
+                </a:solidFill>
+                <a:latin typeface="Open Sans Light"/>
+                <a:cs typeface="Open Sans Light"/>
+              </a:endParaRPr>
+            </a:p>
+          </p:txBody>
+        </p:sp>
+        <p:sp>
+          <p:nvSpPr>
+            <p:cNvPr id="13" name="Rectangle 12"/>
+            <p:cNvSpPr/>
+            <p:nvPr/>
+          </p:nvSpPr>
+          <p:spPr>
+            <a:xfrm>
+              <a:off x="2674430" y="6684470"/>
+              <a:ext cx="1929885" cy="64008"/>
+            </a:xfrm>
+            <a:prstGeom prst="rect">
+              <a:avLst/>
+            </a:prstGeom>
+            <a:solidFill>
+              <a:srgbClr val="A6A6A6"/>
+            </a:solidFill>
+            <a:ln>
+              <a:noFill/>
+            </a:ln>
+            <a:effectLst/>
+          </p:spPr>
+          <p:style>
+            <a:lnRef idx="1">
+              <a:schemeClr val="accent1"/>
+            </a:lnRef>
+            <a:fillRef idx="3">
+              <a:schemeClr val="accent1"/>
+            </a:fillRef>
+            <a:effectRef idx="2">
+              <a:schemeClr val="accent1"/>
+            </a:effectRef>
+            <a:fontRef idx="minor">
+              <a:schemeClr val="lt1"/>
+            </a:fontRef>
+          </p:style>
+          <p:txBody>
+            <a:bodyPr rot="0" spcFirstLastPara="0" vertOverflow="overflow" horzOverflow="overflow" vert="horz" wrap="square" lIns="91440" tIns="45720" rIns="91440" bIns="45720" numCol="1" spcCol="0" rtlCol="0" fromWordArt="0" anchor="ctr" anchorCtr="0" forceAA="0" compatLnSpc="1">
+              <a:prstTxWarp prst="textNoShape">
+                <a:avLst/>
+              </a:prstTxWarp>
+              <a:noAutofit/>
+            </a:bodyPr>
+            <a:lstStyle/>
+            <a:p>
+              <a:pPr algn="ctr"/>
+              <a:endParaRPr lang="en-US">
+                <a:solidFill>
+                  <a:schemeClr val="bg1">
+                    <a:lumMod val="65000"/>
+                  </a:schemeClr>
+                </a:solidFill>
+                <a:latin typeface="Open Sans Light"/>
+                <a:cs typeface="Open Sans Light"/>
+              </a:endParaRPr>
+            </a:p>
+          </p:txBody>
+        </p:sp>
+        <p:sp>
+          <p:nvSpPr>
+            <p:cNvPr id="14" name="Rectangle 13"/>
+            <p:cNvSpPr/>
+            <p:nvPr/>
+          </p:nvSpPr>
+          <p:spPr>
+            <a:xfrm>
+              <a:off x="5233757" y="6683185"/>
+              <a:ext cx="1762021" cy="64008"/>
+            </a:xfrm>
+            <a:prstGeom prst="rect">
+              <a:avLst/>
+            </a:prstGeom>
+            <a:solidFill>
+              <a:srgbClr val="A6A6A6"/>
+            </a:solidFill>
+            <a:ln>
+              <a:noFill/>
+            </a:ln>
+            <a:effectLst/>
+          </p:spPr>
+          <p:style>
+            <a:lnRef idx="1">
+              <a:schemeClr val="accent1"/>
+            </a:lnRef>
+            <a:fillRef idx="3">
+              <a:schemeClr val="accent1"/>
+            </a:fillRef>
+            <a:effectRef idx="2">
+              <a:schemeClr val="accent1"/>
+            </a:effectRef>
+            <a:fontRef idx="minor">
+              <a:schemeClr val="lt1"/>
+            </a:fontRef>
+          </p:style>
+          <p:txBody>
+            <a:bodyPr rot="0" spcFirstLastPara="0" vertOverflow="overflow" horzOverflow="overflow" vert="horz" wrap="square" lIns="91440" tIns="45720" rIns="91440" bIns="45720" numCol="1" spcCol="0" rtlCol="0" fromWordArt="0" anchor="ctr" anchorCtr="0" forceAA="0" compatLnSpc="1">
+              <a:prstTxWarp prst="textNoShape">
+                <a:avLst/>
+              </a:prstTxWarp>
+              <a:noAutofit/>
+            </a:bodyPr>
+            <a:lstStyle/>
+            <a:p>
+              <a:pPr algn="ctr"/>
+              <a:endParaRPr lang="en-US">
+                <a:solidFill>
+                  <a:schemeClr val="bg1">
+                    <a:lumMod val="65000"/>
+                  </a:schemeClr>
+                </a:solidFill>
+                <a:latin typeface="Open Sans Light"/>
+                <a:cs typeface="Open Sans Light"/>
+              </a:endParaRPr>
+            </a:p>
+          </p:txBody>
+        </p:sp>
+        <p:sp>
+          <p:nvSpPr>
+            <p:cNvPr id="15" name="Rectangle 14"/>
+            <p:cNvSpPr/>
+            <p:nvPr/>
+          </p:nvSpPr>
+          <p:spPr>
+            <a:xfrm>
+              <a:off x="7625222" y="6683185"/>
+              <a:ext cx="1184940" cy="64008"/>
+            </a:xfrm>
+            <a:prstGeom prst="rect">
+              <a:avLst/>
+            </a:prstGeom>
+            <a:solidFill>
+              <a:srgbClr val="A6A6A6"/>
+            </a:solidFill>
+            <a:ln>
+              <a:noFill/>
+            </a:ln>
+            <a:effectLst/>
+          </p:spPr>
+          <p:style>
+            <a:lnRef idx="1">
+              <a:schemeClr val="accent1"/>
+            </a:lnRef>
+            <a:fillRef idx="3">
+              <a:schemeClr val="accent1"/>
+            </a:fillRef>
+            <a:effectRef idx="2">
+              <a:schemeClr val="accent1"/>
+            </a:effectRef>
+            <a:fontRef idx="minor">
+              <a:schemeClr val="lt1"/>
+            </a:fontRef>
+          </p:style>
+          <p:txBody>
+            <a:bodyPr rot="0" spcFirstLastPara="0" vertOverflow="overflow" horzOverflow="overflow" vert="horz" wrap="square" lIns="91440" tIns="45720" rIns="91440" bIns="45720" numCol="1" spcCol="0" rtlCol="0" fromWordArt="0" anchor="ctr" anchorCtr="0" forceAA="0" compatLnSpc="1">
+              <a:prstTxWarp prst="textNoShape">
+                <a:avLst/>
+              </a:prstTxWarp>
+              <a:noAutofit/>
+            </a:bodyPr>
+            <a:lstStyle/>
+            <a:p>
+              <a:pPr algn="ctr"/>
+              <a:endParaRPr lang="en-US">
+                <a:solidFill>
+                  <a:schemeClr val="bg1">
+                    <a:lumMod val="65000"/>
+                  </a:schemeClr>
+                </a:solidFill>
+                <a:latin typeface="Open Sans Light"/>
+                <a:cs typeface="Open Sans Light"/>
+              </a:endParaRPr>
+            </a:p>
+          </p:txBody>
+        </p:sp>
+      </p:grpSp>
+      <p:sp>
+        <p:nvSpPr>
+          <p:cNvPr id="17" name="Pentagon 16"/>
+          <p:cNvSpPr/>
+          <p:nvPr/>
+        </p:nvSpPr>
+        <p:spPr>
+          <a:xfrm>
+            <a:off x="377820" y="3062636"/>
+            <a:ext cx="4343082" cy="567093"/>
+          </a:xfrm>
+          <a:prstGeom prst="homePlate">
+            <a:avLst/>
+          </a:prstGeom>
+          <a:solidFill>
+            <a:srgbClr val="558ED5"/>
+          </a:solidFill>
+          <a:ln>
+            <a:noFill/>
+          </a:ln>
+          <a:effectLst/>
+        </p:spPr>
+        <p:style>
+          <a:lnRef idx="1">
+            <a:schemeClr val="accent1"/>
+          </a:lnRef>
+          <a:fillRef idx="3">
+            <a:schemeClr val="accent1"/>
+          </a:fillRef>
+          <a:effectRef idx="2">
+            <a:schemeClr val="accent1"/>
+          </a:effectRef>
+          <a:fontRef idx="minor">
+            <a:schemeClr val="lt1"/>
+          </a:fontRef>
+        </p:style>
+        <p:txBody>
+          <a:bodyPr rtlCol="0" anchor="ctr"/>
+          <a:lstStyle/>
+          <a:p>
+            <a:pPr algn="ctr"/>
+            <a:endParaRPr lang="en-US">
+              <a:latin typeface="Open Sans Light"/>
+              <a:cs typeface="Open Sans Light"/>
+            </a:endParaRPr>
+          </a:p>
+        </p:txBody>
+      </p:sp>
+      <p:sp>
+        <p:nvSpPr>
+          <p:cNvPr id="18" name="Pentagon 17"/>
+          <p:cNvSpPr/>
+          <p:nvPr/>
+        </p:nvSpPr>
+        <p:spPr>
+          <a:xfrm>
+            <a:off x="377820" y="4220996"/>
+            <a:ext cx="4343082" cy="567093"/>
+          </a:xfrm>
+          <a:prstGeom prst="homePlate">
+            <a:avLst/>
+          </a:prstGeom>
+          <a:solidFill>
+            <a:srgbClr val="558ED5"/>
+          </a:solidFill>
+          <a:ln>
+            <a:noFill/>
+          </a:ln>
+          <a:effectLst/>
+        </p:spPr>
+        <p:style>
+          <a:lnRef idx="1">
+            <a:schemeClr val="accent1"/>
+          </a:lnRef>
+          <a:fillRef idx="3">
+            <a:schemeClr val="accent1"/>
+          </a:fillRef>
+          <a:effectRef idx="2">
+            <a:schemeClr val="accent1"/>
+          </a:effectRef>
+          <a:fontRef idx="minor">
+            <a:schemeClr val="lt1"/>
+          </a:fontRef>
+        </p:style>
+        <p:txBody>
+          <a:bodyPr rtlCol="0" anchor="ctr"/>
+          <a:lstStyle/>
+          <a:p>
+            <a:pPr algn="ctr"/>
+            <a:endParaRPr lang="en-US">
+              <a:latin typeface="Open Sans Light"/>
+              <a:cs typeface="Open Sans Light"/>
+            </a:endParaRPr>
+          </a:p>
+        </p:txBody>
+      </p:sp>
+      <p:sp>
+        <p:nvSpPr>
+          <p:cNvPr id="20" name="Rectangle 19"/>
+          <p:cNvSpPr/>
+          <p:nvPr/>
+        </p:nvSpPr>
+        <p:spPr>
+          <a:xfrm>
+            <a:off x="151028" y="2083667"/>
+            <a:ext cx="4671930" cy="3132098"/>
+          </a:xfrm>
+          <a:prstGeom prst="rect">
+            <a:avLst/>
+          </a:prstGeom>
+          <a:noFill/>
+          <a:ln w="19050" cmpd="sng">
+            <a:solidFill>
+              <a:schemeClr val="tx2">
+                <a:lumMod val="60000"/>
+                <a:lumOff val="40000"/>
+              </a:schemeClr>
+            </a:solidFill>
+            <a:prstDash val="dash"/>
+          </a:ln>
+          <a:effectLst/>
+        </p:spPr>
+        <p:style>
+          <a:lnRef idx="1">
+            <a:schemeClr val="accent1"/>
+          </a:lnRef>
+          <a:fillRef idx="3">
+            <a:schemeClr val="accent1"/>
+          </a:fillRef>
+          <a:effectRef idx="2">
+            <a:schemeClr val="accent1"/>
+          </a:effectRef>
+          <a:fontRef idx="minor">
+            <a:schemeClr val="lt1"/>
+          </a:fontRef>
+        </p:style>
+        <p:txBody>
+          <a:bodyPr rtlCol="0" anchor="ctr"/>
+          <a:lstStyle/>
+          <a:p>
+            <a:pPr algn="ctr"/>
+            <a:endParaRPr lang="en-US">
+              <a:latin typeface="Open Sans Light"/>
+              <a:cs typeface="Open Sans Light"/>
+            </a:endParaRPr>
+          </a:p>
+        </p:txBody>
+      </p:sp>
+      <p:sp>
+        <p:nvSpPr>
+          <p:cNvPr id="21" name="Oval 20"/>
+          <p:cNvSpPr/>
+          <p:nvPr/>
+        </p:nvSpPr>
+        <p:spPr>
+          <a:xfrm>
+            <a:off x="219066" y="3001473"/>
+            <a:ext cx="691718" cy="691714"/>
+          </a:xfrm>
+          <a:prstGeom prst="ellipse">
+            <a:avLst/>
+          </a:prstGeom>
+          <a:solidFill>
+            <a:srgbClr val="FFFFFF"/>
+          </a:solidFill>
+          <a:ln w="19050" cmpd="sng">
+            <a:solidFill>
+              <a:srgbClr val="989A9A"/>
+            </a:solidFill>
+          </a:ln>
+          <a:effectLst/>
+        </p:spPr>
+        <p:style>
+          <a:lnRef idx="1">
+            <a:schemeClr val="accent1"/>
+          </a:lnRef>
+          <a:fillRef idx="3">
+            <a:schemeClr val="accent1"/>
+          </a:fillRef>
+          <a:effectRef idx="2">
+            <a:schemeClr val="accent1"/>
+          </a:effectRef>
+          <a:fontRef idx="minor">
+            <a:schemeClr val="lt1"/>
+          </a:fontRef>
+        </p:style>
+        <p:txBody>
+          <a:bodyPr rtlCol="0" anchor="ctr"/>
+          <a:lstStyle/>
+          <a:p>
+            <a:pPr algn="ctr"/>
+            <a:r>
+              <a:rPr lang="en-US" dirty="0">
+                <a:solidFill>
+                  <a:srgbClr val="494265"/>
+                </a:solidFill>
+                <a:latin typeface="Open Sans Light"/>
+                <a:cs typeface="Open Sans Light"/>
+              </a:rPr>
+              <a:t>1</a:t>
+            </a:r>
+          </a:p>
+        </p:txBody>
+      </p:sp>
+      <p:sp>
+        <p:nvSpPr>
+          <p:cNvPr id="22" name="Oval 21"/>
+          <p:cNvSpPr/>
+          <p:nvPr/>
+        </p:nvSpPr>
+        <p:spPr>
+          <a:xfrm>
+            <a:off x="219066" y="4153198"/>
+            <a:ext cx="691718" cy="691714"/>
+          </a:xfrm>
+          <a:prstGeom prst="ellipse">
+            <a:avLst/>
+          </a:prstGeom>
+          <a:solidFill>
+            <a:srgbClr val="FFFFFF"/>
+          </a:solidFill>
+          <a:ln w="19050" cmpd="sng">
+            <a:solidFill>
+              <a:srgbClr val="989A9A"/>
+            </a:solidFill>
+          </a:ln>
+          <a:effectLst/>
+        </p:spPr>
+        <p:style>
+          <a:lnRef idx="1">
+            <a:schemeClr val="accent1"/>
+          </a:lnRef>
+          <a:fillRef idx="3">
+            <a:schemeClr val="accent1"/>
+          </a:fillRef>
+          <a:effectRef idx="2">
+            <a:schemeClr val="accent1"/>
+          </a:effectRef>
+          <a:fontRef idx="minor">
+            <a:schemeClr val="lt1"/>
+          </a:fontRef>
+        </p:style>
+        <p:txBody>
+          <a:bodyPr rtlCol="0" anchor="ctr"/>
+          <a:lstStyle/>
+          <a:p>
+            <a:pPr algn="ctr"/>
+            <a:r>
+              <a:rPr lang="en-US" dirty="0" smtClean="0">
+                <a:solidFill>
+                  <a:srgbClr val="494265"/>
+                </a:solidFill>
+                <a:latin typeface="Open Sans Light"/>
+                <a:cs typeface="Open Sans Light"/>
+              </a:rPr>
+              <a:t>2</a:t>
+            </a:r>
+            <a:endParaRPr lang="en-US" dirty="0">
+              <a:solidFill>
+                <a:srgbClr val="494265"/>
+              </a:solidFill>
+              <a:latin typeface="Open Sans Light"/>
+              <a:cs typeface="Open Sans Light"/>
+            </a:endParaRPr>
+          </a:p>
+        </p:txBody>
+      </p:sp>
+      <p:sp>
+        <p:nvSpPr>
+          <p:cNvPr id="24" name="TextBox 23"/>
+          <p:cNvSpPr txBox="1"/>
+          <p:nvPr/>
+        </p:nvSpPr>
+        <p:spPr>
+          <a:xfrm>
+            <a:off x="910784" y="3084572"/>
+            <a:ext cx="3587515" cy="523220"/>
+          </a:xfrm>
+          <a:prstGeom prst="rect">
+            <a:avLst/>
+          </a:prstGeom>
+          <a:noFill/>
+        </p:spPr>
+        <p:txBody>
+          <a:bodyPr wrap="square" rtlCol="0">
+            <a:spAutoFit/>
+          </a:bodyPr>
+          <a:lstStyle/>
+          <a:p>
+            <a:pPr algn="ctr"/>
+            <a:r>
+              <a:rPr lang="en-US" sz="1400" dirty="0" smtClean="0">
+                <a:solidFill>
+                  <a:srgbClr val="FFFFFF"/>
+                </a:solidFill>
+                <a:latin typeface="Open Sans Light"/>
+                <a:cs typeface="Open Sans Light"/>
+              </a:rPr>
+              <a:t>What is the relationship between beta and the payout percentage?</a:t>
+            </a:r>
+            <a:endParaRPr lang="en-US" sz="1400" dirty="0">
+              <a:solidFill>
+                <a:srgbClr val="FFFFFF"/>
+              </a:solidFill>
+              <a:latin typeface="Open Sans Light"/>
+              <a:cs typeface="Open Sans Light"/>
+            </a:endParaRPr>
+          </a:p>
+        </p:txBody>
+      </p:sp>
+      <p:sp>
+        <p:nvSpPr>
+          <p:cNvPr id="33" name="TextBox 32"/>
+          <p:cNvSpPr txBox="1"/>
+          <p:nvPr/>
+        </p:nvSpPr>
+        <p:spPr>
+          <a:xfrm>
+            <a:off x="910784" y="4250675"/>
+            <a:ext cx="3587515" cy="523220"/>
+          </a:xfrm>
+          <a:prstGeom prst="rect">
+            <a:avLst/>
+          </a:prstGeom>
+          <a:noFill/>
+        </p:spPr>
+        <p:txBody>
+          <a:bodyPr wrap="square" rtlCol="0">
+            <a:spAutoFit/>
+          </a:bodyPr>
+          <a:lstStyle/>
+          <a:p>
+            <a:pPr algn="ctr"/>
+            <a:r>
+              <a:rPr lang="en-US" sz="1400" dirty="0" smtClean="0">
+                <a:solidFill>
+                  <a:srgbClr val="FFFFFF"/>
+                </a:solidFill>
+                <a:latin typeface="Open Sans Light"/>
+                <a:cs typeface="Open Sans Light"/>
+              </a:rPr>
+              <a:t>What is the relationship between beta and the expected growth rate?</a:t>
+            </a:r>
+            <a:endParaRPr lang="en-US" sz="1400" dirty="0">
+              <a:solidFill>
+                <a:srgbClr val="FFFFFF"/>
+              </a:solidFill>
+              <a:latin typeface="Open Sans Light"/>
+              <a:cs typeface="Open Sans Light"/>
+            </a:endParaRPr>
+          </a:p>
+        </p:txBody>
+      </p:sp>
+      <p:sp>
+        <p:nvSpPr>
+          <p:cNvPr id="34" name="TextBox 33"/>
+          <p:cNvSpPr txBox="1"/>
+          <p:nvPr/>
+        </p:nvSpPr>
+        <p:spPr>
+          <a:xfrm>
+            <a:off x="219066" y="2124490"/>
+            <a:ext cx="2488983" cy="338554"/>
+          </a:xfrm>
+          <a:prstGeom prst="rect">
+            <a:avLst/>
+          </a:prstGeom>
+          <a:noFill/>
+        </p:spPr>
+        <p:txBody>
+          <a:bodyPr wrap="none" rtlCol="0">
+            <a:spAutoFit/>
+          </a:bodyPr>
+          <a:lstStyle/>
+          <a:p>
+            <a:r>
+              <a:rPr lang="en-US" sz="1600" dirty="0" smtClean="0">
+                <a:latin typeface="Open Sans Light"/>
+                <a:cs typeface="Open Sans Light"/>
+              </a:rPr>
+              <a:t>Questions We Answered:</a:t>
+            </a:r>
+            <a:endParaRPr lang="en-US" sz="1600" dirty="0">
+              <a:latin typeface="Open Sans Light"/>
+              <a:cs typeface="Open Sans Light"/>
+            </a:endParaRPr>
+          </a:p>
+        </p:txBody>
+      </p:sp>
+      <p:sp>
+        <p:nvSpPr>
+          <p:cNvPr id="35" name="TextBox 34"/>
+          <p:cNvSpPr txBox="1"/>
+          <p:nvPr/>
+        </p:nvSpPr>
+        <p:spPr>
+          <a:xfrm>
+            <a:off x="5051706" y="2124490"/>
+            <a:ext cx="2222684" cy="338554"/>
+          </a:xfrm>
+          <a:prstGeom prst="rect">
+            <a:avLst/>
+          </a:prstGeom>
+          <a:noFill/>
+        </p:spPr>
+        <p:txBody>
+          <a:bodyPr wrap="none" rtlCol="0">
+            <a:spAutoFit/>
+          </a:bodyPr>
+          <a:lstStyle/>
+          <a:p>
+            <a:r>
+              <a:rPr lang="en-US" sz="1600" dirty="0" smtClean="0">
+                <a:latin typeface="Open Sans Light"/>
+                <a:cs typeface="Open Sans Light"/>
+              </a:rPr>
+              <a:t>Financial Terminology:</a:t>
+            </a:r>
+            <a:endParaRPr lang="en-US" sz="1600" dirty="0">
+              <a:latin typeface="Open Sans Light"/>
+              <a:cs typeface="Open Sans Light"/>
+            </a:endParaRPr>
+          </a:p>
+        </p:txBody>
+      </p:sp>
+      <p:sp>
+        <p:nvSpPr>
+          <p:cNvPr id="36" name="Rectangle 35"/>
+          <p:cNvSpPr/>
+          <p:nvPr/>
+        </p:nvSpPr>
+        <p:spPr>
+          <a:xfrm>
+            <a:off x="5006346" y="2083667"/>
+            <a:ext cx="3985985" cy="3132097"/>
+          </a:xfrm>
+          <a:prstGeom prst="rect">
+            <a:avLst/>
+          </a:prstGeom>
+          <a:noFill/>
+          <a:ln w="19050" cmpd="sng">
+            <a:solidFill>
+              <a:schemeClr val="bg1">
+                <a:lumMod val="65000"/>
+              </a:schemeClr>
+            </a:solidFill>
+            <a:prstDash val="dash"/>
+          </a:ln>
+          <a:effectLst/>
+        </p:spPr>
+        <p:style>
+          <a:lnRef idx="1">
+            <a:schemeClr val="accent1"/>
+          </a:lnRef>
+          <a:fillRef idx="3">
+            <a:schemeClr val="accent1"/>
+          </a:fillRef>
+          <a:effectRef idx="2">
+            <a:schemeClr val="accent1"/>
+          </a:effectRef>
+          <a:fontRef idx="minor">
+            <a:schemeClr val="lt1"/>
+          </a:fontRef>
+        </p:style>
+        <p:txBody>
+          <a:bodyPr rtlCol="0" anchor="ctr"/>
+          <a:lstStyle/>
+          <a:p>
+            <a:pPr marL="285750" indent="-285750">
+              <a:buFont typeface="Wingdings" charset="2"/>
+              <a:buChar char="§"/>
+            </a:pPr>
+            <a:endParaRPr lang="en-US" sz="1400" dirty="0">
+              <a:solidFill>
+                <a:schemeClr val="tx2">
+                  <a:lumMod val="60000"/>
+                  <a:lumOff val="40000"/>
+                </a:schemeClr>
+              </a:solidFill>
+              <a:latin typeface="Open Sans Light"/>
+              <a:cs typeface="Open Sans Light"/>
+            </a:endParaRPr>
+          </a:p>
+          <a:p>
+            <a:pPr marL="285750" indent="-285750">
+              <a:buFont typeface="Wingdings" charset="2"/>
+              <a:buChar char="§"/>
+            </a:pPr>
+            <a:endParaRPr lang="en-US" sz="1400" dirty="0" smtClean="0">
+              <a:solidFill>
+                <a:schemeClr val="tx2">
+                  <a:lumMod val="60000"/>
+                  <a:lumOff val="40000"/>
+                </a:schemeClr>
+              </a:solidFill>
+              <a:latin typeface="Open Sans Light"/>
+              <a:cs typeface="Open Sans Light"/>
+            </a:endParaRPr>
+          </a:p>
+          <a:p>
+            <a:pPr marL="285750" indent="-285750">
+              <a:buFont typeface="Wingdings" charset="2"/>
+              <a:buChar char="§"/>
+            </a:pPr>
+            <a:r>
+              <a:rPr lang="en-US" sz="1400" dirty="0" smtClean="0">
+                <a:solidFill>
+                  <a:schemeClr val="tx2">
+                    <a:lumMod val="60000"/>
+                    <a:lumOff val="40000"/>
+                  </a:schemeClr>
+                </a:solidFill>
+                <a:latin typeface="Open Sans Light"/>
+                <a:cs typeface="Open Sans Light"/>
+              </a:rPr>
+              <a:t>PE rati</a:t>
+            </a:r>
+            <a:r>
+              <a:rPr lang="en-US" sz="1400" dirty="0" smtClean="0">
+                <a:solidFill>
+                  <a:srgbClr val="558ED5"/>
+                </a:solidFill>
+                <a:latin typeface="Open Sans Light"/>
+                <a:cs typeface="Open Sans Light"/>
+              </a:rPr>
+              <a:t>o: </a:t>
+            </a:r>
+            <a:r>
+              <a:rPr lang="en-US" sz="1400" dirty="0" smtClean="0">
+                <a:solidFill>
+                  <a:srgbClr val="000000"/>
+                </a:solidFill>
+                <a:latin typeface="Open Sans Light"/>
+                <a:cs typeface="Open Sans Light"/>
+              </a:rPr>
+              <a:t>market value per share / earnings per share</a:t>
+            </a:r>
+          </a:p>
+          <a:p>
+            <a:pPr marL="285750" indent="-285750">
+              <a:buFont typeface="Wingdings" charset="2"/>
+              <a:buChar char="§"/>
+            </a:pPr>
+            <a:r>
+              <a:rPr lang="en-US" sz="1400" dirty="0">
+                <a:solidFill>
+                  <a:srgbClr val="558ED5"/>
+                </a:solidFill>
+                <a:latin typeface="Open Sans Light"/>
+                <a:cs typeface="Open Sans Light"/>
+              </a:rPr>
+              <a:t>Trailing PE: </a:t>
+            </a:r>
+            <a:r>
+              <a:rPr lang="en-US" sz="1400" dirty="0">
+                <a:solidFill>
+                  <a:srgbClr val="000000"/>
+                </a:solidFill>
+                <a:latin typeface="Open Sans Light"/>
+                <a:cs typeface="Open Sans Light"/>
+              </a:rPr>
+              <a:t>derived from previous four </a:t>
+            </a:r>
+            <a:r>
+              <a:rPr lang="en-US" sz="1400" dirty="0" smtClean="0">
+                <a:solidFill>
+                  <a:srgbClr val="000000"/>
+                </a:solidFill>
+                <a:latin typeface="Open Sans Light"/>
+                <a:cs typeface="Open Sans Light"/>
+              </a:rPr>
+              <a:t>quarters</a:t>
+            </a:r>
+          </a:p>
+          <a:p>
+            <a:pPr marL="285750" indent="-285750">
+              <a:buFont typeface="Wingdings" charset="2"/>
+              <a:buChar char="§"/>
+            </a:pPr>
+            <a:r>
+              <a:rPr lang="en-US" sz="1400" dirty="0">
+                <a:solidFill>
+                  <a:srgbClr val="558ED5"/>
+                </a:solidFill>
+                <a:latin typeface="Open Sans Light"/>
+                <a:cs typeface="Open Sans Light"/>
+              </a:rPr>
+              <a:t>Forward PE: </a:t>
+            </a:r>
+            <a:r>
+              <a:rPr lang="en-US" sz="1400" dirty="0">
+                <a:solidFill>
+                  <a:srgbClr val="000000"/>
+                </a:solidFill>
+                <a:latin typeface="Open Sans Light"/>
+                <a:cs typeface="Open Sans Light"/>
+              </a:rPr>
+              <a:t>calculated using estimated earnings for the next four </a:t>
+            </a:r>
+            <a:r>
+              <a:rPr lang="en-US" sz="1400" dirty="0" smtClean="0">
+                <a:solidFill>
+                  <a:srgbClr val="000000"/>
+                </a:solidFill>
+                <a:latin typeface="Open Sans Light"/>
+                <a:cs typeface="Open Sans Light"/>
+              </a:rPr>
+              <a:t>quarters</a:t>
+            </a:r>
+          </a:p>
+          <a:p>
+            <a:pPr marL="285750" indent="-285750">
+              <a:buFont typeface="Wingdings" charset="2"/>
+              <a:buChar char="§"/>
+            </a:pPr>
+            <a:r>
+              <a:rPr lang="en-US" sz="1400" dirty="0">
+                <a:solidFill>
+                  <a:srgbClr val="558ED5"/>
+                </a:solidFill>
+                <a:latin typeface="Open Sans Light"/>
+                <a:cs typeface="Open Sans Light"/>
+              </a:rPr>
+              <a:t>Market capitalization: </a:t>
+            </a:r>
+            <a:r>
+              <a:rPr lang="en-US" sz="1400" dirty="0">
+                <a:solidFill>
+                  <a:srgbClr val="000000"/>
+                </a:solidFill>
+                <a:latin typeface="Open Sans Light"/>
+                <a:cs typeface="Open Sans Light"/>
+              </a:rPr>
+              <a:t>total dollar value of a company’s outstanding </a:t>
+            </a:r>
+            <a:r>
+              <a:rPr lang="en-US" sz="1400" dirty="0" smtClean="0">
+                <a:solidFill>
+                  <a:srgbClr val="000000"/>
+                </a:solidFill>
+                <a:latin typeface="Open Sans Light"/>
+                <a:cs typeface="Open Sans Light"/>
+              </a:rPr>
+              <a:t>shares</a:t>
+            </a:r>
+          </a:p>
+          <a:p>
+            <a:pPr marL="285750" indent="-285750">
+              <a:buFont typeface="Wingdings" charset="2"/>
+              <a:buChar char="§"/>
+            </a:pPr>
+            <a:r>
+              <a:rPr lang="en-US" sz="1400" dirty="0">
+                <a:solidFill>
+                  <a:srgbClr val="558ED5"/>
+                </a:solidFill>
+                <a:latin typeface="Open Sans Light"/>
+                <a:cs typeface="Open Sans Light"/>
+              </a:rPr>
+              <a:t>Unlevered beta: </a:t>
+            </a:r>
+            <a:r>
+              <a:rPr lang="en-US" sz="1400" dirty="0">
+                <a:solidFill>
+                  <a:srgbClr val="000000"/>
+                </a:solidFill>
+                <a:latin typeface="Open Sans Light"/>
+                <a:cs typeface="Open Sans Light"/>
+              </a:rPr>
+              <a:t>metric indicating the risk of a company to that of the </a:t>
+            </a:r>
+            <a:r>
+              <a:rPr lang="en-US" sz="1400" dirty="0" smtClean="0">
+                <a:solidFill>
+                  <a:srgbClr val="000000"/>
+                </a:solidFill>
+                <a:latin typeface="Open Sans Light"/>
+                <a:cs typeface="Open Sans Light"/>
+              </a:rPr>
+              <a:t>market</a:t>
+            </a:r>
+            <a:endParaRPr lang="en-US" sz="1400" dirty="0">
+              <a:solidFill>
+                <a:srgbClr val="000000"/>
+              </a:solidFill>
+              <a:latin typeface="Open Sans Light"/>
+              <a:cs typeface="Open Sans Light"/>
+            </a:endParaRPr>
+          </a:p>
+        </p:txBody>
+      </p:sp>
     </p:spTree>
     <p:extLst>
       <p:ext uri="{BB962C8B-B14F-4D97-AF65-F5344CB8AC3E}">
@@ -3745,6 +5408,3721 @@
       </p:grpSpPr>
       <p:sp>
         <p:nvSpPr>
+          <p:cNvPr id="3" name="Title 2"/>
+          <p:cNvSpPr>
+            <a:spLocks noGrp="1"/>
+          </p:cNvSpPr>
+          <p:nvPr>
+            <p:ph type="title"/>
+          </p:nvPr>
+        </p:nvSpPr>
+        <p:spPr/>
+        <p:txBody>
+          <a:bodyPr/>
+          <a:lstStyle/>
+          <a:p>
+            <a:r>
+              <a:rPr lang="en-US" dirty="0" smtClean="0"/>
+              <a:t>DATA &amp; PREPROCESSING</a:t>
+            </a:r>
+            <a:endParaRPr lang="en-US" dirty="0"/>
+          </a:p>
+        </p:txBody>
+      </p:sp>
+      <p:grpSp>
+        <p:nvGrpSpPr>
+          <p:cNvPr id="5" name="Group 4"/>
+          <p:cNvGrpSpPr/>
+          <p:nvPr/>
+        </p:nvGrpSpPr>
+        <p:grpSpPr>
+          <a:xfrm>
+            <a:off x="385547" y="6376693"/>
+            <a:ext cx="8424615" cy="371785"/>
+            <a:chOff x="385547" y="6376693"/>
+            <a:chExt cx="8424615" cy="371785"/>
+          </a:xfrm>
+        </p:grpSpPr>
+        <p:grpSp>
+          <p:nvGrpSpPr>
+            <p:cNvPr id="6" name="Group 5"/>
+            <p:cNvGrpSpPr/>
+            <p:nvPr/>
+          </p:nvGrpSpPr>
+          <p:grpSpPr>
+            <a:xfrm>
+              <a:off x="385547" y="6376693"/>
+              <a:ext cx="8424614" cy="307777"/>
+              <a:chOff x="385547" y="6376693"/>
+              <a:chExt cx="8424614" cy="307777"/>
+            </a:xfrm>
+          </p:grpSpPr>
+          <p:sp>
+            <p:nvSpPr>
+              <p:cNvPr id="11" name="TextBox 10"/>
+              <p:cNvSpPr txBox="1"/>
+              <p:nvPr/>
+            </p:nvSpPr>
+            <p:spPr>
+              <a:xfrm>
+                <a:off x="385547" y="6376693"/>
+                <a:ext cx="1659441" cy="307777"/>
+              </a:xfrm>
+              <a:prstGeom prst="rect">
+                <a:avLst/>
+              </a:prstGeom>
+              <a:noFill/>
+            </p:spPr>
+            <p:txBody>
+              <a:bodyPr wrap="none" rtlCol="0">
+                <a:spAutoFit/>
+              </a:bodyPr>
+              <a:lstStyle/>
+              <a:p>
+                <a:r>
+                  <a:rPr lang="en-US" sz="1400" dirty="0" smtClean="0">
+                    <a:solidFill>
+                      <a:schemeClr val="bg1">
+                        <a:lumMod val="65000"/>
+                      </a:schemeClr>
+                    </a:solidFill>
+                    <a:latin typeface="Open Sans Light"/>
+                    <a:cs typeface="Open Sans Light"/>
+                  </a:rPr>
+                  <a:t>Research Problem</a:t>
+                </a:r>
+                <a:endParaRPr lang="en-US" sz="1400" dirty="0">
+                  <a:solidFill>
+                    <a:schemeClr val="bg1">
+                      <a:lumMod val="65000"/>
+                    </a:schemeClr>
+                  </a:solidFill>
+                  <a:latin typeface="Open Sans Light"/>
+                  <a:cs typeface="Open Sans Light"/>
+                </a:endParaRPr>
+              </a:p>
+            </p:txBody>
+          </p:sp>
+          <p:sp>
+            <p:nvSpPr>
+              <p:cNvPr id="12" name="TextBox 11"/>
+              <p:cNvSpPr txBox="1"/>
+              <p:nvPr/>
+            </p:nvSpPr>
+            <p:spPr>
+              <a:xfrm>
+                <a:off x="2674430" y="6376693"/>
+                <a:ext cx="1929885" cy="307777"/>
+              </a:xfrm>
+              <a:prstGeom prst="rect">
+                <a:avLst/>
+              </a:prstGeom>
+              <a:noFill/>
+            </p:spPr>
+            <p:txBody>
+              <a:bodyPr wrap="none" rtlCol="0">
+                <a:spAutoFit/>
+              </a:bodyPr>
+              <a:lstStyle/>
+              <a:p>
+                <a:r>
+                  <a:rPr lang="en-US" sz="1400" dirty="0" smtClean="0">
+                    <a:solidFill>
+                      <a:srgbClr val="000000"/>
+                    </a:solidFill>
+                    <a:latin typeface="Open Sans Light"/>
+                    <a:cs typeface="Open Sans Light"/>
+                  </a:rPr>
+                  <a:t>Data &amp; Preprocessing</a:t>
+                </a:r>
+                <a:endParaRPr lang="en-US" sz="1400" dirty="0">
+                  <a:solidFill>
+                    <a:srgbClr val="000000"/>
+                  </a:solidFill>
+                  <a:latin typeface="Open Sans Light"/>
+                  <a:cs typeface="Open Sans Light"/>
+                </a:endParaRPr>
+              </a:p>
+            </p:txBody>
+          </p:sp>
+          <p:sp>
+            <p:nvSpPr>
+              <p:cNvPr id="13" name="TextBox 12"/>
+              <p:cNvSpPr txBox="1"/>
+              <p:nvPr/>
+            </p:nvSpPr>
+            <p:spPr>
+              <a:xfrm>
+                <a:off x="5233757" y="6376693"/>
+                <a:ext cx="1762021" cy="307777"/>
+              </a:xfrm>
+              <a:prstGeom prst="rect">
+                <a:avLst/>
+              </a:prstGeom>
+              <a:noFill/>
+            </p:spPr>
+            <p:txBody>
+              <a:bodyPr wrap="none" rtlCol="0">
+                <a:spAutoFit/>
+              </a:bodyPr>
+              <a:lstStyle/>
+              <a:p>
+                <a:r>
+                  <a:rPr lang="en-US" sz="1400" dirty="0" smtClean="0">
+                    <a:solidFill>
+                      <a:schemeClr val="bg1">
+                        <a:lumMod val="65000"/>
+                      </a:schemeClr>
+                    </a:solidFill>
+                    <a:latin typeface="Open Sans Light"/>
+                    <a:cs typeface="Open Sans Light"/>
+                  </a:rPr>
+                  <a:t>Methods &amp; Analysis</a:t>
+                </a:r>
+                <a:endParaRPr lang="en-US" sz="1400" dirty="0">
+                  <a:solidFill>
+                    <a:schemeClr val="bg1">
+                      <a:lumMod val="65000"/>
+                    </a:schemeClr>
+                  </a:solidFill>
+                  <a:latin typeface="Open Sans Light"/>
+                  <a:cs typeface="Open Sans Light"/>
+                </a:endParaRPr>
+              </a:p>
+            </p:txBody>
+          </p:sp>
+          <p:sp>
+            <p:nvSpPr>
+              <p:cNvPr id="14" name="TextBox 13"/>
+              <p:cNvSpPr txBox="1"/>
+              <p:nvPr/>
+            </p:nvSpPr>
+            <p:spPr>
+              <a:xfrm>
+                <a:off x="7625221" y="6376693"/>
+                <a:ext cx="1184940" cy="307777"/>
+              </a:xfrm>
+              <a:prstGeom prst="rect">
+                <a:avLst/>
+              </a:prstGeom>
+              <a:noFill/>
+            </p:spPr>
+            <p:txBody>
+              <a:bodyPr wrap="none" rtlCol="0">
+                <a:spAutoFit/>
+              </a:bodyPr>
+              <a:lstStyle/>
+              <a:p>
+                <a:r>
+                  <a:rPr lang="en-US" sz="1400" dirty="0" smtClean="0">
+                    <a:solidFill>
+                      <a:schemeClr val="bg1">
+                        <a:lumMod val="65000"/>
+                      </a:schemeClr>
+                    </a:solidFill>
+                    <a:latin typeface="Open Sans Light"/>
+                    <a:cs typeface="Open Sans Light"/>
+                  </a:rPr>
+                  <a:t>Key Findings</a:t>
+                </a:r>
+                <a:endParaRPr lang="en-US" sz="1400" dirty="0">
+                  <a:solidFill>
+                    <a:schemeClr val="bg1">
+                      <a:lumMod val="65000"/>
+                    </a:schemeClr>
+                  </a:solidFill>
+                  <a:latin typeface="Open Sans Light"/>
+                  <a:cs typeface="Open Sans Light"/>
+                </a:endParaRPr>
+              </a:p>
+            </p:txBody>
+          </p:sp>
+        </p:grpSp>
+        <p:sp>
+          <p:nvSpPr>
+            <p:cNvPr id="7" name="Rectangle 6"/>
+            <p:cNvSpPr/>
+            <p:nvPr/>
+          </p:nvSpPr>
+          <p:spPr>
+            <a:xfrm>
+              <a:off x="385547" y="6684470"/>
+              <a:ext cx="1659441" cy="64008"/>
+            </a:xfrm>
+            <a:prstGeom prst="rect">
+              <a:avLst/>
+            </a:prstGeom>
+            <a:solidFill>
+              <a:srgbClr val="A6A6A6"/>
+            </a:solidFill>
+            <a:ln>
+              <a:noFill/>
+            </a:ln>
+            <a:effectLst/>
+          </p:spPr>
+          <p:style>
+            <a:lnRef idx="1">
+              <a:schemeClr val="accent1"/>
+            </a:lnRef>
+            <a:fillRef idx="3">
+              <a:schemeClr val="accent1"/>
+            </a:fillRef>
+            <a:effectRef idx="2">
+              <a:schemeClr val="accent1"/>
+            </a:effectRef>
+            <a:fontRef idx="minor">
+              <a:schemeClr val="lt1"/>
+            </a:fontRef>
+          </p:style>
+          <p:txBody>
+            <a:bodyPr rot="0" spcFirstLastPara="0" vertOverflow="overflow" horzOverflow="overflow" vert="horz" wrap="square" lIns="91440" tIns="45720" rIns="91440" bIns="45720" numCol="1" spcCol="0" rtlCol="0" fromWordArt="0" anchor="ctr" anchorCtr="0" forceAA="0" compatLnSpc="1">
+              <a:prstTxWarp prst="textNoShape">
+                <a:avLst/>
+              </a:prstTxWarp>
+              <a:noAutofit/>
+            </a:bodyPr>
+            <a:lstStyle/>
+            <a:p>
+              <a:pPr algn="ctr"/>
+              <a:endParaRPr lang="en-US">
+                <a:solidFill>
+                  <a:schemeClr val="bg1">
+                    <a:lumMod val="65000"/>
+                  </a:schemeClr>
+                </a:solidFill>
+                <a:latin typeface="Open Sans Light"/>
+                <a:cs typeface="Open Sans Light"/>
+              </a:endParaRPr>
+            </a:p>
+          </p:txBody>
+        </p:sp>
+        <p:sp>
+          <p:nvSpPr>
+            <p:cNvPr id="8" name="Rectangle 7"/>
+            <p:cNvSpPr/>
+            <p:nvPr/>
+          </p:nvSpPr>
+          <p:spPr>
+            <a:xfrm>
+              <a:off x="2674430" y="6684470"/>
+              <a:ext cx="1929885" cy="64008"/>
+            </a:xfrm>
+            <a:prstGeom prst="rect">
+              <a:avLst/>
+            </a:prstGeom>
+            <a:solidFill>
+              <a:srgbClr val="558ED5"/>
+            </a:solidFill>
+            <a:ln>
+              <a:noFill/>
+            </a:ln>
+            <a:effectLst/>
+          </p:spPr>
+          <p:style>
+            <a:lnRef idx="1">
+              <a:schemeClr val="accent1"/>
+            </a:lnRef>
+            <a:fillRef idx="3">
+              <a:schemeClr val="accent1"/>
+            </a:fillRef>
+            <a:effectRef idx="2">
+              <a:schemeClr val="accent1"/>
+            </a:effectRef>
+            <a:fontRef idx="minor">
+              <a:schemeClr val="lt1"/>
+            </a:fontRef>
+          </p:style>
+          <p:txBody>
+            <a:bodyPr rot="0" spcFirstLastPara="0" vertOverflow="overflow" horzOverflow="overflow" vert="horz" wrap="square" lIns="91440" tIns="45720" rIns="91440" bIns="45720" numCol="1" spcCol="0" rtlCol="0" fromWordArt="0" anchor="ctr" anchorCtr="0" forceAA="0" compatLnSpc="1">
+              <a:prstTxWarp prst="textNoShape">
+                <a:avLst/>
+              </a:prstTxWarp>
+              <a:noAutofit/>
+            </a:bodyPr>
+            <a:lstStyle/>
+            <a:p>
+              <a:pPr algn="ctr"/>
+              <a:endParaRPr lang="en-US">
+                <a:solidFill>
+                  <a:schemeClr val="bg1">
+                    <a:lumMod val="65000"/>
+                  </a:schemeClr>
+                </a:solidFill>
+                <a:latin typeface="Open Sans Light"/>
+                <a:cs typeface="Open Sans Light"/>
+              </a:endParaRPr>
+            </a:p>
+          </p:txBody>
+        </p:sp>
+        <p:sp>
+          <p:nvSpPr>
+            <p:cNvPr id="9" name="Rectangle 8"/>
+            <p:cNvSpPr/>
+            <p:nvPr/>
+          </p:nvSpPr>
+          <p:spPr>
+            <a:xfrm>
+              <a:off x="5233757" y="6683185"/>
+              <a:ext cx="1762021" cy="64008"/>
+            </a:xfrm>
+            <a:prstGeom prst="rect">
+              <a:avLst/>
+            </a:prstGeom>
+            <a:solidFill>
+              <a:srgbClr val="A6A6A6"/>
+            </a:solidFill>
+            <a:ln>
+              <a:noFill/>
+            </a:ln>
+            <a:effectLst/>
+          </p:spPr>
+          <p:style>
+            <a:lnRef idx="1">
+              <a:schemeClr val="accent1"/>
+            </a:lnRef>
+            <a:fillRef idx="3">
+              <a:schemeClr val="accent1"/>
+            </a:fillRef>
+            <a:effectRef idx="2">
+              <a:schemeClr val="accent1"/>
+            </a:effectRef>
+            <a:fontRef idx="minor">
+              <a:schemeClr val="lt1"/>
+            </a:fontRef>
+          </p:style>
+          <p:txBody>
+            <a:bodyPr rot="0" spcFirstLastPara="0" vertOverflow="overflow" horzOverflow="overflow" vert="horz" wrap="square" lIns="91440" tIns="45720" rIns="91440" bIns="45720" numCol="1" spcCol="0" rtlCol="0" fromWordArt="0" anchor="ctr" anchorCtr="0" forceAA="0" compatLnSpc="1">
+              <a:prstTxWarp prst="textNoShape">
+                <a:avLst/>
+              </a:prstTxWarp>
+              <a:noAutofit/>
+            </a:bodyPr>
+            <a:lstStyle/>
+            <a:p>
+              <a:pPr algn="ctr"/>
+              <a:endParaRPr lang="en-US">
+                <a:solidFill>
+                  <a:schemeClr val="bg1">
+                    <a:lumMod val="65000"/>
+                  </a:schemeClr>
+                </a:solidFill>
+                <a:latin typeface="Open Sans Light"/>
+                <a:cs typeface="Open Sans Light"/>
+              </a:endParaRPr>
+            </a:p>
+          </p:txBody>
+        </p:sp>
+        <p:sp>
+          <p:nvSpPr>
+            <p:cNvPr id="10" name="Rectangle 9"/>
+            <p:cNvSpPr/>
+            <p:nvPr/>
+          </p:nvSpPr>
+          <p:spPr>
+            <a:xfrm>
+              <a:off x="7625222" y="6683185"/>
+              <a:ext cx="1184940" cy="64008"/>
+            </a:xfrm>
+            <a:prstGeom prst="rect">
+              <a:avLst/>
+            </a:prstGeom>
+            <a:solidFill>
+              <a:srgbClr val="A6A6A6"/>
+            </a:solidFill>
+            <a:ln>
+              <a:noFill/>
+            </a:ln>
+            <a:effectLst/>
+          </p:spPr>
+          <p:style>
+            <a:lnRef idx="1">
+              <a:schemeClr val="accent1"/>
+            </a:lnRef>
+            <a:fillRef idx="3">
+              <a:schemeClr val="accent1"/>
+            </a:fillRef>
+            <a:effectRef idx="2">
+              <a:schemeClr val="accent1"/>
+            </a:effectRef>
+            <a:fontRef idx="minor">
+              <a:schemeClr val="lt1"/>
+            </a:fontRef>
+          </p:style>
+          <p:txBody>
+            <a:bodyPr rot="0" spcFirstLastPara="0" vertOverflow="overflow" horzOverflow="overflow" vert="horz" wrap="square" lIns="91440" tIns="45720" rIns="91440" bIns="45720" numCol="1" spcCol="0" rtlCol="0" fromWordArt="0" anchor="ctr" anchorCtr="0" forceAA="0" compatLnSpc="1">
+              <a:prstTxWarp prst="textNoShape">
+                <a:avLst/>
+              </a:prstTxWarp>
+              <a:noAutofit/>
+            </a:bodyPr>
+            <a:lstStyle/>
+            <a:p>
+              <a:pPr algn="ctr"/>
+              <a:endParaRPr lang="en-US">
+                <a:solidFill>
+                  <a:schemeClr val="bg1">
+                    <a:lumMod val="65000"/>
+                  </a:schemeClr>
+                </a:solidFill>
+                <a:latin typeface="Open Sans Light"/>
+                <a:cs typeface="Open Sans Light"/>
+              </a:endParaRPr>
+            </a:p>
+          </p:txBody>
+        </p:sp>
+      </p:grpSp>
+      <p:sp>
+        <p:nvSpPr>
+          <p:cNvPr id="15" name="TextBox 14"/>
+          <p:cNvSpPr txBox="1"/>
+          <p:nvPr/>
+        </p:nvSpPr>
+        <p:spPr>
+          <a:xfrm>
+            <a:off x="151026" y="650261"/>
+            <a:ext cx="8841304" cy="338554"/>
+          </a:xfrm>
+          <a:prstGeom prst="rect">
+            <a:avLst/>
+          </a:prstGeom>
+          <a:solidFill>
+            <a:schemeClr val="bg1">
+              <a:lumMod val="65000"/>
+            </a:schemeClr>
+          </a:solidFill>
+          <a:ln>
+            <a:noFill/>
+          </a:ln>
+        </p:spPr>
+        <p:txBody>
+          <a:bodyPr wrap="square" rtlCol="0">
+            <a:spAutoFit/>
+          </a:bodyPr>
+          <a:lstStyle/>
+          <a:p>
+            <a:r>
+              <a:rPr lang="en-US" sz="1600" dirty="0" smtClean="0">
+                <a:solidFill>
+                  <a:schemeClr val="bg1"/>
+                </a:solidFill>
+                <a:latin typeface="Open Sans Light"/>
+                <a:cs typeface="Open Sans Light"/>
+              </a:rPr>
+              <a:t>Raw Dataset from NYU Stern School of Business’s Data Archives</a:t>
+            </a:r>
+            <a:endParaRPr lang="en-US" sz="1600" dirty="0">
+              <a:solidFill>
+                <a:schemeClr val="bg1"/>
+              </a:solidFill>
+              <a:latin typeface="Open Sans Light"/>
+              <a:cs typeface="Open Sans Light"/>
+            </a:endParaRPr>
+          </a:p>
+        </p:txBody>
+      </p:sp>
+      <p:sp>
+        <p:nvSpPr>
+          <p:cNvPr id="16" name="Donut 15"/>
+          <p:cNvSpPr/>
+          <p:nvPr/>
+        </p:nvSpPr>
+        <p:spPr>
+          <a:xfrm>
+            <a:off x="151026" y="1626431"/>
+            <a:ext cx="1188720" cy="1188720"/>
+          </a:xfrm>
+          <a:prstGeom prst="donut">
+            <a:avLst>
+              <a:gd name="adj" fmla="val 16860"/>
+            </a:avLst>
+          </a:prstGeom>
+          <a:solidFill>
+            <a:srgbClr val="D9D9D9"/>
+          </a:solidFill>
+          <a:ln>
+            <a:noFill/>
+          </a:ln>
+          <a:effectLst/>
+        </p:spPr>
+        <p:style>
+          <a:lnRef idx="1">
+            <a:schemeClr val="accent1"/>
+          </a:lnRef>
+          <a:fillRef idx="3">
+            <a:schemeClr val="accent1"/>
+          </a:fillRef>
+          <a:effectRef idx="2">
+            <a:schemeClr val="accent1"/>
+          </a:effectRef>
+          <a:fontRef idx="minor">
+            <a:schemeClr val="lt1"/>
+          </a:fontRef>
+        </p:style>
+        <p:txBody>
+          <a:bodyPr rot="0" spcFirstLastPara="0" vertOverflow="overflow" horzOverflow="overflow" vert="horz" wrap="square" lIns="91440" tIns="45720" rIns="91440" bIns="45720" numCol="1" spcCol="0" rtlCol="0" fromWordArt="0" anchor="ctr" anchorCtr="0" forceAA="0" compatLnSpc="1">
+            <a:prstTxWarp prst="textNoShape">
+              <a:avLst/>
+            </a:prstTxWarp>
+            <a:noAutofit/>
+          </a:bodyPr>
+          <a:lstStyle/>
+          <a:p>
+            <a:pPr algn="ctr"/>
+            <a:r>
+              <a:rPr lang="en-US" sz="1000" dirty="0" smtClean="0">
+                <a:solidFill>
+                  <a:schemeClr val="tx1"/>
+                </a:solidFill>
+                <a:latin typeface="Open Sans Light"/>
+                <a:cs typeface="Open Sans Light"/>
+              </a:rPr>
+              <a:t>beta</a:t>
+            </a:r>
+            <a:endParaRPr lang="en-US" sz="1000" dirty="0">
+              <a:solidFill>
+                <a:schemeClr val="tx1"/>
+              </a:solidFill>
+              <a:latin typeface="Open Sans Light"/>
+              <a:cs typeface="Open Sans Light"/>
+            </a:endParaRPr>
+          </a:p>
+        </p:txBody>
+      </p:sp>
+      <p:sp>
+        <p:nvSpPr>
+          <p:cNvPr id="17" name="Donut 16"/>
+          <p:cNvSpPr/>
+          <p:nvPr/>
+        </p:nvSpPr>
+        <p:spPr>
+          <a:xfrm>
+            <a:off x="3495922" y="1626431"/>
+            <a:ext cx="1188720" cy="1188720"/>
+          </a:xfrm>
+          <a:prstGeom prst="donut">
+            <a:avLst>
+              <a:gd name="adj" fmla="val 16860"/>
+            </a:avLst>
+          </a:prstGeom>
+          <a:solidFill>
+            <a:schemeClr val="tx2">
+              <a:lumMod val="20000"/>
+              <a:lumOff val="80000"/>
+            </a:schemeClr>
+          </a:solidFill>
+          <a:ln>
+            <a:noFill/>
+          </a:ln>
+          <a:effectLst/>
+        </p:spPr>
+        <p:style>
+          <a:lnRef idx="1">
+            <a:schemeClr val="accent1"/>
+          </a:lnRef>
+          <a:fillRef idx="3">
+            <a:schemeClr val="accent1"/>
+          </a:fillRef>
+          <a:effectRef idx="2">
+            <a:schemeClr val="accent1"/>
+          </a:effectRef>
+          <a:fontRef idx="minor">
+            <a:schemeClr val="lt1"/>
+          </a:fontRef>
+        </p:style>
+        <p:txBody>
+          <a:bodyPr rot="0" spcFirstLastPara="0" vertOverflow="overflow" horzOverflow="overflow" vert="horz" wrap="square" lIns="91440" tIns="45720" rIns="91440" bIns="45720" numCol="1" spcCol="0" rtlCol="0" fromWordArt="0" anchor="ctr" anchorCtr="0" forceAA="0" compatLnSpc="1">
+            <a:prstTxWarp prst="textNoShape">
+              <a:avLst/>
+            </a:prstTxWarp>
+            <a:noAutofit/>
+          </a:bodyPr>
+          <a:lstStyle/>
+          <a:p>
+            <a:pPr algn="ctr"/>
+            <a:r>
+              <a:rPr lang="en-US" sz="1000" dirty="0" err="1" smtClean="0">
+                <a:solidFill>
+                  <a:schemeClr val="tx1"/>
+                </a:solidFill>
+                <a:latin typeface="Open Sans Light"/>
+                <a:cs typeface="Open Sans Light"/>
+              </a:rPr>
+              <a:t>raw_data</a:t>
+            </a:r>
+            <a:endParaRPr lang="en-US" sz="1000" dirty="0">
+              <a:solidFill>
+                <a:schemeClr val="tx1"/>
+              </a:solidFill>
+              <a:latin typeface="Open Sans Light"/>
+              <a:cs typeface="Open Sans Light"/>
+            </a:endParaRPr>
+          </a:p>
+        </p:txBody>
+      </p:sp>
+      <p:sp>
+        <p:nvSpPr>
+          <p:cNvPr id="18" name="Cross 17"/>
+          <p:cNvSpPr/>
+          <p:nvPr/>
+        </p:nvSpPr>
+        <p:spPr>
+          <a:xfrm>
+            <a:off x="1398730" y="2037911"/>
+            <a:ext cx="365760" cy="365760"/>
+          </a:xfrm>
+          <a:prstGeom prst="plus">
+            <a:avLst>
+              <a:gd name="adj" fmla="val 39190"/>
+            </a:avLst>
+          </a:prstGeom>
+          <a:solidFill>
+            <a:schemeClr val="tx1"/>
+          </a:solidFill>
+          <a:ln>
+            <a:noFill/>
+          </a:ln>
+          <a:effectLst/>
+        </p:spPr>
+        <p:style>
+          <a:lnRef idx="1">
+            <a:schemeClr val="accent1"/>
+          </a:lnRef>
+          <a:fillRef idx="3">
+            <a:schemeClr val="accent1"/>
+          </a:fillRef>
+          <a:effectRef idx="2">
+            <a:schemeClr val="accent1"/>
+          </a:effectRef>
+          <a:fontRef idx="minor">
+            <a:schemeClr val="lt1"/>
+          </a:fontRef>
+        </p:style>
+        <p:txBody>
+          <a:bodyPr rot="0" spcFirstLastPara="0" vertOverflow="overflow" horzOverflow="overflow" vert="horz" wrap="square" lIns="91440" tIns="45720" rIns="91440" bIns="45720" numCol="1" spcCol="0" rtlCol="0" fromWordArt="0" anchor="ctr" anchorCtr="0" forceAA="0" compatLnSpc="1">
+            <a:prstTxWarp prst="textNoShape">
+              <a:avLst/>
+            </a:prstTxWarp>
+            <a:noAutofit/>
+          </a:bodyPr>
+          <a:lstStyle/>
+          <a:p>
+            <a:pPr algn="ctr"/>
+            <a:endParaRPr lang="en-US">
+              <a:latin typeface="Open Sans Light"/>
+              <a:cs typeface="Open Sans Light"/>
+            </a:endParaRPr>
+          </a:p>
+        </p:txBody>
+      </p:sp>
+      <p:sp>
+        <p:nvSpPr>
+          <p:cNvPr id="19" name="Equal 18"/>
+          <p:cNvSpPr/>
+          <p:nvPr/>
+        </p:nvSpPr>
+        <p:spPr>
+          <a:xfrm>
+            <a:off x="3071178" y="2037911"/>
+            <a:ext cx="365760" cy="365760"/>
+          </a:xfrm>
+          <a:prstGeom prst="mathEqual">
+            <a:avLst/>
+          </a:prstGeom>
+          <a:solidFill>
+            <a:schemeClr val="tx1"/>
+          </a:solidFill>
+          <a:ln>
+            <a:noFill/>
+          </a:ln>
+          <a:effectLst/>
+        </p:spPr>
+        <p:style>
+          <a:lnRef idx="1">
+            <a:schemeClr val="accent1"/>
+          </a:lnRef>
+          <a:fillRef idx="3">
+            <a:schemeClr val="accent1"/>
+          </a:fillRef>
+          <a:effectRef idx="2">
+            <a:schemeClr val="accent1"/>
+          </a:effectRef>
+          <a:fontRef idx="minor">
+            <a:schemeClr val="lt1"/>
+          </a:fontRef>
+        </p:style>
+        <p:txBody>
+          <a:bodyPr rot="0" spcFirstLastPara="0" vertOverflow="overflow" horzOverflow="overflow" vert="horz" wrap="square" lIns="91440" tIns="45720" rIns="91440" bIns="45720" numCol="1" spcCol="0" rtlCol="0" fromWordArt="0" anchor="ctr" anchorCtr="0" forceAA="0" compatLnSpc="1">
+            <a:prstTxWarp prst="textNoShape">
+              <a:avLst/>
+            </a:prstTxWarp>
+            <a:noAutofit/>
+          </a:bodyPr>
+          <a:lstStyle/>
+          <a:p>
+            <a:pPr algn="ctr"/>
+            <a:endParaRPr lang="en-US">
+              <a:solidFill>
+                <a:schemeClr val="tx1"/>
+              </a:solidFill>
+              <a:latin typeface="Open Sans Light"/>
+              <a:cs typeface="Open Sans Light"/>
+            </a:endParaRPr>
+          </a:p>
+        </p:txBody>
+      </p:sp>
+      <p:sp>
+        <p:nvSpPr>
+          <p:cNvPr id="20" name="Donut 19"/>
+          <p:cNvSpPr/>
+          <p:nvPr/>
+        </p:nvSpPr>
+        <p:spPr>
+          <a:xfrm>
+            <a:off x="1823474" y="1626431"/>
+            <a:ext cx="1188720" cy="1188720"/>
+          </a:xfrm>
+          <a:prstGeom prst="donut">
+            <a:avLst>
+              <a:gd name="adj" fmla="val 16860"/>
+            </a:avLst>
+          </a:prstGeom>
+          <a:solidFill>
+            <a:schemeClr val="bg1">
+              <a:lumMod val="85000"/>
+            </a:schemeClr>
+          </a:solidFill>
+          <a:ln>
+            <a:noFill/>
+          </a:ln>
+          <a:effectLst/>
+        </p:spPr>
+        <p:style>
+          <a:lnRef idx="1">
+            <a:schemeClr val="accent1"/>
+          </a:lnRef>
+          <a:fillRef idx="3">
+            <a:schemeClr val="accent1"/>
+          </a:fillRef>
+          <a:effectRef idx="2">
+            <a:schemeClr val="accent1"/>
+          </a:effectRef>
+          <a:fontRef idx="minor">
+            <a:schemeClr val="lt1"/>
+          </a:fontRef>
+        </p:style>
+        <p:txBody>
+          <a:bodyPr rot="0" spcFirstLastPara="0" vertOverflow="overflow" horzOverflow="overflow" vert="horz" wrap="square" lIns="91440" tIns="45720" rIns="91440" bIns="45720" numCol="1" spcCol="0" rtlCol="0" fromWordArt="0" anchor="ctr" anchorCtr="0" forceAA="0" compatLnSpc="1">
+            <a:prstTxWarp prst="textNoShape">
+              <a:avLst/>
+            </a:prstTxWarp>
+            <a:noAutofit/>
+          </a:bodyPr>
+          <a:lstStyle/>
+          <a:p>
+            <a:pPr algn="ctr"/>
+            <a:r>
+              <a:rPr lang="en-US" sz="1000" dirty="0" err="1" smtClean="0">
+                <a:solidFill>
+                  <a:schemeClr val="tx1"/>
+                </a:solidFill>
+                <a:latin typeface="Open Sans Light"/>
+                <a:cs typeface="Open Sans Light"/>
+              </a:rPr>
+              <a:t>pe</a:t>
+            </a:r>
+            <a:endParaRPr lang="en-US" sz="1000" dirty="0">
+              <a:solidFill>
+                <a:schemeClr val="tx1"/>
+              </a:solidFill>
+              <a:latin typeface="Open Sans Light"/>
+              <a:cs typeface="Open Sans Light"/>
+            </a:endParaRPr>
+          </a:p>
+        </p:txBody>
+      </p:sp>
+      <p:sp>
+        <p:nvSpPr>
+          <p:cNvPr id="26" name="Donut 25"/>
+          <p:cNvSpPr/>
+          <p:nvPr/>
+        </p:nvSpPr>
+        <p:spPr>
+          <a:xfrm>
+            <a:off x="151026" y="4476612"/>
+            <a:ext cx="1188720" cy="1188720"/>
+          </a:xfrm>
+          <a:prstGeom prst="donut">
+            <a:avLst>
+              <a:gd name="adj" fmla="val 16860"/>
+            </a:avLst>
+          </a:prstGeom>
+          <a:solidFill>
+            <a:srgbClr val="C6D9F1"/>
+          </a:solidFill>
+          <a:ln>
+            <a:noFill/>
+          </a:ln>
+          <a:effectLst/>
+        </p:spPr>
+        <p:style>
+          <a:lnRef idx="1">
+            <a:schemeClr val="accent1"/>
+          </a:lnRef>
+          <a:fillRef idx="3">
+            <a:schemeClr val="accent1"/>
+          </a:fillRef>
+          <a:effectRef idx="2">
+            <a:schemeClr val="accent1"/>
+          </a:effectRef>
+          <a:fontRef idx="minor">
+            <a:schemeClr val="lt1"/>
+          </a:fontRef>
+        </p:style>
+        <p:txBody>
+          <a:bodyPr rot="0" spcFirstLastPara="0" vertOverflow="overflow" horzOverflow="overflow" vert="horz" wrap="square" lIns="91440" tIns="45720" rIns="91440" bIns="45720" numCol="1" spcCol="0" rtlCol="0" fromWordArt="0" anchor="ctr" anchorCtr="0" forceAA="0" compatLnSpc="1">
+            <a:prstTxWarp prst="textNoShape">
+              <a:avLst/>
+            </a:prstTxWarp>
+            <a:noAutofit/>
+          </a:bodyPr>
+          <a:lstStyle/>
+          <a:p>
+            <a:pPr algn="ctr"/>
+            <a:r>
+              <a:rPr lang="en-US" sz="1000" dirty="0" err="1" smtClean="0">
+                <a:solidFill>
+                  <a:schemeClr val="tx1"/>
+                </a:solidFill>
+                <a:latin typeface="Open Sans Light"/>
+                <a:cs typeface="Open Sans Light"/>
+              </a:rPr>
+              <a:t>raw_data</a:t>
+            </a:r>
+            <a:endParaRPr lang="en-US" sz="1000" dirty="0">
+              <a:solidFill>
+                <a:schemeClr val="tx1"/>
+              </a:solidFill>
+              <a:latin typeface="Open Sans Light"/>
+              <a:cs typeface="Open Sans Light"/>
+            </a:endParaRPr>
+          </a:p>
+        </p:txBody>
+      </p:sp>
+      <p:sp>
+        <p:nvSpPr>
+          <p:cNvPr id="27" name="Donut 26"/>
+          <p:cNvSpPr/>
+          <p:nvPr/>
+        </p:nvSpPr>
+        <p:spPr>
+          <a:xfrm>
+            <a:off x="1823474" y="4476612"/>
+            <a:ext cx="1188720" cy="1188720"/>
+          </a:xfrm>
+          <a:prstGeom prst="donut">
+            <a:avLst>
+              <a:gd name="adj" fmla="val 16860"/>
+            </a:avLst>
+          </a:prstGeom>
+          <a:solidFill>
+            <a:schemeClr val="tx2">
+              <a:lumMod val="60000"/>
+              <a:lumOff val="40000"/>
+            </a:schemeClr>
+          </a:solidFill>
+          <a:ln>
+            <a:noFill/>
+          </a:ln>
+          <a:effectLst/>
+        </p:spPr>
+        <p:style>
+          <a:lnRef idx="1">
+            <a:schemeClr val="accent1"/>
+          </a:lnRef>
+          <a:fillRef idx="3">
+            <a:schemeClr val="accent1"/>
+          </a:fillRef>
+          <a:effectRef idx="2">
+            <a:schemeClr val="accent1"/>
+          </a:effectRef>
+          <a:fontRef idx="minor">
+            <a:schemeClr val="lt1"/>
+          </a:fontRef>
+        </p:style>
+        <p:txBody>
+          <a:bodyPr rot="0" spcFirstLastPara="0" vertOverflow="overflow" horzOverflow="overflow" vert="horz" wrap="square" lIns="91440" tIns="45720" rIns="91440" bIns="45720" numCol="1" spcCol="0" rtlCol="0" fromWordArt="0" anchor="ctr" anchorCtr="0" forceAA="0" compatLnSpc="1">
+            <a:prstTxWarp prst="textNoShape">
+              <a:avLst/>
+            </a:prstTxWarp>
+            <a:noAutofit/>
+          </a:bodyPr>
+          <a:lstStyle/>
+          <a:p>
+            <a:pPr algn="ctr"/>
+            <a:r>
+              <a:rPr lang="en-US" sz="1000" dirty="0" err="1" smtClean="0">
+                <a:solidFill>
+                  <a:schemeClr val="tx1"/>
+                </a:solidFill>
+                <a:latin typeface="Open Sans Light"/>
+                <a:cs typeface="Open Sans Light"/>
+              </a:rPr>
+              <a:t>clean_data</a:t>
+            </a:r>
+            <a:endParaRPr lang="en-US" sz="1000" dirty="0">
+              <a:solidFill>
+                <a:schemeClr val="tx1"/>
+              </a:solidFill>
+              <a:latin typeface="Open Sans Light"/>
+              <a:cs typeface="Open Sans Light"/>
+            </a:endParaRPr>
+          </a:p>
+        </p:txBody>
+      </p:sp>
+      <p:sp>
+        <p:nvSpPr>
+          <p:cNvPr id="28" name="Right Arrow 27"/>
+          <p:cNvSpPr/>
+          <p:nvPr/>
+        </p:nvSpPr>
+        <p:spPr>
+          <a:xfrm>
+            <a:off x="1398730" y="4923549"/>
+            <a:ext cx="365760" cy="294846"/>
+          </a:xfrm>
+          <a:prstGeom prst="rightArrow">
+            <a:avLst/>
+          </a:prstGeom>
+          <a:solidFill>
+            <a:schemeClr val="tx1"/>
+          </a:solidFill>
+          <a:ln>
+            <a:noFill/>
+          </a:ln>
+          <a:effectLst/>
+        </p:spPr>
+        <p:style>
+          <a:lnRef idx="1">
+            <a:schemeClr val="accent1"/>
+          </a:lnRef>
+          <a:fillRef idx="3">
+            <a:schemeClr val="accent1"/>
+          </a:fillRef>
+          <a:effectRef idx="2">
+            <a:schemeClr val="accent1"/>
+          </a:effectRef>
+          <a:fontRef idx="minor">
+            <a:schemeClr val="lt1"/>
+          </a:fontRef>
+        </p:style>
+        <p:txBody>
+          <a:bodyPr rot="0" spcFirstLastPara="0" vertOverflow="overflow" horzOverflow="overflow" vert="horz" wrap="square" lIns="91440" tIns="45720" rIns="91440" bIns="45720" numCol="1" spcCol="0" rtlCol="0" fromWordArt="0" anchor="ctr" anchorCtr="0" forceAA="0" compatLnSpc="1">
+            <a:prstTxWarp prst="textNoShape">
+              <a:avLst/>
+            </a:prstTxWarp>
+            <a:noAutofit/>
+          </a:bodyPr>
+          <a:lstStyle/>
+          <a:p>
+            <a:pPr algn="ctr"/>
+            <a:endParaRPr lang="en-US"/>
+          </a:p>
+        </p:txBody>
+      </p:sp>
+      <p:pic>
+        <p:nvPicPr>
+          <p:cNvPr id="30" name="Picture 29" descr="Screen Shot 2015-12-07 at 1.12.44 AM 2.png"/>
+          <p:cNvPicPr>
+            <a:picLocks noChangeAspect="1"/>
+          </p:cNvPicPr>
+          <p:nvPr/>
+        </p:nvPicPr>
+        <p:blipFill>
+          <a:blip r:embed="rId2">
+            <a:extLst>
+              <a:ext uri="{28A0092B-C50C-407E-A947-70E740481C1C}">
+                <a14:useLocalDpi xmlns:a14="http://schemas.microsoft.com/office/drawing/2010/main" val="0"/>
+              </a:ext>
+            </a:extLst>
+          </a:blip>
+          <a:stretch>
+            <a:fillRect/>
+          </a:stretch>
+        </p:blipFill>
+        <p:spPr>
+          <a:xfrm>
+            <a:off x="4785325" y="1465821"/>
+            <a:ext cx="4207005" cy="1509940"/>
+          </a:xfrm>
+          <a:prstGeom prst="rect">
+            <a:avLst/>
+          </a:prstGeom>
+        </p:spPr>
+      </p:pic>
+      <p:sp>
+        <p:nvSpPr>
+          <p:cNvPr id="31" name="TextBox 30"/>
+          <p:cNvSpPr txBox="1"/>
+          <p:nvPr/>
+        </p:nvSpPr>
+        <p:spPr>
+          <a:xfrm>
+            <a:off x="3252272" y="4038884"/>
+            <a:ext cx="5740058" cy="2062103"/>
+          </a:xfrm>
+          <a:prstGeom prst="rect">
+            <a:avLst/>
+          </a:prstGeom>
+          <a:noFill/>
+        </p:spPr>
+        <p:txBody>
+          <a:bodyPr wrap="square" rtlCol="0">
+            <a:spAutoFit/>
+          </a:bodyPr>
+          <a:lstStyle/>
+          <a:p>
+            <a:r>
+              <a:rPr lang="en-US" sz="1600" dirty="0" smtClean="0">
+                <a:latin typeface="Open Sans Light"/>
+                <a:cs typeface="Open Sans Light"/>
+              </a:rPr>
+              <a:t>Steps:</a:t>
+            </a:r>
+          </a:p>
+          <a:p>
+            <a:pPr marL="800100" lvl="1" indent="-342900">
+              <a:buFont typeface="+mj-lt"/>
+              <a:buAutoNum type="arabicPeriod"/>
+            </a:pPr>
+            <a:r>
+              <a:rPr lang="en-US" sz="1600" dirty="0" smtClean="0">
+                <a:latin typeface="Open Sans Light"/>
+                <a:cs typeface="Open Sans Light"/>
+              </a:rPr>
+              <a:t>Inspect elements within </a:t>
+            </a:r>
+            <a:r>
+              <a:rPr lang="en-US" sz="1600" dirty="0" err="1" smtClean="0">
+                <a:latin typeface="Open Sans Light"/>
+                <a:cs typeface="Open Sans Light"/>
+              </a:rPr>
+              <a:t>raw_data</a:t>
+            </a:r>
+            <a:endParaRPr lang="en-US" sz="1600" dirty="0" smtClean="0">
+              <a:latin typeface="Open Sans Light"/>
+              <a:cs typeface="Open Sans Light"/>
+            </a:endParaRPr>
+          </a:p>
+          <a:p>
+            <a:pPr marL="800100" lvl="1" indent="-342900">
+              <a:buFont typeface="+mj-lt"/>
+              <a:buAutoNum type="arabicPeriod"/>
+            </a:pPr>
+            <a:r>
+              <a:rPr lang="en-US" sz="1600" dirty="0" smtClean="0">
+                <a:latin typeface="Open Sans Light"/>
+                <a:cs typeface="Open Sans Light"/>
+              </a:rPr>
+              <a:t>Make a copy of </a:t>
+            </a:r>
+            <a:r>
+              <a:rPr lang="en-US" sz="1600" dirty="0" err="1" smtClean="0">
+                <a:latin typeface="Open Sans Light"/>
+                <a:cs typeface="Open Sans Light"/>
+              </a:rPr>
+              <a:t>raw_data</a:t>
+            </a:r>
+            <a:r>
+              <a:rPr lang="en-US" sz="1600" dirty="0" smtClean="0">
+                <a:latin typeface="Open Sans Light"/>
+                <a:cs typeface="Open Sans Light"/>
+              </a:rPr>
+              <a:t> called “</a:t>
+            </a:r>
+            <a:r>
+              <a:rPr lang="en-US" sz="1600" dirty="0" err="1" smtClean="0">
+                <a:latin typeface="Open Sans Light"/>
+                <a:cs typeface="Open Sans Light"/>
+              </a:rPr>
+              <a:t>clean_data</a:t>
+            </a:r>
+            <a:r>
+              <a:rPr lang="en-US" sz="1600" dirty="0" smtClean="0">
+                <a:latin typeface="Open Sans Light"/>
+                <a:cs typeface="Open Sans Light"/>
+              </a:rPr>
+              <a:t>”</a:t>
+            </a:r>
+          </a:p>
+          <a:p>
+            <a:pPr marL="800100" lvl="1" indent="-342900">
+              <a:buFont typeface="+mj-lt"/>
+              <a:buAutoNum type="arabicPeriod"/>
+            </a:pPr>
+            <a:r>
+              <a:rPr lang="en-US" sz="1600" dirty="0" smtClean="0">
+                <a:latin typeface="Open Sans Light"/>
+                <a:cs typeface="Open Sans Light"/>
+              </a:rPr>
+              <a:t>Rename columns</a:t>
+            </a:r>
+          </a:p>
+          <a:p>
+            <a:pPr marL="800100" lvl="1" indent="-342900">
+              <a:buFont typeface="+mj-lt"/>
+              <a:buAutoNum type="arabicPeriod"/>
+            </a:pPr>
+            <a:r>
+              <a:rPr lang="en-US" sz="1600" dirty="0" smtClean="0">
+                <a:latin typeface="Open Sans Light"/>
+                <a:cs typeface="Open Sans Light"/>
+              </a:rPr>
+              <a:t>Convert character columns to numeric vectors</a:t>
+            </a:r>
+          </a:p>
+          <a:p>
+            <a:pPr marL="800100" lvl="1" indent="-342900">
+              <a:buFont typeface="+mj-lt"/>
+              <a:buAutoNum type="arabicPeriod"/>
+            </a:pPr>
+            <a:r>
+              <a:rPr lang="en-US" sz="1600" dirty="0" smtClean="0">
+                <a:latin typeface="Open Sans Light"/>
+                <a:cs typeface="Open Sans Light"/>
+              </a:rPr>
+              <a:t>Remove extraneous rows with missing values</a:t>
+            </a:r>
+          </a:p>
+          <a:p>
+            <a:pPr marL="800100" lvl="1" indent="-342900">
+              <a:buFont typeface="+mj-lt"/>
+              <a:buAutoNum type="arabicPeriod"/>
+            </a:pPr>
+            <a:r>
+              <a:rPr lang="en-US" sz="1600" dirty="0" smtClean="0">
+                <a:latin typeface="Open Sans Light"/>
+                <a:cs typeface="Open Sans Light"/>
+              </a:rPr>
+              <a:t>Inspect </a:t>
+            </a:r>
+            <a:r>
+              <a:rPr lang="en-US" sz="1600" dirty="0" err="1" smtClean="0">
+                <a:latin typeface="Open Sans Light"/>
+                <a:cs typeface="Open Sans Light"/>
+              </a:rPr>
+              <a:t>clean_data</a:t>
+            </a:r>
+            <a:endParaRPr lang="en-US" sz="1600" dirty="0" smtClean="0">
+              <a:latin typeface="Open Sans Light"/>
+              <a:cs typeface="Open Sans Light"/>
+            </a:endParaRPr>
+          </a:p>
+          <a:p>
+            <a:pPr marL="800100" lvl="1" indent="-342900">
+              <a:buFont typeface="+mj-lt"/>
+              <a:buAutoNum type="arabicPeriod"/>
+            </a:pPr>
+            <a:r>
+              <a:rPr lang="en-US" sz="1600" dirty="0" smtClean="0">
+                <a:latin typeface="Open Sans Light"/>
+                <a:cs typeface="Open Sans Light"/>
+              </a:rPr>
+              <a:t>Write a CSV file of the processed data</a:t>
+            </a:r>
+            <a:endParaRPr lang="en-US" sz="1600" dirty="0">
+              <a:latin typeface="Open Sans Light"/>
+              <a:cs typeface="Open Sans Light"/>
+            </a:endParaRPr>
+          </a:p>
+        </p:txBody>
+      </p:sp>
+      <p:sp>
+        <p:nvSpPr>
+          <p:cNvPr id="32" name="TextBox 31"/>
+          <p:cNvSpPr txBox="1"/>
+          <p:nvPr/>
+        </p:nvSpPr>
+        <p:spPr>
+          <a:xfrm>
+            <a:off x="151026" y="3462390"/>
+            <a:ext cx="8841304" cy="338554"/>
+          </a:xfrm>
+          <a:prstGeom prst="rect">
+            <a:avLst/>
+          </a:prstGeom>
+          <a:solidFill>
+            <a:schemeClr val="bg1">
+              <a:lumMod val="65000"/>
+            </a:schemeClr>
+          </a:solidFill>
+          <a:ln>
+            <a:noFill/>
+          </a:ln>
+        </p:spPr>
+        <p:txBody>
+          <a:bodyPr wrap="square" rtlCol="0">
+            <a:spAutoFit/>
+          </a:bodyPr>
+          <a:lstStyle/>
+          <a:p>
+            <a:r>
+              <a:rPr lang="en-US" sz="1600" dirty="0" smtClean="0">
+                <a:solidFill>
+                  <a:schemeClr val="bg1"/>
+                </a:solidFill>
+                <a:latin typeface="Open Sans Light"/>
+                <a:cs typeface="Open Sans Light"/>
+              </a:rPr>
+              <a:t>Preprocessing Raw Data into Clean Data</a:t>
+            </a:r>
+            <a:endParaRPr lang="en-US" sz="1600" dirty="0">
+              <a:solidFill>
+                <a:schemeClr val="bg1"/>
+              </a:solidFill>
+              <a:latin typeface="Open Sans Light"/>
+              <a:cs typeface="Open Sans Light"/>
+            </a:endParaRPr>
+          </a:p>
+        </p:txBody>
+      </p:sp>
+    </p:spTree>
+    <p:extLst>
+      <p:ext uri="{BB962C8B-B14F-4D97-AF65-F5344CB8AC3E}">
+        <p14:creationId xmlns:p14="http://schemas.microsoft.com/office/powerpoint/2010/main" val="510917462"/>
+      </p:ext>
+    </p:extLst>
+  </p:cSld>
+  <p:clrMapOvr>
+    <a:masterClrMapping/>
+  </p:clrMapOvr>
+  <p:timing>
+    <p:tnLst>
+      <p:par>
+        <p:cTn xmlns:p14="http://schemas.microsoft.com/office/powerpoint/2010/main" id="1" dur="indefinite" restart="never" nodeType="tmRoot"/>
+      </p:par>
+    </p:tnLst>
+  </p:timing>
+</p:sld>
+</file>
+
+<file path=ppt/slides/slide4.xml><?xml version="1.0" encoding="utf-8"?>
+<p:sld xmlns:a="http://schemas.openxmlformats.org/drawingml/2006/main" xmlns:r="http://schemas.openxmlformats.org/officeDocument/2006/relationships" xmlns:p="http://schemas.openxmlformats.org/presentationml/2006/main">
+  <p:cSld>
+    <p:spTree>
+      <p:nvGrpSpPr>
+        <p:cNvPr id="1" name=""/>
+        <p:cNvGrpSpPr/>
+        <p:nvPr/>
+      </p:nvGrpSpPr>
+      <p:grpSpPr>
+        <a:xfrm>
+          <a:off x="0" y="0"/>
+          <a:ext cx="0" cy="0"/>
+          <a:chOff x="0" y="0"/>
+          <a:chExt cx="0" cy="0"/>
+        </a:xfrm>
+      </p:grpSpPr>
+      <p:sp>
+        <p:nvSpPr>
+          <p:cNvPr id="3" name="Title 2"/>
+          <p:cNvSpPr>
+            <a:spLocks noGrp="1"/>
+          </p:cNvSpPr>
+          <p:nvPr>
+            <p:ph type="title"/>
+          </p:nvPr>
+        </p:nvSpPr>
+        <p:spPr/>
+        <p:txBody>
+          <a:bodyPr/>
+          <a:lstStyle/>
+          <a:p>
+            <a:r>
+              <a:rPr lang="en-US" dirty="0" smtClean="0"/>
+              <a:t>METHODS &amp; ANALYSIS</a:t>
+            </a:r>
+            <a:endParaRPr lang="en-US" dirty="0"/>
+          </a:p>
+        </p:txBody>
+      </p:sp>
+      <p:sp>
+        <p:nvSpPr>
+          <p:cNvPr id="15" name="TextBox 14"/>
+          <p:cNvSpPr txBox="1"/>
+          <p:nvPr/>
+        </p:nvSpPr>
+        <p:spPr>
+          <a:xfrm>
+            <a:off x="151026" y="650261"/>
+            <a:ext cx="8841304" cy="338554"/>
+          </a:xfrm>
+          <a:prstGeom prst="rect">
+            <a:avLst/>
+          </a:prstGeom>
+          <a:solidFill>
+            <a:schemeClr val="bg1">
+              <a:lumMod val="65000"/>
+            </a:schemeClr>
+          </a:solidFill>
+          <a:ln>
+            <a:noFill/>
+          </a:ln>
+        </p:spPr>
+        <p:txBody>
+          <a:bodyPr wrap="square" rtlCol="0">
+            <a:spAutoFit/>
+          </a:bodyPr>
+          <a:lstStyle/>
+          <a:p>
+            <a:r>
+              <a:rPr lang="en-US" sz="1600" dirty="0" smtClean="0">
+                <a:solidFill>
+                  <a:schemeClr val="bg1"/>
+                </a:solidFill>
+                <a:latin typeface="Open Sans Light"/>
+                <a:cs typeface="Open Sans Light"/>
+              </a:rPr>
+              <a:t>Bar Plot of Beta vs. Expected Growth Rate in the Next 5 Years</a:t>
+            </a:r>
+            <a:endParaRPr lang="en-US" sz="1600" dirty="0">
+              <a:solidFill>
+                <a:schemeClr val="bg1"/>
+              </a:solidFill>
+              <a:latin typeface="Open Sans Light"/>
+              <a:cs typeface="Open Sans Light"/>
+            </a:endParaRPr>
+          </a:p>
+        </p:txBody>
+      </p:sp>
+      <p:pic>
+        <p:nvPicPr>
+          <p:cNvPr id="16" name="Picture 15" descr="beta bar plot.png"/>
+          <p:cNvPicPr>
+            <a:picLocks noChangeAspect="1"/>
+          </p:cNvPicPr>
+          <p:nvPr/>
+        </p:nvPicPr>
+        <p:blipFill>
+          <a:blip r:embed="rId2">
+            <a:extLst>
+              <a:ext uri="{28A0092B-C50C-407E-A947-70E740481C1C}">
+                <a14:useLocalDpi xmlns:a14="http://schemas.microsoft.com/office/drawing/2010/main" val="0"/>
+              </a:ext>
+            </a:extLst>
+          </a:blip>
+          <a:stretch>
+            <a:fillRect/>
+          </a:stretch>
+        </p:blipFill>
+        <p:spPr>
+          <a:xfrm>
+            <a:off x="151027" y="1034180"/>
+            <a:ext cx="3221556" cy="2394190"/>
+          </a:xfrm>
+          <a:prstGeom prst="rect">
+            <a:avLst/>
+          </a:prstGeom>
+        </p:spPr>
+      </p:pic>
+      <p:pic>
+        <p:nvPicPr>
+          <p:cNvPr id="17" name="Picture 16" descr="bubble plot.png"/>
+          <p:cNvPicPr>
+            <a:picLocks noChangeAspect="1"/>
+          </p:cNvPicPr>
+          <p:nvPr/>
+        </p:nvPicPr>
+        <p:blipFill>
+          <a:blip r:embed="rId3">
+            <a:extLst>
+              <a:ext uri="{28A0092B-C50C-407E-A947-70E740481C1C}">
+                <a14:useLocalDpi xmlns:a14="http://schemas.microsoft.com/office/drawing/2010/main" val="0"/>
+              </a:ext>
+            </a:extLst>
+          </a:blip>
+          <a:stretch>
+            <a:fillRect/>
+          </a:stretch>
+        </p:blipFill>
+        <p:spPr>
+          <a:xfrm>
+            <a:off x="151026" y="3682962"/>
+            <a:ext cx="3221557" cy="2803630"/>
+          </a:xfrm>
+          <a:prstGeom prst="rect">
+            <a:avLst/>
+          </a:prstGeom>
+        </p:spPr>
+      </p:pic>
+      <p:grpSp>
+        <p:nvGrpSpPr>
+          <p:cNvPr id="4" name="Group 3"/>
+          <p:cNvGrpSpPr/>
+          <p:nvPr/>
+        </p:nvGrpSpPr>
+        <p:grpSpPr>
+          <a:xfrm>
+            <a:off x="385547" y="6376693"/>
+            <a:ext cx="8424615" cy="371785"/>
+            <a:chOff x="385547" y="6376693"/>
+            <a:chExt cx="8424615" cy="371785"/>
+          </a:xfrm>
+        </p:grpSpPr>
+        <p:grpSp>
+          <p:nvGrpSpPr>
+            <p:cNvPr id="5" name="Group 4"/>
+            <p:cNvGrpSpPr/>
+            <p:nvPr/>
+          </p:nvGrpSpPr>
+          <p:grpSpPr>
+            <a:xfrm>
+              <a:off x="385547" y="6376693"/>
+              <a:ext cx="8424614" cy="307777"/>
+              <a:chOff x="385547" y="6376693"/>
+              <a:chExt cx="8424614" cy="307777"/>
+            </a:xfrm>
+          </p:grpSpPr>
+          <p:sp>
+            <p:nvSpPr>
+              <p:cNvPr id="10" name="TextBox 9"/>
+              <p:cNvSpPr txBox="1"/>
+              <p:nvPr/>
+            </p:nvSpPr>
+            <p:spPr>
+              <a:xfrm>
+                <a:off x="385547" y="6376693"/>
+                <a:ext cx="1659441" cy="307777"/>
+              </a:xfrm>
+              <a:prstGeom prst="rect">
+                <a:avLst/>
+              </a:prstGeom>
+              <a:noFill/>
+            </p:spPr>
+            <p:txBody>
+              <a:bodyPr wrap="none" rtlCol="0">
+                <a:spAutoFit/>
+              </a:bodyPr>
+              <a:lstStyle/>
+              <a:p>
+                <a:r>
+                  <a:rPr lang="en-US" sz="1400" dirty="0" smtClean="0">
+                    <a:solidFill>
+                      <a:schemeClr val="bg1">
+                        <a:lumMod val="65000"/>
+                      </a:schemeClr>
+                    </a:solidFill>
+                    <a:latin typeface="Open Sans Light"/>
+                    <a:cs typeface="Open Sans Light"/>
+                  </a:rPr>
+                  <a:t>Research Problem</a:t>
+                </a:r>
+                <a:endParaRPr lang="en-US" sz="1400" dirty="0">
+                  <a:solidFill>
+                    <a:schemeClr val="bg1">
+                      <a:lumMod val="65000"/>
+                    </a:schemeClr>
+                  </a:solidFill>
+                  <a:latin typeface="Open Sans Light"/>
+                  <a:cs typeface="Open Sans Light"/>
+                </a:endParaRPr>
+              </a:p>
+            </p:txBody>
+          </p:sp>
+          <p:sp>
+            <p:nvSpPr>
+              <p:cNvPr id="11" name="TextBox 10"/>
+              <p:cNvSpPr txBox="1"/>
+              <p:nvPr/>
+            </p:nvSpPr>
+            <p:spPr>
+              <a:xfrm>
+                <a:off x="2674430" y="6376693"/>
+                <a:ext cx="1929885" cy="307777"/>
+              </a:xfrm>
+              <a:prstGeom prst="rect">
+                <a:avLst/>
+              </a:prstGeom>
+              <a:noFill/>
+            </p:spPr>
+            <p:txBody>
+              <a:bodyPr wrap="none" rtlCol="0">
+                <a:spAutoFit/>
+              </a:bodyPr>
+              <a:lstStyle/>
+              <a:p>
+                <a:r>
+                  <a:rPr lang="en-US" sz="1400" dirty="0" smtClean="0">
+                    <a:solidFill>
+                      <a:schemeClr val="bg1">
+                        <a:lumMod val="65000"/>
+                      </a:schemeClr>
+                    </a:solidFill>
+                    <a:latin typeface="Open Sans Light"/>
+                    <a:cs typeface="Open Sans Light"/>
+                  </a:rPr>
+                  <a:t>Data &amp; Preprocessing</a:t>
+                </a:r>
+                <a:endParaRPr lang="en-US" sz="1400" dirty="0">
+                  <a:solidFill>
+                    <a:schemeClr val="bg1">
+                      <a:lumMod val="65000"/>
+                    </a:schemeClr>
+                  </a:solidFill>
+                  <a:latin typeface="Open Sans Light"/>
+                  <a:cs typeface="Open Sans Light"/>
+                </a:endParaRPr>
+              </a:p>
+            </p:txBody>
+          </p:sp>
+          <p:sp>
+            <p:nvSpPr>
+              <p:cNvPr id="12" name="TextBox 11"/>
+              <p:cNvSpPr txBox="1"/>
+              <p:nvPr/>
+            </p:nvSpPr>
+            <p:spPr>
+              <a:xfrm>
+                <a:off x="5233757" y="6376693"/>
+                <a:ext cx="1762021" cy="307777"/>
+              </a:xfrm>
+              <a:prstGeom prst="rect">
+                <a:avLst/>
+              </a:prstGeom>
+              <a:noFill/>
+            </p:spPr>
+            <p:txBody>
+              <a:bodyPr wrap="none" rtlCol="0">
+                <a:spAutoFit/>
+              </a:bodyPr>
+              <a:lstStyle/>
+              <a:p>
+                <a:r>
+                  <a:rPr lang="en-US" sz="1400" dirty="0" smtClean="0">
+                    <a:solidFill>
+                      <a:srgbClr val="000000"/>
+                    </a:solidFill>
+                    <a:latin typeface="Open Sans Light"/>
+                    <a:cs typeface="Open Sans Light"/>
+                  </a:rPr>
+                  <a:t>Methods &amp; Analysis</a:t>
+                </a:r>
+                <a:endParaRPr lang="en-US" sz="1400" dirty="0">
+                  <a:solidFill>
+                    <a:srgbClr val="000000"/>
+                  </a:solidFill>
+                  <a:latin typeface="Open Sans Light"/>
+                  <a:cs typeface="Open Sans Light"/>
+                </a:endParaRPr>
+              </a:p>
+            </p:txBody>
+          </p:sp>
+          <p:sp>
+            <p:nvSpPr>
+              <p:cNvPr id="13" name="TextBox 12"/>
+              <p:cNvSpPr txBox="1"/>
+              <p:nvPr/>
+            </p:nvSpPr>
+            <p:spPr>
+              <a:xfrm>
+                <a:off x="7625221" y="6376693"/>
+                <a:ext cx="1184940" cy="307777"/>
+              </a:xfrm>
+              <a:prstGeom prst="rect">
+                <a:avLst/>
+              </a:prstGeom>
+              <a:noFill/>
+            </p:spPr>
+            <p:txBody>
+              <a:bodyPr wrap="none" rtlCol="0">
+                <a:spAutoFit/>
+              </a:bodyPr>
+              <a:lstStyle/>
+              <a:p>
+                <a:r>
+                  <a:rPr lang="en-US" sz="1400" dirty="0" smtClean="0">
+                    <a:solidFill>
+                      <a:schemeClr val="bg1">
+                        <a:lumMod val="65000"/>
+                      </a:schemeClr>
+                    </a:solidFill>
+                    <a:latin typeface="Open Sans Light"/>
+                    <a:cs typeface="Open Sans Light"/>
+                  </a:rPr>
+                  <a:t>Key Findings</a:t>
+                </a:r>
+                <a:endParaRPr lang="en-US" sz="1400" dirty="0">
+                  <a:solidFill>
+                    <a:schemeClr val="bg1">
+                      <a:lumMod val="65000"/>
+                    </a:schemeClr>
+                  </a:solidFill>
+                  <a:latin typeface="Open Sans Light"/>
+                  <a:cs typeface="Open Sans Light"/>
+                </a:endParaRPr>
+              </a:p>
+            </p:txBody>
+          </p:sp>
+        </p:grpSp>
+        <p:sp>
+          <p:nvSpPr>
+            <p:cNvPr id="6" name="Rectangle 5"/>
+            <p:cNvSpPr/>
+            <p:nvPr/>
+          </p:nvSpPr>
+          <p:spPr>
+            <a:xfrm>
+              <a:off x="385547" y="6684470"/>
+              <a:ext cx="1659441" cy="64008"/>
+            </a:xfrm>
+            <a:prstGeom prst="rect">
+              <a:avLst/>
+            </a:prstGeom>
+            <a:solidFill>
+              <a:srgbClr val="A6A6A6"/>
+            </a:solidFill>
+            <a:ln>
+              <a:noFill/>
+            </a:ln>
+            <a:effectLst/>
+          </p:spPr>
+          <p:style>
+            <a:lnRef idx="1">
+              <a:schemeClr val="accent1"/>
+            </a:lnRef>
+            <a:fillRef idx="3">
+              <a:schemeClr val="accent1"/>
+            </a:fillRef>
+            <a:effectRef idx="2">
+              <a:schemeClr val="accent1"/>
+            </a:effectRef>
+            <a:fontRef idx="minor">
+              <a:schemeClr val="lt1"/>
+            </a:fontRef>
+          </p:style>
+          <p:txBody>
+            <a:bodyPr rot="0" spcFirstLastPara="0" vertOverflow="overflow" horzOverflow="overflow" vert="horz" wrap="square" lIns="91440" tIns="45720" rIns="91440" bIns="45720" numCol="1" spcCol="0" rtlCol="0" fromWordArt="0" anchor="ctr" anchorCtr="0" forceAA="0" compatLnSpc="1">
+              <a:prstTxWarp prst="textNoShape">
+                <a:avLst/>
+              </a:prstTxWarp>
+              <a:noAutofit/>
+            </a:bodyPr>
+            <a:lstStyle/>
+            <a:p>
+              <a:pPr algn="ctr"/>
+              <a:endParaRPr lang="en-US">
+                <a:solidFill>
+                  <a:schemeClr val="bg1">
+                    <a:lumMod val="65000"/>
+                  </a:schemeClr>
+                </a:solidFill>
+                <a:latin typeface="Open Sans Light"/>
+                <a:cs typeface="Open Sans Light"/>
+              </a:endParaRPr>
+            </a:p>
+          </p:txBody>
+        </p:sp>
+        <p:sp>
+          <p:nvSpPr>
+            <p:cNvPr id="7" name="Rectangle 6"/>
+            <p:cNvSpPr/>
+            <p:nvPr/>
+          </p:nvSpPr>
+          <p:spPr>
+            <a:xfrm>
+              <a:off x="2674430" y="6684470"/>
+              <a:ext cx="1929885" cy="64008"/>
+            </a:xfrm>
+            <a:prstGeom prst="rect">
+              <a:avLst/>
+            </a:prstGeom>
+            <a:solidFill>
+              <a:srgbClr val="A6A6A6"/>
+            </a:solidFill>
+            <a:ln>
+              <a:noFill/>
+            </a:ln>
+            <a:effectLst/>
+          </p:spPr>
+          <p:style>
+            <a:lnRef idx="1">
+              <a:schemeClr val="accent1"/>
+            </a:lnRef>
+            <a:fillRef idx="3">
+              <a:schemeClr val="accent1"/>
+            </a:fillRef>
+            <a:effectRef idx="2">
+              <a:schemeClr val="accent1"/>
+            </a:effectRef>
+            <a:fontRef idx="minor">
+              <a:schemeClr val="lt1"/>
+            </a:fontRef>
+          </p:style>
+          <p:txBody>
+            <a:bodyPr rot="0" spcFirstLastPara="0" vertOverflow="overflow" horzOverflow="overflow" vert="horz" wrap="square" lIns="91440" tIns="45720" rIns="91440" bIns="45720" numCol="1" spcCol="0" rtlCol="0" fromWordArt="0" anchor="ctr" anchorCtr="0" forceAA="0" compatLnSpc="1">
+              <a:prstTxWarp prst="textNoShape">
+                <a:avLst/>
+              </a:prstTxWarp>
+              <a:noAutofit/>
+            </a:bodyPr>
+            <a:lstStyle/>
+            <a:p>
+              <a:pPr algn="ctr"/>
+              <a:endParaRPr lang="en-US">
+                <a:solidFill>
+                  <a:schemeClr val="bg1">
+                    <a:lumMod val="65000"/>
+                  </a:schemeClr>
+                </a:solidFill>
+                <a:latin typeface="Open Sans Light"/>
+                <a:cs typeface="Open Sans Light"/>
+              </a:endParaRPr>
+            </a:p>
+          </p:txBody>
+        </p:sp>
+        <p:sp>
+          <p:nvSpPr>
+            <p:cNvPr id="8" name="Rectangle 7"/>
+            <p:cNvSpPr/>
+            <p:nvPr/>
+          </p:nvSpPr>
+          <p:spPr>
+            <a:xfrm>
+              <a:off x="5233757" y="6683185"/>
+              <a:ext cx="1762021" cy="64008"/>
+            </a:xfrm>
+            <a:prstGeom prst="rect">
+              <a:avLst/>
+            </a:prstGeom>
+            <a:solidFill>
+              <a:srgbClr val="558ED5"/>
+            </a:solidFill>
+            <a:ln>
+              <a:noFill/>
+            </a:ln>
+            <a:effectLst/>
+          </p:spPr>
+          <p:style>
+            <a:lnRef idx="1">
+              <a:schemeClr val="accent1"/>
+            </a:lnRef>
+            <a:fillRef idx="3">
+              <a:schemeClr val="accent1"/>
+            </a:fillRef>
+            <a:effectRef idx="2">
+              <a:schemeClr val="accent1"/>
+            </a:effectRef>
+            <a:fontRef idx="minor">
+              <a:schemeClr val="lt1"/>
+            </a:fontRef>
+          </p:style>
+          <p:txBody>
+            <a:bodyPr rot="0" spcFirstLastPara="0" vertOverflow="overflow" horzOverflow="overflow" vert="horz" wrap="square" lIns="91440" tIns="45720" rIns="91440" bIns="45720" numCol="1" spcCol="0" rtlCol="0" fromWordArt="0" anchor="ctr" anchorCtr="0" forceAA="0" compatLnSpc="1">
+              <a:prstTxWarp prst="textNoShape">
+                <a:avLst/>
+              </a:prstTxWarp>
+              <a:noAutofit/>
+            </a:bodyPr>
+            <a:lstStyle/>
+            <a:p>
+              <a:pPr algn="ctr"/>
+              <a:endParaRPr lang="en-US">
+                <a:solidFill>
+                  <a:schemeClr val="bg1">
+                    <a:lumMod val="65000"/>
+                  </a:schemeClr>
+                </a:solidFill>
+                <a:latin typeface="Open Sans Light"/>
+                <a:cs typeface="Open Sans Light"/>
+              </a:endParaRPr>
+            </a:p>
+          </p:txBody>
+        </p:sp>
+        <p:sp>
+          <p:nvSpPr>
+            <p:cNvPr id="9" name="Rectangle 8"/>
+            <p:cNvSpPr/>
+            <p:nvPr/>
+          </p:nvSpPr>
+          <p:spPr>
+            <a:xfrm>
+              <a:off x="7625222" y="6683185"/>
+              <a:ext cx="1184940" cy="64008"/>
+            </a:xfrm>
+            <a:prstGeom prst="rect">
+              <a:avLst/>
+            </a:prstGeom>
+            <a:solidFill>
+              <a:srgbClr val="A6A6A6"/>
+            </a:solidFill>
+            <a:ln>
+              <a:noFill/>
+            </a:ln>
+            <a:effectLst/>
+          </p:spPr>
+          <p:style>
+            <a:lnRef idx="1">
+              <a:schemeClr val="accent1"/>
+            </a:lnRef>
+            <a:fillRef idx="3">
+              <a:schemeClr val="accent1"/>
+            </a:fillRef>
+            <a:effectRef idx="2">
+              <a:schemeClr val="accent1"/>
+            </a:effectRef>
+            <a:fontRef idx="minor">
+              <a:schemeClr val="lt1"/>
+            </a:fontRef>
+          </p:style>
+          <p:txBody>
+            <a:bodyPr rot="0" spcFirstLastPara="0" vertOverflow="overflow" horzOverflow="overflow" vert="horz" wrap="square" lIns="91440" tIns="45720" rIns="91440" bIns="45720" numCol="1" spcCol="0" rtlCol="0" fromWordArt="0" anchor="ctr" anchorCtr="0" forceAA="0" compatLnSpc="1">
+              <a:prstTxWarp prst="textNoShape">
+                <a:avLst/>
+              </a:prstTxWarp>
+              <a:noAutofit/>
+            </a:bodyPr>
+            <a:lstStyle/>
+            <a:p>
+              <a:pPr algn="ctr"/>
+              <a:endParaRPr lang="en-US">
+                <a:solidFill>
+                  <a:schemeClr val="bg1">
+                    <a:lumMod val="65000"/>
+                  </a:schemeClr>
+                </a:solidFill>
+                <a:latin typeface="Open Sans Light"/>
+                <a:cs typeface="Open Sans Light"/>
+              </a:endParaRPr>
+            </a:p>
+          </p:txBody>
+        </p:sp>
+      </p:grpSp>
+      <p:sp>
+        <p:nvSpPr>
+          <p:cNvPr id="14" name="TextBox 13"/>
+          <p:cNvSpPr txBox="1"/>
+          <p:nvPr/>
+        </p:nvSpPr>
+        <p:spPr>
+          <a:xfrm>
+            <a:off x="151026" y="3462390"/>
+            <a:ext cx="8841304" cy="338554"/>
+          </a:xfrm>
+          <a:prstGeom prst="rect">
+            <a:avLst/>
+          </a:prstGeom>
+          <a:solidFill>
+            <a:schemeClr val="bg1">
+              <a:lumMod val="65000"/>
+            </a:schemeClr>
+          </a:solidFill>
+          <a:ln>
+            <a:noFill/>
+          </a:ln>
+        </p:spPr>
+        <p:txBody>
+          <a:bodyPr wrap="square" rtlCol="0">
+            <a:spAutoFit/>
+          </a:bodyPr>
+          <a:lstStyle/>
+          <a:p>
+            <a:r>
+              <a:rPr lang="en-US" sz="1600" dirty="0" smtClean="0">
+                <a:solidFill>
+                  <a:schemeClr val="bg1"/>
+                </a:solidFill>
+                <a:latin typeface="Open Sans Light"/>
+                <a:cs typeface="Open Sans Light"/>
+              </a:rPr>
+              <a:t>Bubble Plot of Current PE and Expected Growth in the Next 5 Years for Different Industries</a:t>
+            </a:r>
+            <a:endParaRPr lang="en-US" sz="1600" dirty="0">
+              <a:solidFill>
+                <a:schemeClr val="bg1"/>
+              </a:solidFill>
+              <a:latin typeface="Open Sans Light"/>
+              <a:cs typeface="Open Sans Light"/>
+            </a:endParaRPr>
+          </a:p>
+        </p:txBody>
+      </p:sp>
+      <p:sp>
+        <p:nvSpPr>
+          <p:cNvPr id="18" name="TextBox 17"/>
+          <p:cNvSpPr txBox="1"/>
+          <p:nvPr/>
+        </p:nvSpPr>
+        <p:spPr>
+          <a:xfrm>
+            <a:off x="3523395" y="1079540"/>
+            <a:ext cx="5468935" cy="307777"/>
+          </a:xfrm>
+          <a:prstGeom prst="rect">
+            <a:avLst/>
+          </a:prstGeom>
+          <a:noFill/>
+        </p:spPr>
+        <p:txBody>
+          <a:bodyPr wrap="square" rtlCol="0">
+            <a:spAutoFit/>
+          </a:bodyPr>
+          <a:lstStyle/>
+          <a:p>
+            <a:pPr marL="285750" indent="-285750">
+              <a:buFont typeface="Wingdings" charset="2"/>
+              <a:buChar char="§"/>
+            </a:pPr>
+            <a:r>
+              <a:rPr lang="en-US" sz="1400" dirty="0" smtClean="0">
+                <a:latin typeface="Open Sans Light"/>
+                <a:cs typeface="Open Sans Light"/>
+              </a:rPr>
+              <a:t>a</a:t>
+            </a:r>
+            <a:endParaRPr lang="en-US" sz="1400" dirty="0">
+              <a:latin typeface="Open Sans Light"/>
+              <a:cs typeface="Open Sans Light"/>
+            </a:endParaRPr>
+          </a:p>
+        </p:txBody>
+      </p:sp>
+      <p:sp>
+        <p:nvSpPr>
+          <p:cNvPr id="19" name="TextBox 18"/>
+          <p:cNvSpPr txBox="1"/>
+          <p:nvPr/>
+        </p:nvSpPr>
+        <p:spPr>
+          <a:xfrm>
+            <a:off x="3523395" y="3890087"/>
+            <a:ext cx="5468935" cy="307777"/>
+          </a:xfrm>
+          <a:prstGeom prst="rect">
+            <a:avLst/>
+          </a:prstGeom>
+          <a:noFill/>
+        </p:spPr>
+        <p:txBody>
+          <a:bodyPr wrap="square" rtlCol="0">
+            <a:spAutoFit/>
+          </a:bodyPr>
+          <a:lstStyle/>
+          <a:p>
+            <a:pPr marL="285750" indent="-285750">
+              <a:buFont typeface="Wingdings" charset="2"/>
+              <a:buChar char="§"/>
+            </a:pPr>
+            <a:r>
+              <a:rPr lang="en-US" sz="1400" dirty="0" smtClean="0">
+                <a:latin typeface="Open Sans Light"/>
+                <a:cs typeface="Open Sans Light"/>
+              </a:rPr>
+              <a:t>a</a:t>
+            </a:r>
+            <a:endParaRPr lang="en-US" sz="1400" dirty="0">
+              <a:latin typeface="Open Sans Light"/>
+              <a:cs typeface="Open Sans Light"/>
+            </a:endParaRPr>
+          </a:p>
+        </p:txBody>
+      </p:sp>
+    </p:spTree>
+    <p:extLst>
+      <p:ext uri="{BB962C8B-B14F-4D97-AF65-F5344CB8AC3E}">
+        <p14:creationId xmlns:p14="http://schemas.microsoft.com/office/powerpoint/2010/main" val="639811630"/>
+      </p:ext>
+    </p:extLst>
+  </p:cSld>
+  <p:clrMapOvr>
+    <a:masterClrMapping/>
+  </p:clrMapOvr>
+  <p:timing>
+    <p:tnLst>
+      <p:par>
+        <p:cTn xmlns:p14="http://schemas.microsoft.com/office/powerpoint/2010/main" id="1" dur="indefinite" restart="never" nodeType="tmRoot"/>
+      </p:par>
+    </p:tnLst>
+  </p:timing>
+</p:sld>
+</file>
+
+<file path=ppt/slides/slide5.xml><?xml version="1.0" encoding="utf-8"?>
+<p:sld xmlns:a="http://schemas.openxmlformats.org/drawingml/2006/main" xmlns:r="http://schemas.openxmlformats.org/officeDocument/2006/relationships" xmlns:p="http://schemas.openxmlformats.org/presentationml/2006/main">
+  <p:cSld>
+    <p:spTree>
+      <p:nvGrpSpPr>
+        <p:cNvPr id="1" name=""/>
+        <p:cNvGrpSpPr/>
+        <p:nvPr/>
+      </p:nvGrpSpPr>
+      <p:grpSpPr>
+        <a:xfrm>
+          <a:off x="0" y="0"/>
+          <a:ext cx="0" cy="0"/>
+          <a:chOff x="0" y="0"/>
+          <a:chExt cx="0" cy="0"/>
+        </a:xfrm>
+      </p:grpSpPr>
+      <p:sp>
+        <p:nvSpPr>
+          <p:cNvPr id="3" name="Title 2"/>
+          <p:cNvSpPr>
+            <a:spLocks noGrp="1"/>
+          </p:cNvSpPr>
+          <p:nvPr>
+            <p:ph type="title"/>
+          </p:nvPr>
+        </p:nvSpPr>
+        <p:spPr/>
+        <p:txBody>
+          <a:bodyPr/>
+          <a:lstStyle/>
+          <a:p>
+            <a:r>
+              <a:rPr lang="en-US" dirty="0" smtClean="0"/>
+              <a:t>METHODS &amp; ANALYSIS</a:t>
+            </a:r>
+            <a:endParaRPr lang="en-US" dirty="0"/>
+          </a:p>
+        </p:txBody>
+      </p:sp>
+      <p:sp>
+        <p:nvSpPr>
+          <p:cNvPr id="15" name="TextBox 14"/>
+          <p:cNvSpPr txBox="1"/>
+          <p:nvPr/>
+        </p:nvSpPr>
+        <p:spPr>
+          <a:xfrm>
+            <a:off x="151026" y="650261"/>
+            <a:ext cx="8841304" cy="338554"/>
+          </a:xfrm>
+          <a:prstGeom prst="rect">
+            <a:avLst/>
+          </a:prstGeom>
+          <a:solidFill>
+            <a:schemeClr val="bg1">
+              <a:lumMod val="65000"/>
+            </a:schemeClr>
+          </a:solidFill>
+          <a:ln>
+            <a:noFill/>
+          </a:ln>
+        </p:spPr>
+        <p:txBody>
+          <a:bodyPr wrap="square" rtlCol="0">
+            <a:spAutoFit/>
+          </a:bodyPr>
+          <a:lstStyle/>
+          <a:p>
+            <a:r>
+              <a:rPr lang="en-US" sz="1600" dirty="0" smtClean="0">
+                <a:solidFill>
+                  <a:schemeClr val="bg1"/>
+                </a:solidFill>
+                <a:latin typeface="Open Sans Light"/>
+                <a:cs typeface="Open Sans Light"/>
+              </a:rPr>
+              <a:t>Bar Plot of Beta vs. Expected Growth Rate in the Next 5 Years</a:t>
+            </a:r>
+            <a:endParaRPr lang="en-US" sz="1600" dirty="0">
+              <a:solidFill>
+                <a:schemeClr val="bg1"/>
+              </a:solidFill>
+              <a:latin typeface="Open Sans Light"/>
+              <a:cs typeface="Open Sans Light"/>
+            </a:endParaRPr>
+          </a:p>
+        </p:txBody>
+      </p:sp>
+      <p:grpSp>
+        <p:nvGrpSpPr>
+          <p:cNvPr id="4" name="Group 3"/>
+          <p:cNvGrpSpPr/>
+          <p:nvPr/>
+        </p:nvGrpSpPr>
+        <p:grpSpPr>
+          <a:xfrm>
+            <a:off x="385547" y="6376693"/>
+            <a:ext cx="8424615" cy="371785"/>
+            <a:chOff x="385547" y="6376693"/>
+            <a:chExt cx="8424615" cy="371785"/>
+          </a:xfrm>
+        </p:grpSpPr>
+        <p:grpSp>
+          <p:nvGrpSpPr>
+            <p:cNvPr id="5" name="Group 4"/>
+            <p:cNvGrpSpPr/>
+            <p:nvPr/>
+          </p:nvGrpSpPr>
+          <p:grpSpPr>
+            <a:xfrm>
+              <a:off x="385547" y="6376693"/>
+              <a:ext cx="8424614" cy="307777"/>
+              <a:chOff x="385547" y="6376693"/>
+              <a:chExt cx="8424614" cy="307777"/>
+            </a:xfrm>
+          </p:grpSpPr>
+          <p:sp>
+            <p:nvSpPr>
+              <p:cNvPr id="10" name="TextBox 9"/>
+              <p:cNvSpPr txBox="1"/>
+              <p:nvPr/>
+            </p:nvSpPr>
+            <p:spPr>
+              <a:xfrm>
+                <a:off x="385547" y="6376693"/>
+                <a:ext cx="1659441" cy="307777"/>
+              </a:xfrm>
+              <a:prstGeom prst="rect">
+                <a:avLst/>
+              </a:prstGeom>
+              <a:noFill/>
+            </p:spPr>
+            <p:txBody>
+              <a:bodyPr wrap="none" rtlCol="0">
+                <a:spAutoFit/>
+              </a:bodyPr>
+              <a:lstStyle/>
+              <a:p>
+                <a:r>
+                  <a:rPr lang="en-US" sz="1400" dirty="0" smtClean="0">
+                    <a:solidFill>
+                      <a:schemeClr val="bg1">
+                        <a:lumMod val="65000"/>
+                      </a:schemeClr>
+                    </a:solidFill>
+                    <a:latin typeface="Open Sans Light"/>
+                    <a:cs typeface="Open Sans Light"/>
+                  </a:rPr>
+                  <a:t>Research Problem</a:t>
+                </a:r>
+                <a:endParaRPr lang="en-US" sz="1400" dirty="0">
+                  <a:solidFill>
+                    <a:schemeClr val="bg1">
+                      <a:lumMod val="65000"/>
+                    </a:schemeClr>
+                  </a:solidFill>
+                  <a:latin typeface="Open Sans Light"/>
+                  <a:cs typeface="Open Sans Light"/>
+                </a:endParaRPr>
+              </a:p>
+            </p:txBody>
+          </p:sp>
+          <p:sp>
+            <p:nvSpPr>
+              <p:cNvPr id="11" name="TextBox 10"/>
+              <p:cNvSpPr txBox="1"/>
+              <p:nvPr/>
+            </p:nvSpPr>
+            <p:spPr>
+              <a:xfrm>
+                <a:off x="2674430" y="6376693"/>
+                <a:ext cx="1929885" cy="307777"/>
+              </a:xfrm>
+              <a:prstGeom prst="rect">
+                <a:avLst/>
+              </a:prstGeom>
+              <a:noFill/>
+            </p:spPr>
+            <p:txBody>
+              <a:bodyPr wrap="none" rtlCol="0">
+                <a:spAutoFit/>
+              </a:bodyPr>
+              <a:lstStyle/>
+              <a:p>
+                <a:r>
+                  <a:rPr lang="en-US" sz="1400" dirty="0" smtClean="0">
+                    <a:solidFill>
+                      <a:schemeClr val="bg1">
+                        <a:lumMod val="65000"/>
+                      </a:schemeClr>
+                    </a:solidFill>
+                    <a:latin typeface="Open Sans Light"/>
+                    <a:cs typeface="Open Sans Light"/>
+                  </a:rPr>
+                  <a:t>Data &amp; Preprocessing</a:t>
+                </a:r>
+                <a:endParaRPr lang="en-US" sz="1400" dirty="0">
+                  <a:solidFill>
+                    <a:schemeClr val="bg1">
+                      <a:lumMod val="65000"/>
+                    </a:schemeClr>
+                  </a:solidFill>
+                  <a:latin typeface="Open Sans Light"/>
+                  <a:cs typeface="Open Sans Light"/>
+                </a:endParaRPr>
+              </a:p>
+            </p:txBody>
+          </p:sp>
+          <p:sp>
+            <p:nvSpPr>
+              <p:cNvPr id="12" name="TextBox 11"/>
+              <p:cNvSpPr txBox="1"/>
+              <p:nvPr/>
+            </p:nvSpPr>
+            <p:spPr>
+              <a:xfrm>
+                <a:off x="5233757" y="6376693"/>
+                <a:ext cx="1762021" cy="307777"/>
+              </a:xfrm>
+              <a:prstGeom prst="rect">
+                <a:avLst/>
+              </a:prstGeom>
+              <a:noFill/>
+            </p:spPr>
+            <p:txBody>
+              <a:bodyPr wrap="none" rtlCol="0">
+                <a:spAutoFit/>
+              </a:bodyPr>
+              <a:lstStyle/>
+              <a:p>
+                <a:r>
+                  <a:rPr lang="en-US" sz="1400" dirty="0" smtClean="0">
+                    <a:solidFill>
+                      <a:srgbClr val="000000"/>
+                    </a:solidFill>
+                    <a:latin typeface="Open Sans Light"/>
+                    <a:cs typeface="Open Sans Light"/>
+                  </a:rPr>
+                  <a:t>Methods &amp; Analysis</a:t>
+                </a:r>
+                <a:endParaRPr lang="en-US" sz="1400" dirty="0">
+                  <a:solidFill>
+                    <a:srgbClr val="000000"/>
+                  </a:solidFill>
+                  <a:latin typeface="Open Sans Light"/>
+                  <a:cs typeface="Open Sans Light"/>
+                </a:endParaRPr>
+              </a:p>
+            </p:txBody>
+          </p:sp>
+          <p:sp>
+            <p:nvSpPr>
+              <p:cNvPr id="13" name="TextBox 12"/>
+              <p:cNvSpPr txBox="1"/>
+              <p:nvPr/>
+            </p:nvSpPr>
+            <p:spPr>
+              <a:xfrm>
+                <a:off x="7625221" y="6376693"/>
+                <a:ext cx="1184940" cy="307777"/>
+              </a:xfrm>
+              <a:prstGeom prst="rect">
+                <a:avLst/>
+              </a:prstGeom>
+              <a:noFill/>
+            </p:spPr>
+            <p:txBody>
+              <a:bodyPr wrap="none" rtlCol="0">
+                <a:spAutoFit/>
+              </a:bodyPr>
+              <a:lstStyle/>
+              <a:p>
+                <a:r>
+                  <a:rPr lang="en-US" sz="1400" dirty="0" smtClean="0">
+                    <a:solidFill>
+                      <a:schemeClr val="bg1">
+                        <a:lumMod val="65000"/>
+                      </a:schemeClr>
+                    </a:solidFill>
+                    <a:latin typeface="Open Sans Light"/>
+                    <a:cs typeface="Open Sans Light"/>
+                  </a:rPr>
+                  <a:t>Key Findings</a:t>
+                </a:r>
+                <a:endParaRPr lang="en-US" sz="1400" dirty="0">
+                  <a:solidFill>
+                    <a:schemeClr val="bg1">
+                      <a:lumMod val="65000"/>
+                    </a:schemeClr>
+                  </a:solidFill>
+                  <a:latin typeface="Open Sans Light"/>
+                  <a:cs typeface="Open Sans Light"/>
+                </a:endParaRPr>
+              </a:p>
+            </p:txBody>
+          </p:sp>
+        </p:grpSp>
+        <p:sp>
+          <p:nvSpPr>
+            <p:cNvPr id="6" name="Rectangle 5"/>
+            <p:cNvSpPr/>
+            <p:nvPr/>
+          </p:nvSpPr>
+          <p:spPr>
+            <a:xfrm>
+              <a:off x="385547" y="6684470"/>
+              <a:ext cx="1659441" cy="64008"/>
+            </a:xfrm>
+            <a:prstGeom prst="rect">
+              <a:avLst/>
+            </a:prstGeom>
+            <a:solidFill>
+              <a:srgbClr val="A6A6A6"/>
+            </a:solidFill>
+            <a:ln>
+              <a:noFill/>
+            </a:ln>
+            <a:effectLst/>
+          </p:spPr>
+          <p:style>
+            <a:lnRef idx="1">
+              <a:schemeClr val="accent1"/>
+            </a:lnRef>
+            <a:fillRef idx="3">
+              <a:schemeClr val="accent1"/>
+            </a:fillRef>
+            <a:effectRef idx="2">
+              <a:schemeClr val="accent1"/>
+            </a:effectRef>
+            <a:fontRef idx="minor">
+              <a:schemeClr val="lt1"/>
+            </a:fontRef>
+          </p:style>
+          <p:txBody>
+            <a:bodyPr rot="0" spcFirstLastPara="0" vertOverflow="overflow" horzOverflow="overflow" vert="horz" wrap="square" lIns="91440" tIns="45720" rIns="91440" bIns="45720" numCol="1" spcCol="0" rtlCol="0" fromWordArt="0" anchor="ctr" anchorCtr="0" forceAA="0" compatLnSpc="1">
+              <a:prstTxWarp prst="textNoShape">
+                <a:avLst/>
+              </a:prstTxWarp>
+              <a:noAutofit/>
+            </a:bodyPr>
+            <a:lstStyle/>
+            <a:p>
+              <a:pPr algn="ctr"/>
+              <a:endParaRPr lang="en-US">
+                <a:solidFill>
+                  <a:schemeClr val="bg1">
+                    <a:lumMod val="65000"/>
+                  </a:schemeClr>
+                </a:solidFill>
+                <a:latin typeface="Open Sans Light"/>
+                <a:cs typeface="Open Sans Light"/>
+              </a:endParaRPr>
+            </a:p>
+          </p:txBody>
+        </p:sp>
+        <p:sp>
+          <p:nvSpPr>
+            <p:cNvPr id="7" name="Rectangle 6"/>
+            <p:cNvSpPr/>
+            <p:nvPr/>
+          </p:nvSpPr>
+          <p:spPr>
+            <a:xfrm>
+              <a:off x="2674430" y="6684470"/>
+              <a:ext cx="1929885" cy="64008"/>
+            </a:xfrm>
+            <a:prstGeom prst="rect">
+              <a:avLst/>
+            </a:prstGeom>
+            <a:solidFill>
+              <a:srgbClr val="A6A6A6"/>
+            </a:solidFill>
+            <a:ln>
+              <a:noFill/>
+            </a:ln>
+            <a:effectLst/>
+          </p:spPr>
+          <p:style>
+            <a:lnRef idx="1">
+              <a:schemeClr val="accent1"/>
+            </a:lnRef>
+            <a:fillRef idx="3">
+              <a:schemeClr val="accent1"/>
+            </a:fillRef>
+            <a:effectRef idx="2">
+              <a:schemeClr val="accent1"/>
+            </a:effectRef>
+            <a:fontRef idx="minor">
+              <a:schemeClr val="lt1"/>
+            </a:fontRef>
+          </p:style>
+          <p:txBody>
+            <a:bodyPr rot="0" spcFirstLastPara="0" vertOverflow="overflow" horzOverflow="overflow" vert="horz" wrap="square" lIns="91440" tIns="45720" rIns="91440" bIns="45720" numCol="1" spcCol="0" rtlCol="0" fromWordArt="0" anchor="ctr" anchorCtr="0" forceAA="0" compatLnSpc="1">
+              <a:prstTxWarp prst="textNoShape">
+                <a:avLst/>
+              </a:prstTxWarp>
+              <a:noAutofit/>
+            </a:bodyPr>
+            <a:lstStyle/>
+            <a:p>
+              <a:pPr algn="ctr"/>
+              <a:endParaRPr lang="en-US">
+                <a:solidFill>
+                  <a:schemeClr val="bg1">
+                    <a:lumMod val="65000"/>
+                  </a:schemeClr>
+                </a:solidFill>
+                <a:latin typeface="Open Sans Light"/>
+                <a:cs typeface="Open Sans Light"/>
+              </a:endParaRPr>
+            </a:p>
+          </p:txBody>
+        </p:sp>
+        <p:sp>
+          <p:nvSpPr>
+            <p:cNvPr id="8" name="Rectangle 7"/>
+            <p:cNvSpPr/>
+            <p:nvPr/>
+          </p:nvSpPr>
+          <p:spPr>
+            <a:xfrm>
+              <a:off x="5233757" y="6683185"/>
+              <a:ext cx="1762021" cy="64008"/>
+            </a:xfrm>
+            <a:prstGeom prst="rect">
+              <a:avLst/>
+            </a:prstGeom>
+            <a:solidFill>
+              <a:srgbClr val="558ED5"/>
+            </a:solidFill>
+            <a:ln>
+              <a:noFill/>
+            </a:ln>
+            <a:effectLst/>
+          </p:spPr>
+          <p:style>
+            <a:lnRef idx="1">
+              <a:schemeClr val="accent1"/>
+            </a:lnRef>
+            <a:fillRef idx="3">
+              <a:schemeClr val="accent1"/>
+            </a:fillRef>
+            <a:effectRef idx="2">
+              <a:schemeClr val="accent1"/>
+            </a:effectRef>
+            <a:fontRef idx="minor">
+              <a:schemeClr val="lt1"/>
+            </a:fontRef>
+          </p:style>
+          <p:txBody>
+            <a:bodyPr rot="0" spcFirstLastPara="0" vertOverflow="overflow" horzOverflow="overflow" vert="horz" wrap="square" lIns="91440" tIns="45720" rIns="91440" bIns="45720" numCol="1" spcCol="0" rtlCol="0" fromWordArt="0" anchor="ctr" anchorCtr="0" forceAA="0" compatLnSpc="1">
+              <a:prstTxWarp prst="textNoShape">
+                <a:avLst/>
+              </a:prstTxWarp>
+              <a:noAutofit/>
+            </a:bodyPr>
+            <a:lstStyle/>
+            <a:p>
+              <a:pPr algn="ctr"/>
+              <a:endParaRPr lang="en-US">
+                <a:solidFill>
+                  <a:schemeClr val="bg1">
+                    <a:lumMod val="65000"/>
+                  </a:schemeClr>
+                </a:solidFill>
+                <a:latin typeface="Open Sans Light"/>
+                <a:cs typeface="Open Sans Light"/>
+              </a:endParaRPr>
+            </a:p>
+          </p:txBody>
+        </p:sp>
+        <p:sp>
+          <p:nvSpPr>
+            <p:cNvPr id="9" name="Rectangle 8"/>
+            <p:cNvSpPr/>
+            <p:nvPr/>
+          </p:nvSpPr>
+          <p:spPr>
+            <a:xfrm>
+              <a:off x="7625222" y="6683185"/>
+              <a:ext cx="1184940" cy="64008"/>
+            </a:xfrm>
+            <a:prstGeom prst="rect">
+              <a:avLst/>
+            </a:prstGeom>
+            <a:solidFill>
+              <a:srgbClr val="A6A6A6"/>
+            </a:solidFill>
+            <a:ln>
+              <a:noFill/>
+            </a:ln>
+            <a:effectLst/>
+          </p:spPr>
+          <p:style>
+            <a:lnRef idx="1">
+              <a:schemeClr val="accent1"/>
+            </a:lnRef>
+            <a:fillRef idx="3">
+              <a:schemeClr val="accent1"/>
+            </a:fillRef>
+            <a:effectRef idx="2">
+              <a:schemeClr val="accent1"/>
+            </a:effectRef>
+            <a:fontRef idx="minor">
+              <a:schemeClr val="lt1"/>
+            </a:fontRef>
+          </p:style>
+          <p:txBody>
+            <a:bodyPr rot="0" spcFirstLastPara="0" vertOverflow="overflow" horzOverflow="overflow" vert="horz" wrap="square" lIns="91440" tIns="45720" rIns="91440" bIns="45720" numCol="1" spcCol="0" rtlCol="0" fromWordArt="0" anchor="ctr" anchorCtr="0" forceAA="0" compatLnSpc="1">
+              <a:prstTxWarp prst="textNoShape">
+                <a:avLst/>
+              </a:prstTxWarp>
+              <a:noAutofit/>
+            </a:bodyPr>
+            <a:lstStyle/>
+            <a:p>
+              <a:pPr algn="ctr"/>
+              <a:endParaRPr lang="en-US">
+                <a:solidFill>
+                  <a:schemeClr val="bg1">
+                    <a:lumMod val="65000"/>
+                  </a:schemeClr>
+                </a:solidFill>
+                <a:latin typeface="Open Sans Light"/>
+                <a:cs typeface="Open Sans Light"/>
+              </a:endParaRPr>
+            </a:p>
+          </p:txBody>
+        </p:sp>
+      </p:grpSp>
+      <p:sp>
+        <p:nvSpPr>
+          <p:cNvPr id="18" name="TextBox 17"/>
+          <p:cNvSpPr txBox="1"/>
+          <p:nvPr/>
+        </p:nvSpPr>
+        <p:spPr>
+          <a:xfrm>
+            <a:off x="3523395" y="1079540"/>
+            <a:ext cx="5468935" cy="307777"/>
+          </a:xfrm>
+          <a:prstGeom prst="rect">
+            <a:avLst/>
+          </a:prstGeom>
+          <a:noFill/>
+        </p:spPr>
+        <p:txBody>
+          <a:bodyPr wrap="square" rtlCol="0">
+            <a:spAutoFit/>
+          </a:bodyPr>
+          <a:lstStyle/>
+          <a:p>
+            <a:pPr marL="285750" indent="-285750">
+              <a:buFont typeface="Wingdings" charset="2"/>
+              <a:buChar char="§"/>
+            </a:pPr>
+            <a:r>
+              <a:rPr lang="en-US" sz="1400" dirty="0" smtClean="0">
+                <a:latin typeface="Open Sans Light"/>
+                <a:cs typeface="Open Sans Light"/>
+              </a:rPr>
+              <a:t>a</a:t>
+            </a:r>
+            <a:endParaRPr lang="en-US" sz="1400" dirty="0">
+              <a:latin typeface="Open Sans Light"/>
+              <a:cs typeface="Open Sans Light"/>
+            </a:endParaRPr>
+          </a:p>
+        </p:txBody>
+      </p:sp>
+      <p:sp>
+        <p:nvSpPr>
+          <p:cNvPr id="19" name="TextBox 18"/>
+          <p:cNvSpPr txBox="1"/>
+          <p:nvPr/>
+        </p:nvSpPr>
+        <p:spPr>
+          <a:xfrm>
+            <a:off x="3523395" y="3890087"/>
+            <a:ext cx="5468935" cy="307777"/>
+          </a:xfrm>
+          <a:prstGeom prst="rect">
+            <a:avLst/>
+          </a:prstGeom>
+          <a:noFill/>
+        </p:spPr>
+        <p:txBody>
+          <a:bodyPr wrap="square" rtlCol="0">
+            <a:spAutoFit/>
+          </a:bodyPr>
+          <a:lstStyle/>
+          <a:p>
+            <a:pPr marL="285750" indent="-285750">
+              <a:buFont typeface="Wingdings" charset="2"/>
+              <a:buChar char="§"/>
+            </a:pPr>
+            <a:r>
+              <a:rPr lang="en-US" sz="1400" dirty="0" smtClean="0">
+                <a:latin typeface="Open Sans Light"/>
+                <a:cs typeface="Open Sans Light"/>
+              </a:rPr>
+              <a:t>a</a:t>
+            </a:r>
+            <a:endParaRPr lang="en-US" sz="1400" dirty="0">
+              <a:latin typeface="Open Sans Light"/>
+              <a:cs typeface="Open Sans Light"/>
+            </a:endParaRPr>
+          </a:p>
+        </p:txBody>
+      </p:sp>
+      <p:pic>
+        <p:nvPicPr>
+          <p:cNvPr id="2" name="Picture 1" descr="3dscatterplot.png"/>
+          <p:cNvPicPr>
+            <a:picLocks noChangeAspect="1"/>
+          </p:cNvPicPr>
+          <p:nvPr/>
+        </p:nvPicPr>
+        <p:blipFill>
+          <a:blip r:embed="rId2">
+            <a:extLst>
+              <a:ext uri="{28A0092B-C50C-407E-A947-70E740481C1C}">
+                <a14:useLocalDpi xmlns:a14="http://schemas.microsoft.com/office/drawing/2010/main" val="0"/>
+              </a:ext>
+            </a:extLst>
+          </a:blip>
+          <a:stretch>
+            <a:fillRect/>
+          </a:stretch>
+        </p:blipFill>
+        <p:spPr>
+          <a:xfrm>
+            <a:off x="151027" y="3739662"/>
+            <a:ext cx="3221556" cy="2693731"/>
+          </a:xfrm>
+          <a:prstGeom prst="rect">
+            <a:avLst/>
+          </a:prstGeom>
+        </p:spPr>
+      </p:pic>
+      <p:sp>
+        <p:nvSpPr>
+          <p:cNvPr id="14" name="TextBox 13"/>
+          <p:cNvSpPr txBox="1"/>
+          <p:nvPr/>
+        </p:nvSpPr>
+        <p:spPr>
+          <a:xfrm>
+            <a:off x="151026" y="3462390"/>
+            <a:ext cx="8841304" cy="338554"/>
+          </a:xfrm>
+          <a:prstGeom prst="rect">
+            <a:avLst/>
+          </a:prstGeom>
+          <a:solidFill>
+            <a:schemeClr val="bg1">
+              <a:lumMod val="65000"/>
+            </a:schemeClr>
+          </a:solidFill>
+          <a:ln>
+            <a:noFill/>
+          </a:ln>
+        </p:spPr>
+        <p:txBody>
+          <a:bodyPr wrap="square" rtlCol="0">
+            <a:spAutoFit/>
+          </a:bodyPr>
+          <a:lstStyle/>
+          <a:p>
+            <a:r>
+              <a:rPr lang="en-US" sz="1600" dirty="0" smtClean="0">
+                <a:solidFill>
+                  <a:schemeClr val="bg1"/>
+                </a:solidFill>
+                <a:latin typeface="Open Sans Light"/>
+                <a:cs typeface="Open Sans Light"/>
+              </a:rPr>
+              <a:t>Bubble Plot of Current PE and Expected Growth in the Next 5 Years for Different Industries</a:t>
+            </a:r>
+            <a:endParaRPr lang="en-US" sz="1600" dirty="0">
+              <a:solidFill>
+                <a:schemeClr val="bg1"/>
+              </a:solidFill>
+              <a:latin typeface="Open Sans Light"/>
+              <a:cs typeface="Open Sans Light"/>
+            </a:endParaRPr>
+          </a:p>
+        </p:txBody>
+      </p:sp>
+      <p:pic>
+        <p:nvPicPr>
+          <p:cNvPr id="20" name="Picture 19" descr="regression.png"/>
+          <p:cNvPicPr>
+            <a:picLocks noChangeAspect="1"/>
+          </p:cNvPicPr>
+          <p:nvPr/>
+        </p:nvPicPr>
+        <p:blipFill>
+          <a:blip r:embed="rId3">
+            <a:extLst>
+              <a:ext uri="{28A0092B-C50C-407E-A947-70E740481C1C}">
+                <a14:useLocalDpi xmlns:a14="http://schemas.microsoft.com/office/drawing/2010/main" val="0"/>
+              </a:ext>
+            </a:extLst>
+          </a:blip>
+          <a:stretch>
+            <a:fillRect/>
+          </a:stretch>
+        </p:blipFill>
+        <p:spPr>
+          <a:xfrm>
+            <a:off x="151026" y="1034175"/>
+            <a:ext cx="3221557" cy="2394191"/>
+          </a:xfrm>
+          <a:prstGeom prst="rect">
+            <a:avLst/>
+          </a:prstGeom>
+        </p:spPr>
+      </p:pic>
+    </p:spTree>
+    <p:extLst>
+      <p:ext uri="{BB962C8B-B14F-4D97-AF65-F5344CB8AC3E}">
+        <p14:creationId xmlns:p14="http://schemas.microsoft.com/office/powerpoint/2010/main" val="3892642570"/>
+      </p:ext>
+    </p:extLst>
+  </p:cSld>
+  <p:clrMapOvr>
+    <a:masterClrMapping/>
+  </p:clrMapOvr>
+  <p:timing>
+    <p:tnLst>
+      <p:par>
+        <p:cTn xmlns:p14="http://schemas.microsoft.com/office/powerpoint/2010/main" id="1" dur="indefinite" restart="never" nodeType="tmRoot"/>
+      </p:par>
+    </p:tnLst>
+  </p:timing>
+</p:sld>
+</file>
+
+<file path=ppt/slides/slide6.xml><?xml version="1.0" encoding="utf-8"?>
+<p:sld xmlns:a="http://schemas.openxmlformats.org/drawingml/2006/main" xmlns:r="http://schemas.openxmlformats.org/officeDocument/2006/relationships" xmlns:p="http://schemas.openxmlformats.org/presentationml/2006/main">
+  <p:cSld>
+    <p:spTree>
+      <p:nvGrpSpPr>
+        <p:cNvPr id="1" name=""/>
+        <p:cNvGrpSpPr/>
+        <p:nvPr/>
+      </p:nvGrpSpPr>
+      <p:grpSpPr>
+        <a:xfrm>
+          <a:off x="0" y="0"/>
+          <a:ext cx="0" cy="0"/>
+          <a:chOff x="0" y="0"/>
+          <a:chExt cx="0" cy="0"/>
+        </a:xfrm>
+      </p:grpSpPr>
+      <p:sp>
+        <p:nvSpPr>
+          <p:cNvPr id="3" name="Title 2"/>
+          <p:cNvSpPr>
+            <a:spLocks noGrp="1"/>
+          </p:cNvSpPr>
+          <p:nvPr>
+            <p:ph type="title"/>
+          </p:nvPr>
+        </p:nvSpPr>
+        <p:spPr/>
+        <p:txBody>
+          <a:bodyPr/>
+          <a:lstStyle/>
+          <a:p>
+            <a:r>
+              <a:rPr lang="en-US" dirty="0" smtClean="0"/>
+              <a:t>KEY FINDINGS</a:t>
+            </a:r>
+            <a:endParaRPr lang="en-US" dirty="0"/>
+          </a:p>
+        </p:txBody>
+      </p:sp>
+      <p:grpSp>
+        <p:nvGrpSpPr>
+          <p:cNvPr id="4" name="Group 3"/>
+          <p:cNvGrpSpPr/>
+          <p:nvPr/>
+        </p:nvGrpSpPr>
+        <p:grpSpPr>
+          <a:xfrm>
+            <a:off x="385547" y="6376693"/>
+            <a:ext cx="8424615" cy="371785"/>
+            <a:chOff x="385547" y="6376693"/>
+            <a:chExt cx="8424615" cy="371785"/>
+          </a:xfrm>
+        </p:grpSpPr>
+        <p:grpSp>
+          <p:nvGrpSpPr>
+            <p:cNvPr id="5" name="Group 4"/>
+            <p:cNvGrpSpPr/>
+            <p:nvPr/>
+          </p:nvGrpSpPr>
+          <p:grpSpPr>
+            <a:xfrm>
+              <a:off x="385547" y="6376693"/>
+              <a:ext cx="8424614" cy="307777"/>
+              <a:chOff x="385547" y="6376693"/>
+              <a:chExt cx="8424614" cy="307777"/>
+            </a:xfrm>
+          </p:grpSpPr>
+          <p:sp>
+            <p:nvSpPr>
+              <p:cNvPr id="10" name="TextBox 9"/>
+              <p:cNvSpPr txBox="1"/>
+              <p:nvPr/>
+            </p:nvSpPr>
+            <p:spPr>
+              <a:xfrm>
+                <a:off x="385547" y="6376693"/>
+                <a:ext cx="1659441" cy="307777"/>
+              </a:xfrm>
+              <a:prstGeom prst="rect">
+                <a:avLst/>
+              </a:prstGeom>
+              <a:noFill/>
+            </p:spPr>
+            <p:txBody>
+              <a:bodyPr wrap="none" rtlCol="0">
+                <a:spAutoFit/>
+              </a:bodyPr>
+              <a:lstStyle/>
+              <a:p>
+                <a:r>
+                  <a:rPr lang="en-US" sz="1400" dirty="0" smtClean="0">
+                    <a:solidFill>
+                      <a:schemeClr val="bg1">
+                        <a:lumMod val="65000"/>
+                      </a:schemeClr>
+                    </a:solidFill>
+                    <a:latin typeface="Open Sans Light"/>
+                    <a:cs typeface="Open Sans Light"/>
+                  </a:rPr>
+                  <a:t>Research Problem</a:t>
+                </a:r>
+                <a:endParaRPr lang="en-US" sz="1400" dirty="0">
+                  <a:solidFill>
+                    <a:schemeClr val="bg1">
+                      <a:lumMod val="65000"/>
+                    </a:schemeClr>
+                  </a:solidFill>
+                  <a:latin typeface="Open Sans Light"/>
+                  <a:cs typeface="Open Sans Light"/>
+                </a:endParaRPr>
+              </a:p>
+            </p:txBody>
+          </p:sp>
+          <p:sp>
+            <p:nvSpPr>
+              <p:cNvPr id="11" name="TextBox 10"/>
+              <p:cNvSpPr txBox="1"/>
+              <p:nvPr/>
+            </p:nvSpPr>
+            <p:spPr>
+              <a:xfrm>
+                <a:off x="2674430" y="6376693"/>
+                <a:ext cx="1929885" cy="307777"/>
+              </a:xfrm>
+              <a:prstGeom prst="rect">
+                <a:avLst/>
+              </a:prstGeom>
+              <a:noFill/>
+            </p:spPr>
+            <p:txBody>
+              <a:bodyPr wrap="none" rtlCol="0">
+                <a:spAutoFit/>
+              </a:bodyPr>
+              <a:lstStyle/>
+              <a:p>
+                <a:r>
+                  <a:rPr lang="en-US" sz="1400" dirty="0" smtClean="0">
+                    <a:solidFill>
+                      <a:schemeClr val="bg1">
+                        <a:lumMod val="65000"/>
+                      </a:schemeClr>
+                    </a:solidFill>
+                    <a:latin typeface="Open Sans Light"/>
+                    <a:cs typeface="Open Sans Light"/>
+                  </a:rPr>
+                  <a:t>Data &amp; Preprocessing</a:t>
+                </a:r>
+                <a:endParaRPr lang="en-US" sz="1400" dirty="0">
+                  <a:solidFill>
+                    <a:schemeClr val="bg1">
+                      <a:lumMod val="65000"/>
+                    </a:schemeClr>
+                  </a:solidFill>
+                  <a:latin typeface="Open Sans Light"/>
+                  <a:cs typeface="Open Sans Light"/>
+                </a:endParaRPr>
+              </a:p>
+            </p:txBody>
+          </p:sp>
+          <p:sp>
+            <p:nvSpPr>
+              <p:cNvPr id="12" name="TextBox 11"/>
+              <p:cNvSpPr txBox="1"/>
+              <p:nvPr/>
+            </p:nvSpPr>
+            <p:spPr>
+              <a:xfrm>
+                <a:off x="5233757" y="6376693"/>
+                <a:ext cx="1762021" cy="307777"/>
+              </a:xfrm>
+              <a:prstGeom prst="rect">
+                <a:avLst/>
+              </a:prstGeom>
+              <a:noFill/>
+            </p:spPr>
+            <p:txBody>
+              <a:bodyPr wrap="none" rtlCol="0">
+                <a:spAutoFit/>
+              </a:bodyPr>
+              <a:lstStyle/>
+              <a:p>
+                <a:r>
+                  <a:rPr lang="en-US" sz="1400" dirty="0" smtClean="0">
+                    <a:solidFill>
+                      <a:schemeClr val="bg1">
+                        <a:lumMod val="65000"/>
+                      </a:schemeClr>
+                    </a:solidFill>
+                    <a:latin typeface="Open Sans Light"/>
+                    <a:cs typeface="Open Sans Light"/>
+                  </a:rPr>
+                  <a:t>Methods &amp; Analysis</a:t>
+                </a:r>
+                <a:endParaRPr lang="en-US" sz="1400" dirty="0">
+                  <a:solidFill>
+                    <a:schemeClr val="bg1">
+                      <a:lumMod val="65000"/>
+                    </a:schemeClr>
+                  </a:solidFill>
+                  <a:latin typeface="Open Sans Light"/>
+                  <a:cs typeface="Open Sans Light"/>
+                </a:endParaRPr>
+              </a:p>
+            </p:txBody>
+          </p:sp>
+          <p:sp>
+            <p:nvSpPr>
+              <p:cNvPr id="13" name="TextBox 12"/>
+              <p:cNvSpPr txBox="1"/>
+              <p:nvPr/>
+            </p:nvSpPr>
+            <p:spPr>
+              <a:xfrm>
+                <a:off x="7625221" y="6376693"/>
+                <a:ext cx="1184940" cy="307777"/>
+              </a:xfrm>
+              <a:prstGeom prst="rect">
+                <a:avLst/>
+              </a:prstGeom>
+              <a:noFill/>
+            </p:spPr>
+            <p:txBody>
+              <a:bodyPr wrap="none" rtlCol="0">
+                <a:spAutoFit/>
+              </a:bodyPr>
+              <a:lstStyle/>
+              <a:p>
+                <a:r>
+                  <a:rPr lang="en-US" sz="1400" dirty="0" smtClean="0">
+                    <a:solidFill>
+                      <a:srgbClr val="000000"/>
+                    </a:solidFill>
+                    <a:latin typeface="Open Sans Light"/>
+                    <a:cs typeface="Open Sans Light"/>
+                  </a:rPr>
+                  <a:t>Key Findings</a:t>
+                </a:r>
+                <a:endParaRPr lang="en-US" sz="1400" dirty="0">
+                  <a:solidFill>
+                    <a:srgbClr val="000000"/>
+                  </a:solidFill>
+                  <a:latin typeface="Open Sans Light"/>
+                  <a:cs typeface="Open Sans Light"/>
+                </a:endParaRPr>
+              </a:p>
+            </p:txBody>
+          </p:sp>
+        </p:grpSp>
+        <p:sp>
+          <p:nvSpPr>
+            <p:cNvPr id="6" name="Rectangle 5"/>
+            <p:cNvSpPr/>
+            <p:nvPr/>
+          </p:nvSpPr>
+          <p:spPr>
+            <a:xfrm>
+              <a:off x="385547" y="6684470"/>
+              <a:ext cx="1659441" cy="64008"/>
+            </a:xfrm>
+            <a:prstGeom prst="rect">
+              <a:avLst/>
+            </a:prstGeom>
+            <a:solidFill>
+              <a:srgbClr val="A6A6A6"/>
+            </a:solidFill>
+            <a:ln>
+              <a:noFill/>
+            </a:ln>
+            <a:effectLst/>
+          </p:spPr>
+          <p:style>
+            <a:lnRef idx="1">
+              <a:schemeClr val="accent1"/>
+            </a:lnRef>
+            <a:fillRef idx="3">
+              <a:schemeClr val="accent1"/>
+            </a:fillRef>
+            <a:effectRef idx="2">
+              <a:schemeClr val="accent1"/>
+            </a:effectRef>
+            <a:fontRef idx="minor">
+              <a:schemeClr val="lt1"/>
+            </a:fontRef>
+          </p:style>
+          <p:txBody>
+            <a:bodyPr rot="0" spcFirstLastPara="0" vertOverflow="overflow" horzOverflow="overflow" vert="horz" wrap="square" lIns="91440" tIns="45720" rIns="91440" bIns="45720" numCol="1" spcCol="0" rtlCol="0" fromWordArt="0" anchor="ctr" anchorCtr="0" forceAA="0" compatLnSpc="1">
+              <a:prstTxWarp prst="textNoShape">
+                <a:avLst/>
+              </a:prstTxWarp>
+              <a:noAutofit/>
+            </a:bodyPr>
+            <a:lstStyle/>
+            <a:p>
+              <a:pPr algn="ctr"/>
+              <a:endParaRPr lang="en-US">
+                <a:solidFill>
+                  <a:schemeClr val="bg1">
+                    <a:lumMod val="65000"/>
+                  </a:schemeClr>
+                </a:solidFill>
+                <a:latin typeface="Open Sans Light"/>
+                <a:cs typeface="Open Sans Light"/>
+              </a:endParaRPr>
+            </a:p>
+          </p:txBody>
+        </p:sp>
+        <p:sp>
+          <p:nvSpPr>
+            <p:cNvPr id="7" name="Rectangle 6"/>
+            <p:cNvSpPr/>
+            <p:nvPr/>
+          </p:nvSpPr>
+          <p:spPr>
+            <a:xfrm>
+              <a:off x="2674430" y="6684470"/>
+              <a:ext cx="1929885" cy="64008"/>
+            </a:xfrm>
+            <a:prstGeom prst="rect">
+              <a:avLst/>
+            </a:prstGeom>
+            <a:solidFill>
+              <a:srgbClr val="A6A6A6"/>
+            </a:solidFill>
+            <a:ln>
+              <a:noFill/>
+            </a:ln>
+            <a:effectLst/>
+          </p:spPr>
+          <p:style>
+            <a:lnRef idx="1">
+              <a:schemeClr val="accent1"/>
+            </a:lnRef>
+            <a:fillRef idx="3">
+              <a:schemeClr val="accent1"/>
+            </a:fillRef>
+            <a:effectRef idx="2">
+              <a:schemeClr val="accent1"/>
+            </a:effectRef>
+            <a:fontRef idx="minor">
+              <a:schemeClr val="lt1"/>
+            </a:fontRef>
+          </p:style>
+          <p:txBody>
+            <a:bodyPr rot="0" spcFirstLastPara="0" vertOverflow="overflow" horzOverflow="overflow" vert="horz" wrap="square" lIns="91440" tIns="45720" rIns="91440" bIns="45720" numCol="1" spcCol="0" rtlCol="0" fromWordArt="0" anchor="ctr" anchorCtr="0" forceAA="0" compatLnSpc="1">
+              <a:prstTxWarp prst="textNoShape">
+                <a:avLst/>
+              </a:prstTxWarp>
+              <a:noAutofit/>
+            </a:bodyPr>
+            <a:lstStyle/>
+            <a:p>
+              <a:pPr algn="ctr"/>
+              <a:endParaRPr lang="en-US">
+                <a:solidFill>
+                  <a:schemeClr val="bg1">
+                    <a:lumMod val="65000"/>
+                  </a:schemeClr>
+                </a:solidFill>
+                <a:latin typeface="Open Sans Light"/>
+                <a:cs typeface="Open Sans Light"/>
+              </a:endParaRPr>
+            </a:p>
+          </p:txBody>
+        </p:sp>
+        <p:sp>
+          <p:nvSpPr>
+            <p:cNvPr id="8" name="Rectangle 7"/>
+            <p:cNvSpPr/>
+            <p:nvPr/>
+          </p:nvSpPr>
+          <p:spPr>
+            <a:xfrm>
+              <a:off x="5233757" y="6683185"/>
+              <a:ext cx="1762021" cy="64008"/>
+            </a:xfrm>
+            <a:prstGeom prst="rect">
+              <a:avLst/>
+            </a:prstGeom>
+            <a:solidFill>
+              <a:srgbClr val="A6A6A6"/>
+            </a:solidFill>
+            <a:ln>
+              <a:noFill/>
+            </a:ln>
+            <a:effectLst/>
+          </p:spPr>
+          <p:style>
+            <a:lnRef idx="1">
+              <a:schemeClr val="accent1"/>
+            </a:lnRef>
+            <a:fillRef idx="3">
+              <a:schemeClr val="accent1"/>
+            </a:fillRef>
+            <a:effectRef idx="2">
+              <a:schemeClr val="accent1"/>
+            </a:effectRef>
+            <a:fontRef idx="minor">
+              <a:schemeClr val="lt1"/>
+            </a:fontRef>
+          </p:style>
+          <p:txBody>
+            <a:bodyPr rot="0" spcFirstLastPara="0" vertOverflow="overflow" horzOverflow="overflow" vert="horz" wrap="square" lIns="91440" tIns="45720" rIns="91440" bIns="45720" numCol="1" spcCol="0" rtlCol="0" fromWordArt="0" anchor="ctr" anchorCtr="0" forceAA="0" compatLnSpc="1">
+              <a:prstTxWarp prst="textNoShape">
+                <a:avLst/>
+              </a:prstTxWarp>
+              <a:noAutofit/>
+            </a:bodyPr>
+            <a:lstStyle/>
+            <a:p>
+              <a:pPr algn="ctr"/>
+              <a:endParaRPr lang="en-US">
+                <a:solidFill>
+                  <a:schemeClr val="bg1">
+                    <a:lumMod val="65000"/>
+                  </a:schemeClr>
+                </a:solidFill>
+                <a:latin typeface="Open Sans Light"/>
+                <a:cs typeface="Open Sans Light"/>
+              </a:endParaRPr>
+            </a:p>
+          </p:txBody>
+        </p:sp>
+        <p:sp>
+          <p:nvSpPr>
+            <p:cNvPr id="9" name="Rectangle 8"/>
+            <p:cNvSpPr/>
+            <p:nvPr/>
+          </p:nvSpPr>
+          <p:spPr>
+            <a:xfrm>
+              <a:off x="7625222" y="6683185"/>
+              <a:ext cx="1184940" cy="64008"/>
+            </a:xfrm>
+            <a:prstGeom prst="rect">
+              <a:avLst/>
+            </a:prstGeom>
+            <a:solidFill>
+              <a:srgbClr val="558ED5"/>
+            </a:solidFill>
+            <a:ln>
+              <a:noFill/>
+            </a:ln>
+            <a:effectLst/>
+          </p:spPr>
+          <p:style>
+            <a:lnRef idx="1">
+              <a:schemeClr val="accent1"/>
+            </a:lnRef>
+            <a:fillRef idx="3">
+              <a:schemeClr val="accent1"/>
+            </a:fillRef>
+            <a:effectRef idx="2">
+              <a:schemeClr val="accent1"/>
+            </a:effectRef>
+            <a:fontRef idx="minor">
+              <a:schemeClr val="lt1"/>
+            </a:fontRef>
+          </p:style>
+          <p:txBody>
+            <a:bodyPr rot="0" spcFirstLastPara="0" vertOverflow="overflow" horzOverflow="overflow" vert="horz" wrap="square" lIns="91440" tIns="45720" rIns="91440" bIns="45720" numCol="1" spcCol="0" rtlCol="0" fromWordArt="0" anchor="ctr" anchorCtr="0" forceAA="0" compatLnSpc="1">
+              <a:prstTxWarp prst="textNoShape">
+                <a:avLst/>
+              </a:prstTxWarp>
+              <a:noAutofit/>
+            </a:bodyPr>
+            <a:lstStyle/>
+            <a:p>
+              <a:pPr algn="ctr"/>
+              <a:endParaRPr lang="en-US">
+                <a:solidFill>
+                  <a:schemeClr val="bg1">
+                    <a:lumMod val="65000"/>
+                  </a:schemeClr>
+                </a:solidFill>
+                <a:latin typeface="Open Sans Light"/>
+                <a:cs typeface="Open Sans Light"/>
+              </a:endParaRPr>
+            </a:p>
+          </p:txBody>
+        </p:sp>
+      </p:grpSp>
+      <p:sp>
+        <p:nvSpPr>
+          <p:cNvPr id="14" name="Right Arrow 13"/>
+          <p:cNvSpPr/>
+          <p:nvPr/>
+        </p:nvSpPr>
+        <p:spPr>
+          <a:xfrm>
+            <a:off x="150249" y="1961217"/>
+            <a:ext cx="8841303" cy="1100002"/>
+          </a:xfrm>
+          <a:prstGeom prst="rightArrow">
+            <a:avLst/>
+          </a:prstGeom>
+          <a:solidFill>
+            <a:schemeClr val="tx2">
+              <a:lumMod val="60000"/>
+              <a:lumOff val="40000"/>
+            </a:schemeClr>
+          </a:solidFill>
+          <a:ln>
+            <a:noFill/>
+          </a:ln>
+          <a:effectLst/>
+        </p:spPr>
+        <p:style>
+          <a:lnRef idx="1">
+            <a:schemeClr val="accent1"/>
+          </a:lnRef>
+          <a:fillRef idx="3">
+            <a:schemeClr val="accent1"/>
+          </a:fillRef>
+          <a:effectRef idx="2">
+            <a:schemeClr val="accent1"/>
+          </a:effectRef>
+          <a:fontRef idx="minor">
+            <a:schemeClr val="lt1"/>
+          </a:fontRef>
+        </p:style>
+        <p:txBody>
+          <a:bodyPr rot="0" spcFirstLastPara="0" vertOverflow="overflow" horzOverflow="overflow" vert="horz" wrap="square" lIns="91440" tIns="45720" rIns="91440" bIns="45720" numCol="1" spcCol="0" rtlCol="0" fromWordArt="0" anchor="ctr" anchorCtr="0" forceAA="0" compatLnSpc="1">
+            <a:prstTxWarp prst="textNoShape">
+              <a:avLst/>
+            </a:prstTxWarp>
+            <a:noAutofit/>
+          </a:bodyPr>
+          <a:lstStyle/>
+          <a:p>
+            <a:pPr algn="ctr"/>
+            <a:endParaRPr lang="en-US"/>
+          </a:p>
+        </p:txBody>
+      </p:sp>
+      <p:sp>
+        <p:nvSpPr>
+          <p:cNvPr id="15" name="Oval 14"/>
+          <p:cNvSpPr/>
+          <p:nvPr/>
+        </p:nvSpPr>
+        <p:spPr>
+          <a:xfrm>
+            <a:off x="1190660" y="1871138"/>
+            <a:ext cx="1280160" cy="1280160"/>
+          </a:xfrm>
+          <a:prstGeom prst="ellipse">
+            <a:avLst/>
+          </a:prstGeom>
+          <a:solidFill>
+            <a:schemeClr val="bg1"/>
+          </a:solidFill>
+          <a:ln w="57150" cmpd="sng">
+            <a:solidFill>
+              <a:schemeClr val="bg1">
+                <a:lumMod val="65000"/>
+              </a:schemeClr>
+            </a:solidFill>
+          </a:ln>
+          <a:effectLst/>
+        </p:spPr>
+        <p:style>
+          <a:lnRef idx="1">
+            <a:schemeClr val="accent1"/>
+          </a:lnRef>
+          <a:fillRef idx="3">
+            <a:schemeClr val="accent1"/>
+          </a:fillRef>
+          <a:effectRef idx="2">
+            <a:schemeClr val="accent1"/>
+          </a:effectRef>
+          <a:fontRef idx="minor">
+            <a:schemeClr val="lt1"/>
+          </a:fontRef>
+        </p:style>
+        <p:txBody>
+          <a:bodyPr rot="0" spcFirstLastPara="0" vertOverflow="overflow" horzOverflow="overflow" vert="horz" wrap="square" lIns="91440" tIns="45720" rIns="91440" bIns="45720" numCol="1" spcCol="0" rtlCol="0" fromWordArt="0" anchor="ctr" anchorCtr="0" forceAA="0" compatLnSpc="1">
+            <a:prstTxWarp prst="textNoShape">
+              <a:avLst/>
+            </a:prstTxWarp>
+            <a:noAutofit/>
+          </a:bodyPr>
+          <a:lstStyle/>
+          <a:p>
+            <a:pPr algn="ctr"/>
+            <a:endParaRPr lang="en-US"/>
+          </a:p>
+        </p:txBody>
+      </p:sp>
+      <p:sp>
+        <p:nvSpPr>
+          <p:cNvPr id="16" name="Oval 15"/>
+          <p:cNvSpPr/>
+          <p:nvPr/>
+        </p:nvSpPr>
+        <p:spPr>
+          <a:xfrm>
+            <a:off x="3728172" y="1871138"/>
+            <a:ext cx="1280160" cy="1280160"/>
+          </a:xfrm>
+          <a:prstGeom prst="ellipse">
+            <a:avLst/>
+          </a:prstGeom>
+          <a:solidFill>
+            <a:schemeClr val="bg1"/>
+          </a:solidFill>
+          <a:ln w="57150" cmpd="sng">
+            <a:solidFill>
+              <a:schemeClr val="bg1">
+                <a:lumMod val="65000"/>
+              </a:schemeClr>
+            </a:solidFill>
+          </a:ln>
+          <a:effectLst/>
+        </p:spPr>
+        <p:style>
+          <a:lnRef idx="1">
+            <a:schemeClr val="accent1"/>
+          </a:lnRef>
+          <a:fillRef idx="3">
+            <a:schemeClr val="accent1"/>
+          </a:fillRef>
+          <a:effectRef idx="2">
+            <a:schemeClr val="accent1"/>
+          </a:effectRef>
+          <a:fontRef idx="minor">
+            <a:schemeClr val="lt1"/>
+          </a:fontRef>
+        </p:style>
+        <p:txBody>
+          <a:bodyPr rot="0" spcFirstLastPara="0" vertOverflow="overflow" horzOverflow="overflow" vert="horz" wrap="square" lIns="91440" tIns="45720" rIns="91440" bIns="45720" numCol="1" spcCol="0" rtlCol="0" fromWordArt="0" anchor="ctr" anchorCtr="0" forceAA="0" compatLnSpc="1">
+            <a:prstTxWarp prst="textNoShape">
+              <a:avLst/>
+            </a:prstTxWarp>
+            <a:noAutofit/>
+          </a:bodyPr>
+          <a:lstStyle/>
+          <a:p>
+            <a:pPr algn="ctr"/>
+            <a:endParaRPr lang="en-US"/>
+          </a:p>
+        </p:txBody>
+      </p:sp>
+      <p:sp>
+        <p:nvSpPr>
+          <p:cNvPr id="17" name="Oval 16"/>
+          <p:cNvSpPr/>
+          <p:nvPr/>
+        </p:nvSpPr>
+        <p:spPr>
+          <a:xfrm>
+            <a:off x="6265684" y="1871138"/>
+            <a:ext cx="1280160" cy="1280160"/>
+          </a:xfrm>
+          <a:prstGeom prst="ellipse">
+            <a:avLst/>
+          </a:prstGeom>
+          <a:solidFill>
+            <a:schemeClr val="bg1"/>
+          </a:solidFill>
+          <a:ln w="57150" cmpd="sng">
+            <a:solidFill>
+              <a:schemeClr val="bg1">
+                <a:lumMod val="65000"/>
+              </a:schemeClr>
+            </a:solidFill>
+          </a:ln>
+          <a:effectLst/>
+        </p:spPr>
+        <p:style>
+          <a:lnRef idx="1">
+            <a:schemeClr val="accent1"/>
+          </a:lnRef>
+          <a:fillRef idx="3">
+            <a:schemeClr val="accent1"/>
+          </a:fillRef>
+          <a:effectRef idx="2">
+            <a:schemeClr val="accent1"/>
+          </a:effectRef>
+          <a:fontRef idx="minor">
+            <a:schemeClr val="lt1"/>
+          </a:fontRef>
+        </p:style>
+        <p:txBody>
+          <a:bodyPr rot="0" spcFirstLastPara="0" vertOverflow="overflow" horzOverflow="overflow" vert="horz" wrap="square" lIns="91440" tIns="45720" rIns="91440" bIns="45720" numCol="1" spcCol="0" rtlCol="0" fromWordArt="0" anchor="ctr" anchorCtr="0" forceAA="0" compatLnSpc="1">
+            <a:prstTxWarp prst="textNoShape">
+              <a:avLst/>
+            </a:prstTxWarp>
+            <a:noAutofit/>
+          </a:bodyPr>
+          <a:lstStyle/>
+          <a:p>
+            <a:pPr algn="ctr"/>
+            <a:endParaRPr lang="en-US"/>
+          </a:p>
+        </p:txBody>
+      </p:sp>
+    </p:spTree>
+    <p:extLst>
+      <p:ext uri="{BB962C8B-B14F-4D97-AF65-F5344CB8AC3E}">
+        <p14:creationId xmlns:p14="http://schemas.microsoft.com/office/powerpoint/2010/main" val="3210033843"/>
+      </p:ext>
+    </p:extLst>
+  </p:cSld>
+  <p:clrMapOvr>
+    <a:masterClrMapping/>
+  </p:clrMapOvr>
+  <p:timing>
+    <p:tnLst>
+      <p:par>
+        <p:cTn xmlns:p14="http://schemas.microsoft.com/office/powerpoint/2010/main" id="1" dur="indefinite" restart="never" nodeType="tmRoot"/>
+      </p:par>
+    </p:tnLst>
+  </p:timing>
+</p:sld>
+</file>
+
+<file path=ppt/slides/slide7.xml><?xml version="1.0" encoding="utf-8"?>
+<p:sld xmlns:a="http://schemas.openxmlformats.org/drawingml/2006/main" xmlns:r="http://schemas.openxmlformats.org/officeDocument/2006/relationships" xmlns:p="http://schemas.openxmlformats.org/presentationml/2006/main">
+  <p:cSld>
+    <p:spTree>
+      <p:nvGrpSpPr>
+        <p:cNvPr id="1" name=""/>
+        <p:cNvGrpSpPr/>
+        <p:nvPr/>
+      </p:nvGrpSpPr>
+      <p:grpSpPr>
+        <a:xfrm>
+          <a:off x="0" y="0"/>
+          <a:ext cx="0" cy="0"/>
+          <a:chOff x="0" y="0"/>
+          <a:chExt cx="0" cy="0"/>
+        </a:xfrm>
+      </p:grpSpPr>
+      <p:sp>
+        <p:nvSpPr>
+          <p:cNvPr id="2" name="Rectangle 1"/>
+          <p:cNvSpPr/>
+          <p:nvPr/>
+        </p:nvSpPr>
+        <p:spPr>
+          <a:xfrm>
+            <a:off x="0" y="2107864"/>
+            <a:ext cx="9144000" cy="2642272"/>
+          </a:xfrm>
+          <a:prstGeom prst="rect">
+            <a:avLst/>
+          </a:prstGeom>
+          <a:solidFill>
+            <a:schemeClr val="tx2">
+              <a:lumMod val="60000"/>
+              <a:lumOff val="40000"/>
+            </a:schemeClr>
+          </a:solidFill>
+          <a:ln>
+            <a:noFill/>
+          </a:ln>
+          <a:effectLst/>
+        </p:spPr>
+        <p:style>
+          <a:lnRef idx="1">
+            <a:schemeClr val="accent1"/>
+          </a:lnRef>
+          <a:fillRef idx="3">
+            <a:schemeClr val="accent1"/>
+          </a:fillRef>
+          <a:effectRef idx="2">
+            <a:schemeClr val="accent1"/>
+          </a:effectRef>
+          <a:fontRef idx="minor">
+            <a:schemeClr val="lt1"/>
+          </a:fontRef>
+        </p:style>
+        <p:txBody>
+          <a:bodyPr rot="0" spcFirstLastPara="0" vertOverflow="overflow" horzOverflow="overflow" vert="horz" wrap="square" lIns="91440" tIns="45720" rIns="91440" bIns="45720" numCol="1" spcCol="0" rtlCol="0" fromWordArt="0" anchor="ctr" anchorCtr="0" forceAA="0" compatLnSpc="1">
+            <a:prstTxWarp prst="textNoShape">
+              <a:avLst/>
+            </a:prstTxWarp>
+            <a:noAutofit/>
+          </a:bodyPr>
+          <a:lstStyle/>
+          <a:p>
+            <a:pPr algn="ctr"/>
+            <a:r>
+              <a:rPr lang="en-US" sz="5000" dirty="0" smtClean="0">
+                <a:latin typeface="Open Sans Light"/>
+              </a:rPr>
+              <a:t>Q&amp;A</a:t>
+            </a:r>
+            <a:endParaRPr lang="en-US" sz="5000" dirty="0">
+              <a:latin typeface="Open Sans Light"/>
+            </a:endParaRPr>
+          </a:p>
+        </p:txBody>
+      </p:sp>
+      <p:sp>
+        <p:nvSpPr>
+          <p:cNvPr id="3" name="Left-Right Arrow 2"/>
+          <p:cNvSpPr/>
+          <p:nvPr/>
+        </p:nvSpPr>
+        <p:spPr>
+          <a:xfrm>
+            <a:off x="0" y="1791754"/>
+            <a:ext cx="9144000" cy="226805"/>
+          </a:xfrm>
+          <a:prstGeom prst="leftRightArrow">
+            <a:avLst/>
+          </a:prstGeom>
+          <a:solidFill>
+            <a:srgbClr val="558ED5"/>
+          </a:solidFill>
+          <a:ln>
+            <a:noFill/>
+          </a:ln>
+          <a:effectLst/>
+        </p:spPr>
+        <p:style>
+          <a:lnRef idx="1">
+            <a:schemeClr val="accent1"/>
+          </a:lnRef>
+          <a:fillRef idx="3">
+            <a:schemeClr val="accent1"/>
+          </a:fillRef>
+          <a:effectRef idx="2">
+            <a:schemeClr val="accent1"/>
+          </a:effectRef>
+          <a:fontRef idx="minor">
+            <a:schemeClr val="lt1"/>
+          </a:fontRef>
+        </p:style>
+        <p:txBody>
+          <a:bodyPr rot="0" spcFirstLastPara="0" vertOverflow="overflow" horzOverflow="overflow" vert="horz" wrap="square" lIns="91440" tIns="45720" rIns="91440" bIns="45720" numCol="1" spcCol="0" rtlCol="0" fromWordArt="0" anchor="ctr" anchorCtr="0" forceAA="0" compatLnSpc="1">
+            <a:prstTxWarp prst="textNoShape">
+              <a:avLst/>
+            </a:prstTxWarp>
+            <a:noAutofit/>
+          </a:bodyPr>
+          <a:lstStyle/>
+          <a:p>
+            <a:pPr algn="ctr"/>
+            <a:endParaRPr lang="en-US" dirty="0">
+              <a:latin typeface="Open Sans Light"/>
+            </a:endParaRPr>
+          </a:p>
+        </p:txBody>
+      </p:sp>
+      <p:sp>
+        <p:nvSpPr>
+          <p:cNvPr id="4" name="Left-Right Arrow 3"/>
+          <p:cNvSpPr/>
+          <p:nvPr/>
+        </p:nvSpPr>
+        <p:spPr>
+          <a:xfrm>
+            <a:off x="0" y="4828100"/>
+            <a:ext cx="9144000" cy="226805"/>
+          </a:xfrm>
+          <a:prstGeom prst="leftRightArrow">
+            <a:avLst/>
+          </a:prstGeom>
+          <a:solidFill>
+            <a:srgbClr val="558ED5"/>
+          </a:solidFill>
+          <a:ln>
+            <a:noFill/>
+          </a:ln>
+          <a:effectLst/>
+        </p:spPr>
+        <p:style>
+          <a:lnRef idx="1">
+            <a:schemeClr val="accent1"/>
+          </a:lnRef>
+          <a:fillRef idx="3">
+            <a:schemeClr val="accent1"/>
+          </a:fillRef>
+          <a:effectRef idx="2">
+            <a:schemeClr val="accent1"/>
+          </a:effectRef>
+          <a:fontRef idx="minor">
+            <a:schemeClr val="lt1"/>
+          </a:fontRef>
+        </p:style>
+        <p:txBody>
+          <a:bodyPr rot="0" spcFirstLastPara="0" vertOverflow="overflow" horzOverflow="overflow" vert="horz" wrap="square" lIns="91440" tIns="45720" rIns="91440" bIns="45720" numCol="1" spcCol="0" rtlCol="0" fromWordArt="0" anchor="ctr" anchorCtr="0" forceAA="0" compatLnSpc="1">
+            <a:prstTxWarp prst="textNoShape">
+              <a:avLst/>
+            </a:prstTxWarp>
+            <a:noAutofit/>
+          </a:bodyPr>
+          <a:lstStyle/>
+          <a:p>
+            <a:pPr algn="ctr"/>
+            <a:endParaRPr lang="en-US" dirty="0">
+              <a:latin typeface="Open Sans Light"/>
+            </a:endParaRPr>
+          </a:p>
+        </p:txBody>
+      </p:sp>
+    </p:spTree>
+    <p:extLst>
+      <p:ext uri="{BB962C8B-B14F-4D97-AF65-F5344CB8AC3E}">
+        <p14:creationId xmlns:p14="http://schemas.microsoft.com/office/powerpoint/2010/main" val="3310845670"/>
+      </p:ext>
+    </p:extLst>
+  </p:cSld>
+  <p:clrMapOvr>
+    <a:masterClrMapping/>
+  </p:clrMapOvr>
+  <p:timing>
+    <p:tnLst>
+      <p:par>
+        <p:cTn xmlns:p14="http://schemas.microsoft.com/office/powerpoint/2010/main" id="1" dur="indefinite" restart="never" nodeType="tmRoot"/>
+      </p:par>
+    </p:tnLst>
+  </p:timing>
+</p:sld>
+</file>
+
+<file path=ppt/slides/slide8.xml><?xml version="1.0" encoding="utf-8"?>
+<p:sld xmlns:a="http://schemas.openxmlformats.org/drawingml/2006/main" xmlns:r="http://schemas.openxmlformats.org/officeDocument/2006/relationships" xmlns:p="http://schemas.openxmlformats.org/presentationml/2006/main">
+  <p:cSld>
+    <p:spTree>
+      <p:nvGrpSpPr>
+        <p:cNvPr id="1" name=""/>
+        <p:cNvGrpSpPr/>
+        <p:nvPr/>
+      </p:nvGrpSpPr>
+      <p:grpSpPr>
+        <a:xfrm>
+          <a:off x="0" y="0"/>
+          <a:ext cx="0" cy="0"/>
+          <a:chOff x="0" y="0"/>
+          <a:chExt cx="0" cy="0"/>
+        </a:xfrm>
+      </p:grpSpPr>
+      <p:sp>
+        <p:nvSpPr>
           <p:cNvPr id="2" name="Content Placeholder 1"/>
           <p:cNvSpPr>
             <a:spLocks noGrp="1"/>
@@ -3756,7 +9134,7 @@
         <p:spPr>
           <a:xfrm>
             <a:off x="151026" y="670302"/>
-            <a:ext cx="8841303" cy="4525963"/>
+            <a:ext cx="8841303" cy="6031770"/>
           </a:xfrm>
         </p:spPr>
         <p:txBody>
@@ -3771,28 +9149,46 @@
             </a:r>
             <a:r>
               <a:rPr lang="en-US" sz="1400" dirty="0"/>
-              <a:t>page picture: http://</a:t>
-            </a:r>
-            <a:r>
-              <a:rPr lang="en-US" sz="1400" dirty="0" err="1"/>
-              <a:t>qcfinance.in</a:t>
+              <a:t>page picture: </a:t>
+            </a:r>
+            <a:r>
+              <a:rPr lang="en-US" sz="1400" dirty="0">
+                <a:hlinkClick r:id="rId2"/>
+              </a:rPr>
+              <a:t>http://qcfinance.in/wp-content/uploads/2013/10/financial-</a:t>
+            </a:r>
+            <a:r>
+              <a:rPr lang="en-US" sz="1400" dirty="0" smtClean="0">
+                <a:hlinkClick r:id="rId2"/>
+              </a:rPr>
+              <a:t>analysis.jpg</a:t>
+            </a:r>
+            <a:endParaRPr lang="en-US" sz="1400" dirty="0" smtClean="0"/>
+          </a:p>
+          <a:p>
+            <a:r>
+              <a:rPr lang="en-US" sz="1400" dirty="0" smtClean="0"/>
+              <a:t>Financial terminology</a:t>
             </a:r>
             <a:r>
               <a:rPr lang="en-US" sz="1400" dirty="0"/>
+              <a:t>: </a:t>
+            </a:r>
+            <a:r>
+              <a:rPr lang="en-US" sz="1400" dirty="0">
+                <a:hlinkClick r:id="rId3"/>
+              </a:rPr>
+              <a:t>http://www.investopedia.com</a:t>
+            </a:r>
+            <a:r>
+              <a:rPr lang="en-US" sz="1400" dirty="0" smtClean="0">
+                <a:hlinkClick r:id="rId3"/>
+              </a:rPr>
               <a:t>/</a:t>
             </a:r>
-            <a:r>
-              <a:rPr lang="en-US" sz="1400" dirty="0" err="1"/>
-              <a:t>wp</a:t>
-            </a:r>
-            <a:r>
-              <a:rPr lang="en-US" sz="1400" dirty="0"/>
-              <a:t>-content/uploads/2013/10/financial-</a:t>
-            </a:r>
-            <a:r>
-              <a:rPr lang="en-US" sz="1400" dirty="0" err="1"/>
-              <a:t>analysis.jpg</a:t>
-            </a:r>
+            <a:endParaRPr lang="en-US" sz="1400" dirty="0" smtClean="0"/>
+          </a:p>
+          <a:p>
             <a:endParaRPr lang="en-US" sz="1400" dirty="0"/>
           </a:p>
         </p:txBody>
@@ -3830,6 +9226,13 @@
   <p:clrMapOvr>
     <a:masterClrMapping/>
   </p:clrMapOvr>
+  <p:timing>
+    <p:tnLst>
+      <p:par>
+        <p:cTn xmlns:p14="http://schemas.microsoft.com/office/powerpoint/2010/main" id="1" dur="indefinite" restart="never" nodeType="tmRoot"/>
+      </p:par>
+    </p:tnLst>
+  </p:timing>
 </p:sld>
 </file>
 
@@ -4166,4 +9569,324 @@
   </a:objectDefaults>
   <a:extraClrSchemeLst/>
 </a:theme>
+</file>
+
+<file path=ppt/theme/theme2.xml><?xml version="1.0" encoding="utf-8"?>
+<a:theme xmlns:a="http://schemas.openxmlformats.org/drawingml/2006/main" name="Office Theme">
+  <a:themeElements>
+    <a:clrScheme name="Office">
+      <a:dk1>
+        <a:sysClr val="windowText" lastClr="000000"/>
+      </a:dk1>
+      <a:lt1>
+        <a:sysClr val="window" lastClr="FFFFFF"/>
+      </a:lt1>
+      <a:dk2>
+        <a:srgbClr val="1F497D"/>
+      </a:dk2>
+      <a:lt2>
+        <a:srgbClr val="EEECE1"/>
+      </a:lt2>
+      <a:accent1>
+        <a:srgbClr val="4F81BD"/>
+      </a:accent1>
+      <a:accent2>
+        <a:srgbClr val="C0504D"/>
+      </a:accent2>
+      <a:accent3>
+        <a:srgbClr val="9BBB59"/>
+      </a:accent3>
+      <a:accent4>
+        <a:srgbClr val="8064A2"/>
+      </a:accent4>
+      <a:accent5>
+        <a:srgbClr val="4BACC6"/>
+      </a:accent5>
+      <a:accent6>
+        <a:srgbClr val="F79646"/>
+      </a:accent6>
+      <a:hlink>
+        <a:srgbClr val="0000FF"/>
+      </a:hlink>
+      <a:folHlink>
+        <a:srgbClr val="800080"/>
+      </a:folHlink>
+    </a:clrScheme>
+    <a:fontScheme name="Office">
+      <a:majorFont>
+        <a:latin typeface="Calibri"/>
+        <a:ea typeface=""/>
+        <a:cs typeface=""/>
+        <a:font script="Jpan" typeface="ＭＳ Ｐゴシック"/>
+        <a:font script="Hang" typeface="맑은 고딕"/>
+        <a:font script="Hans" typeface="宋体"/>
+        <a:font script="Hant" typeface="新細明體"/>
+        <a:font script="Arab" typeface="Times New Roman"/>
+        <a:font script="Hebr" typeface="Times New Roman"/>
+        <a:font script="Thai" typeface="Angsana New"/>
+        <a:font script="Ethi" typeface="Nyala"/>
+        <a:font script="Beng" typeface="Vrinda"/>
+        <a:font script="Gujr" typeface="Shruti"/>
+        <a:font script="Khmr" typeface="MoolBoran"/>
+        <a:font script="Knda" typeface="Tunga"/>
+        <a:font script="Guru" typeface="Raavi"/>
+        <a:font script="Cans" typeface="Euphemia"/>
+        <a:font script="Cher" typeface="Plantagenet Cherokee"/>
+        <a:font script="Yiii" typeface="Microsoft Yi Baiti"/>
+        <a:font script="Tibt" typeface="Microsoft Himalaya"/>
+        <a:font script="Thaa" typeface="MV Boli"/>
+        <a:font script="Deva" typeface="Mangal"/>
+        <a:font script="Telu" typeface="Gautami"/>
+        <a:font script="Taml" typeface="Latha"/>
+        <a:font script="Syrc" typeface="Estrangelo Edessa"/>
+        <a:font script="Orya" typeface="Kalinga"/>
+        <a:font script="Mlym" typeface="Kartika"/>
+        <a:font script="Laoo" typeface="DokChampa"/>
+        <a:font script="Sinh" typeface="Iskoola Pota"/>
+        <a:font script="Mong" typeface="Mongolian Baiti"/>
+        <a:font script="Viet" typeface="Times New Roman"/>
+        <a:font script="Uigh" typeface="Microsoft Uighur"/>
+        <a:font script="Geor" typeface="Sylfaen"/>
+      </a:majorFont>
+      <a:minorFont>
+        <a:latin typeface="Calibri"/>
+        <a:ea typeface=""/>
+        <a:cs typeface=""/>
+        <a:font script="Jpan" typeface="ＭＳ Ｐゴシック"/>
+        <a:font script="Hang" typeface="맑은 고딕"/>
+        <a:font script="Hans" typeface="宋体"/>
+        <a:font script="Hant" typeface="新細明體"/>
+        <a:font script="Arab" typeface="Arial"/>
+        <a:font script="Hebr" typeface="Arial"/>
+        <a:font script="Thai" typeface="Cordia New"/>
+        <a:font script="Ethi" typeface="Nyala"/>
+        <a:font script="Beng" typeface="Vrinda"/>
+        <a:font script="Gujr" typeface="Shruti"/>
+        <a:font script="Khmr" typeface="DaunPenh"/>
+        <a:font script="Knda" typeface="Tunga"/>
+        <a:font script="Guru" typeface="Raavi"/>
+        <a:font script="Cans" typeface="Euphemia"/>
+        <a:font script="Cher" typeface="Plantagenet Cherokee"/>
+        <a:font script="Yiii" typeface="Microsoft Yi Baiti"/>
+        <a:font script="Tibt" typeface="Microsoft Himalaya"/>
+        <a:font script="Thaa" typeface="MV Boli"/>
+        <a:font script="Deva" typeface="Mangal"/>
+        <a:font script="Telu" typeface="Gautami"/>
+        <a:font script="Taml" typeface="Latha"/>
+        <a:font script="Syrc" typeface="Estrangelo Edessa"/>
+        <a:font script="Orya" typeface="Kalinga"/>
+        <a:font script="Mlym" typeface="Kartika"/>
+        <a:font script="Laoo" typeface="DokChampa"/>
+        <a:font script="Sinh" typeface="Iskoola Pota"/>
+        <a:font script="Mong" typeface="Mongolian Baiti"/>
+        <a:font script="Viet" typeface="Arial"/>
+        <a:font script="Uigh" typeface="Microsoft Uighur"/>
+        <a:font script="Geor" typeface="Sylfaen"/>
+      </a:minorFont>
+    </a:fontScheme>
+    <a:fmtScheme name="Office">
+      <a:fillStyleLst>
+        <a:solidFill>
+          <a:schemeClr val="phClr"/>
+        </a:solidFill>
+        <a:gradFill rotWithShape="1">
+          <a:gsLst>
+            <a:gs pos="0">
+              <a:schemeClr val="phClr">
+                <a:tint val="50000"/>
+                <a:satMod val="300000"/>
+              </a:schemeClr>
+            </a:gs>
+            <a:gs pos="35000">
+              <a:schemeClr val="phClr">
+                <a:tint val="37000"/>
+                <a:satMod val="300000"/>
+              </a:schemeClr>
+            </a:gs>
+            <a:gs pos="100000">
+              <a:schemeClr val="phClr">
+                <a:tint val="15000"/>
+                <a:satMod val="350000"/>
+              </a:schemeClr>
+            </a:gs>
+          </a:gsLst>
+          <a:lin ang="16200000" scaled="1"/>
+        </a:gradFill>
+        <a:gradFill rotWithShape="1">
+          <a:gsLst>
+            <a:gs pos="0">
+              <a:schemeClr val="phClr">
+                <a:tint val="100000"/>
+                <a:shade val="100000"/>
+                <a:satMod val="130000"/>
+              </a:schemeClr>
+            </a:gs>
+            <a:gs pos="100000">
+              <a:schemeClr val="phClr">
+                <a:tint val="50000"/>
+                <a:shade val="100000"/>
+                <a:satMod val="350000"/>
+              </a:schemeClr>
+            </a:gs>
+          </a:gsLst>
+          <a:lin ang="16200000" scaled="0"/>
+        </a:gradFill>
+      </a:fillStyleLst>
+      <a:lnStyleLst>
+        <a:ln w="9525" cap="flat" cmpd="sng" algn="ctr">
+          <a:solidFill>
+            <a:schemeClr val="phClr">
+              <a:shade val="95000"/>
+              <a:satMod val="105000"/>
+            </a:schemeClr>
+          </a:solidFill>
+          <a:prstDash val="solid"/>
+        </a:ln>
+        <a:ln w="25400" cap="flat" cmpd="sng" algn="ctr">
+          <a:solidFill>
+            <a:schemeClr val="phClr"/>
+          </a:solidFill>
+          <a:prstDash val="solid"/>
+        </a:ln>
+        <a:ln w="38100" cap="flat" cmpd="sng" algn="ctr">
+          <a:solidFill>
+            <a:schemeClr val="phClr"/>
+          </a:solidFill>
+          <a:prstDash val="solid"/>
+        </a:ln>
+      </a:lnStyleLst>
+      <a:effectStyleLst>
+        <a:effectStyle>
+          <a:effectLst>
+            <a:outerShdw blurRad="40000" dist="20000" dir="5400000" rotWithShape="0">
+              <a:srgbClr val="000000">
+                <a:alpha val="38000"/>
+              </a:srgbClr>
+            </a:outerShdw>
+          </a:effectLst>
+        </a:effectStyle>
+        <a:effectStyle>
+          <a:effectLst>
+            <a:outerShdw blurRad="40000" dist="23000" dir="5400000" rotWithShape="0">
+              <a:srgbClr val="000000">
+                <a:alpha val="35000"/>
+              </a:srgbClr>
+            </a:outerShdw>
+          </a:effectLst>
+        </a:effectStyle>
+        <a:effectStyle>
+          <a:effectLst>
+            <a:outerShdw blurRad="40000" dist="23000" dir="5400000" rotWithShape="0">
+              <a:srgbClr val="000000">
+                <a:alpha val="35000"/>
+              </a:srgbClr>
+            </a:outerShdw>
+          </a:effectLst>
+          <a:scene3d>
+            <a:camera prst="orthographicFront">
+              <a:rot lat="0" lon="0" rev="0"/>
+            </a:camera>
+            <a:lightRig rig="threePt" dir="t">
+              <a:rot lat="0" lon="0" rev="1200000"/>
+            </a:lightRig>
+          </a:scene3d>
+          <a:sp3d>
+            <a:bevelT w="63500" h="25400"/>
+          </a:sp3d>
+        </a:effectStyle>
+      </a:effectStyleLst>
+      <a:bgFillStyleLst>
+        <a:solidFill>
+          <a:schemeClr val="phClr"/>
+        </a:solidFill>
+        <a:gradFill rotWithShape="1">
+          <a:gsLst>
+            <a:gs pos="0">
+              <a:schemeClr val="phClr">
+                <a:tint val="40000"/>
+                <a:satMod val="350000"/>
+              </a:schemeClr>
+            </a:gs>
+            <a:gs pos="40000">
+              <a:schemeClr val="phClr">
+                <a:tint val="45000"/>
+                <a:shade val="99000"/>
+                <a:satMod val="350000"/>
+              </a:schemeClr>
+            </a:gs>
+            <a:gs pos="100000">
+              <a:schemeClr val="phClr">
+                <a:shade val="20000"/>
+                <a:satMod val="255000"/>
+              </a:schemeClr>
+            </a:gs>
+          </a:gsLst>
+          <a:path path="circle">
+            <a:fillToRect l="50000" t="-80000" r="50000" b="180000"/>
+          </a:path>
+        </a:gradFill>
+        <a:gradFill rotWithShape="1">
+          <a:gsLst>
+            <a:gs pos="0">
+              <a:schemeClr val="phClr">
+                <a:tint val="80000"/>
+                <a:satMod val="300000"/>
+              </a:schemeClr>
+            </a:gs>
+            <a:gs pos="100000">
+              <a:schemeClr val="phClr">
+                <a:shade val="30000"/>
+                <a:satMod val="200000"/>
+              </a:schemeClr>
+            </a:gs>
+          </a:gsLst>
+          <a:path path="circle">
+            <a:fillToRect l="50000" t="50000" r="50000" b="50000"/>
+          </a:path>
+        </a:gradFill>
+      </a:bgFillStyleLst>
+    </a:fmtScheme>
+  </a:themeElements>
+  <a:objectDefaults>
+    <a:spDef>
+      <a:spPr/>
+      <a:bodyPr/>
+      <a:lstStyle/>
+      <a:style>
+        <a:lnRef idx="1">
+          <a:schemeClr val="accent1"/>
+        </a:lnRef>
+        <a:fillRef idx="3">
+          <a:schemeClr val="accent1"/>
+        </a:fillRef>
+        <a:effectRef idx="2">
+          <a:schemeClr val="accent1"/>
+        </a:effectRef>
+        <a:fontRef idx="minor">
+          <a:schemeClr val="lt1"/>
+        </a:fontRef>
+      </a:style>
+    </a:spDef>
+    <a:lnDef>
+      <a:spPr/>
+      <a:bodyPr/>
+      <a:lstStyle/>
+      <a:style>
+        <a:lnRef idx="2">
+          <a:schemeClr val="accent1"/>
+        </a:lnRef>
+        <a:fillRef idx="0">
+          <a:schemeClr val="accent1"/>
+        </a:fillRef>
+        <a:effectRef idx="1">
+          <a:schemeClr val="accent1"/>
+        </a:effectRef>
+        <a:fontRef idx="minor">
+          <a:schemeClr val="tx1"/>
+        </a:fontRef>
+      </a:style>
+    </a:lnDef>
+  </a:objectDefaults>
+  <a:extraClrSchemeLst/>
+</a:theme>
 </file>
--- a/report/extra_credit_presentation.pptx
+++ b/report/extra_credit_presentation.pptx
@@ -3827,7 +3827,7 @@
                 </a:solidFill>
                 <a:latin typeface="Open Sans Light"/>
               </a:rPr>
-              <a:t>Economics</a:t>
+              <a:t>Sociology</a:t>
             </a:r>
           </a:p>
           <a:p>
@@ -3998,7 +3998,7 @@
                 </a:solidFill>
                 <a:latin typeface="Open Sans Light"/>
               </a:rPr>
-              <a:t>2017</a:t>
+              <a:t>2016</a:t>
             </a:r>
             <a:endParaRPr lang="en-US" sz="1400" i="1" dirty="0">
               <a:solidFill>
@@ -6782,7 +6782,7 @@
                 <a:latin typeface="Open Sans Light"/>
                 <a:cs typeface="Open Sans Light"/>
               </a:rPr>
-              <a:t>Bar Plot of Beta vs. Expected Growth Rate in the Next 5 Years</a:t>
+              <a:t>Histograms</a:t>
             </a:r>
             <a:endParaRPr lang="en-US" sz="1600" dirty="0">
               <a:solidFill>
@@ -7333,7 +7333,7 @@
                 <a:latin typeface="Open Sans Light"/>
                 <a:cs typeface="Open Sans Light"/>
               </a:rPr>
-              <a:t>Bubble Plot of Current PE and Expected Growth in the Next 5 Years for Different Industries</a:t>
+              <a:t>Bubble Plots and Scatterplots</a:t>
             </a:r>
             <a:endParaRPr lang="en-US" sz="1600" dirty="0">
               <a:solidFill>
@@ -7354,7 +7354,7 @@
         <p:spPr>
           <a:xfrm>
             <a:off x="3523395" y="1079540"/>
-            <a:ext cx="5468935" cy="307777"/>
+            <a:ext cx="5468935" cy="954107"/>
           </a:xfrm>
           <a:prstGeom prst="rect">
             <a:avLst/>
@@ -7376,8 +7376,27 @@
                 <a:latin typeface="Open Sans Light"/>
                 <a:cs typeface="Open Sans Light"/>
               </a:rPr>
-              <a:t>a</a:t>
-            </a:r>
+              <a:t>Used to graphically display the distribution of a variable and its corresponding value to another variable</a:t>
+            </a:r>
+          </a:p>
+          <a:p>
+            <a:pPr marL="285750" indent="-285750">
+              <a:buFont typeface="Wingdings" charset="2"/>
+              <a:buChar char="§"/>
+            </a:pPr>
+            <a:r>
+              <a:rPr lang="en-US" sz="1400" dirty="0" smtClean="0">
+                <a:latin typeface="Open Sans Light"/>
+                <a:cs typeface="Open Sans Light"/>
+              </a:rPr>
+              <a:t>Looked at:</a:t>
+            </a:r>
+          </a:p>
+          <a:p>
+            <a:pPr marL="742950" lvl="1" indent="-285750">
+              <a:buFont typeface="Wingdings" charset="2"/>
+              <a:buChar char="§"/>
+            </a:pPr>
             <a:endParaRPr lang="en-US" sz="1400" dirty="0">
               <a:latin typeface="Open Sans Light"/>
               <a:cs typeface="Open Sans Light"/>
@@ -7394,7 +7413,7 @@
         <p:spPr>
           <a:xfrm>
             <a:off x="3523395" y="3890087"/>
-            <a:ext cx="5468935" cy="307777"/>
+            <a:ext cx="5468935" cy="2462213"/>
           </a:xfrm>
           <a:prstGeom prst="rect">
             <a:avLst/>
@@ -7416,7 +7435,59 @@
                 <a:latin typeface="Open Sans Light"/>
                 <a:cs typeface="Open Sans Light"/>
               </a:rPr>
-              <a:t>a</a:t>
+              <a:t>Used to graphically display the relationship between two variables and add emphasis to a third</a:t>
+            </a:r>
+          </a:p>
+          <a:p>
+            <a:pPr marL="285750" indent="-285750">
+              <a:buFont typeface="Wingdings" charset="2"/>
+              <a:buChar char="§"/>
+            </a:pPr>
+            <a:r>
+              <a:rPr lang="en-US" sz="1400" dirty="0" smtClean="0">
+                <a:latin typeface="Open Sans Light"/>
+                <a:cs typeface="Open Sans Light"/>
+              </a:rPr>
+              <a:t>Graphed multiple charts, some of which controlled for outliers</a:t>
+            </a:r>
+          </a:p>
+          <a:p>
+            <a:pPr marL="285750" indent="-285750">
+              <a:buFont typeface="Wingdings" charset="2"/>
+              <a:buChar char="§"/>
+            </a:pPr>
+            <a:r>
+              <a:rPr lang="en-US" sz="1400" dirty="0" smtClean="0">
+                <a:latin typeface="Open Sans Light"/>
+                <a:cs typeface="Open Sans Light"/>
+              </a:rPr>
+              <a:t>Looked at:</a:t>
+            </a:r>
+          </a:p>
+          <a:p>
+            <a:pPr marL="742950" lvl="1" indent="-285750">
+              <a:buFont typeface="Wingdings" charset="2"/>
+              <a:buChar char="§"/>
+            </a:pPr>
+            <a:r>
+              <a:rPr lang="en-US" sz="1400" dirty="0" smtClean="0">
+                <a:latin typeface="Open Sans Light"/>
+                <a:cs typeface="Open Sans Light"/>
+              </a:rPr>
+              <a:t>Current PE ratio to Expected Growth in the Next 5 Years, with circles of size corresponding to the size of the specific industry</a:t>
+            </a:r>
+          </a:p>
+          <a:p>
+            <a:pPr marL="285750" indent="-285750">
+              <a:buFont typeface="Wingdings" charset="2"/>
+              <a:buChar char="§"/>
+            </a:pPr>
+            <a:r>
+              <a:rPr lang="en-US" sz="1400" dirty="0" smtClean="0">
+                <a:latin typeface="Open Sans Light"/>
+                <a:cs typeface="Open Sans Light"/>
+              </a:rPr>
+              <a:t>We found that most industries had PE ratios that were below 150, but a few had extremely high Current PE, which skewed the data. When accounting for these outliers, we find that most larger industries have PE values between 50 and 100</a:t>
             </a:r>
             <a:endParaRPr lang="en-US" sz="1400" dirty="0">
               <a:latin typeface="Open Sans Light"/>
@@ -7522,7 +7593,7 @@
                 <a:latin typeface="Open Sans Light"/>
                 <a:cs typeface="Open Sans Light"/>
               </a:rPr>
-              <a:t>Bar Plot of Beta vs. Expected Growth Rate in the Next 5 Years</a:t>
+              <a:t>Linear Regression</a:t>
             </a:r>
             <a:endParaRPr lang="en-US" sz="1600" dirty="0">
               <a:solidFill>
@@ -7985,7 +8056,7 @@
         <p:spPr>
           <a:xfrm>
             <a:off x="3523395" y="1079540"/>
-            <a:ext cx="5468935" cy="307777"/>
+            <a:ext cx="5468935" cy="2246769"/>
           </a:xfrm>
           <a:prstGeom prst="rect">
             <a:avLst/>
@@ -8007,7 +8078,72 @@
                 <a:latin typeface="Open Sans Light"/>
                 <a:cs typeface="Open Sans Light"/>
               </a:rPr>
-              <a:t>a</a:t>
+              <a:t>Used to illustrate the correlation and relationship between variables</a:t>
+            </a:r>
+          </a:p>
+          <a:p>
+            <a:pPr marL="285750" indent="-285750">
+              <a:buFont typeface="Wingdings" charset="2"/>
+              <a:buChar char="§"/>
+            </a:pPr>
+            <a:r>
+              <a:rPr lang="en-US" sz="1400" dirty="0" smtClean="0">
+                <a:latin typeface="Open Sans Light"/>
+                <a:cs typeface="Open Sans Light"/>
+              </a:rPr>
+              <a:t>Had multiple scatterplots, some that controlled for outliers or other related variables to maintain accuracy</a:t>
+            </a:r>
+          </a:p>
+          <a:p>
+            <a:pPr marL="285750" indent="-285750">
+              <a:buFont typeface="Wingdings" charset="2"/>
+              <a:buChar char="§"/>
+            </a:pPr>
+            <a:r>
+              <a:rPr lang="en-US" sz="1400" dirty="0" smtClean="0">
+                <a:latin typeface="Open Sans Light"/>
+                <a:cs typeface="Open Sans Light"/>
+              </a:rPr>
+              <a:t>Looked at the scatterplots and linear regressions of:</a:t>
+            </a:r>
+          </a:p>
+          <a:p>
+            <a:pPr marL="742950" lvl="1" indent="-285750">
+              <a:buFont typeface="Wingdings" charset="2"/>
+              <a:buChar char="§"/>
+            </a:pPr>
+            <a:r>
+              <a:rPr lang="en-US" sz="1400" dirty="0" smtClean="0">
+                <a:latin typeface="Open Sans Light"/>
+                <a:cs typeface="Open Sans Light"/>
+              </a:rPr>
+              <a:t>Current PE to Expected Growth in the Next 5 Years</a:t>
+            </a:r>
+          </a:p>
+          <a:p>
+            <a:pPr marL="742950" lvl="1" indent="-285750">
+              <a:buFont typeface="Wingdings" charset="2"/>
+              <a:buChar char="§"/>
+            </a:pPr>
+            <a:r>
+              <a:rPr lang="en-US" sz="1400" dirty="0" smtClean="0">
+                <a:latin typeface="Open Sans Light"/>
+                <a:cs typeface="Open Sans Light"/>
+              </a:rPr>
+              <a:t>Expected Growth to Average Unlevered Beta, Current PE, and PEG Ratio</a:t>
+            </a:r>
+          </a:p>
+          <a:p>
+            <a:pPr marL="285750" indent="-285750">
+              <a:buFont typeface="Wingdings" charset="2"/>
+              <a:buChar char="§"/>
+            </a:pPr>
+            <a:r>
+              <a:rPr lang="en-US" sz="1400" dirty="0" smtClean="0">
+                <a:latin typeface="Open Sans Light"/>
+                <a:cs typeface="Open Sans Light"/>
+              </a:rPr>
+              <a:t>We found that there was a strong statistical significance of the PEG ratio to growth, as shown in the figure to the right</a:t>
             </a:r>
             <a:endParaRPr lang="en-US" sz="1400" dirty="0">
               <a:latin typeface="Open Sans Light"/>
@@ -8025,7 +8161,7 @@
         <p:spPr>
           <a:xfrm>
             <a:off x="3523395" y="3890087"/>
-            <a:ext cx="5468935" cy="307777"/>
+            <a:ext cx="5468935" cy="2462213"/>
           </a:xfrm>
           <a:prstGeom prst="rect">
             <a:avLst/>
@@ -8047,12 +8183,80 @@
                 <a:latin typeface="Open Sans Light"/>
                 <a:cs typeface="Open Sans Light"/>
               </a:rPr>
-              <a:t>a</a:t>
-            </a:r>
-            <a:endParaRPr lang="en-US" sz="1400" dirty="0">
-              <a:latin typeface="Open Sans Light"/>
-              <a:cs typeface="Open Sans Light"/>
-            </a:endParaRPr>
+              <a:t>Used to analyze the relationship between multiple variables</a:t>
+            </a:r>
+          </a:p>
+          <a:p>
+            <a:pPr marL="285750" indent="-285750">
+              <a:buFont typeface="Wingdings" charset="2"/>
+              <a:buChar char="§"/>
+            </a:pPr>
+            <a:r>
+              <a:rPr lang="en-US" sz="1400" dirty="0">
+                <a:latin typeface="Open Sans Light"/>
+                <a:cs typeface="Open Sans Light"/>
+              </a:rPr>
+              <a:t>Examined graph from multiple </a:t>
+            </a:r>
+            <a:r>
+              <a:rPr lang="en-US" sz="1400" dirty="0" smtClean="0">
+                <a:latin typeface="Open Sans Light"/>
+                <a:cs typeface="Open Sans Light"/>
+              </a:rPr>
+              <a:t>angles</a:t>
+            </a:r>
+          </a:p>
+          <a:p>
+            <a:pPr marL="285750" indent="-285750">
+              <a:buFont typeface="Wingdings" charset="2"/>
+              <a:buChar char="§"/>
+            </a:pPr>
+            <a:r>
+              <a:rPr lang="en-US" sz="1400" dirty="0" smtClean="0">
+                <a:latin typeface="Open Sans Light"/>
+                <a:cs typeface="Open Sans Light"/>
+              </a:rPr>
+              <a:t>Looked at the 3D plot of:</a:t>
+            </a:r>
+          </a:p>
+          <a:p>
+            <a:pPr marL="742950" lvl="1" indent="-285750">
+              <a:buFont typeface="Wingdings" charset="2"/>
+              <a:buChar char="§"/>
+            </a:pPr>
+            <a:r>
+              <a:rPr lang="en-US" sz="1400" dirty="0" smtClean="0">
+                <a:latin typeface="Open Sans Light"/>
+                <a:cs typeface="Open Sans Light"/>
+              </a:rPr>
+              <a:t>Expected Growth in the Next 5 Years, PEG Ratio, and Average Unlevered Beta</a:t>
+            </a:r>
+          </a:p>
+          <a:p>
+            <a:pPr marL="742950" lvl="1" indent="-285750">
+              <a:buFont typeface="Wingdings" charset="2"/>
+              <a:buChar char="§"/>
+            </a:pPr>
+            <a:r>
+              <a:rPr lang="en-US" sz="1400" dirty="0" smtClean="0">
+                <a:latin typeface="Open Sans Light"/>
+                <a:cs typeface="Open Sans Light"/>
+              </a:rPr>
+              <a:t>Expected Growth in the Next 5 Years, Current PE Ratio, and Average Unlevered Beta</a:t>
+            </a:r>
+          </a:p>
+          <a:p>
+            <a:pPr marL="285750" indent="-285750">
+              <a:buFont typeface="Wingdings" charset="2"/>
+              <a:buChar char="§"/>
+            </a:pPr>
+            <a:r>
+              <a:rPr lang="en-US" sz="1400" dirty="0" smtClean="0">
+                <a:latin typeface="Open Sans Light"/>
+                <a:cs typeface="Open Sans Light"/>
+              </a:rPr>
+              <a:t>We found that higher beta corresponded with expected growth (as predicted), higher beta was correlated with higher PEG ratio, and that lower expected growth equated with higher PEG ratios </a:t>
+            </a:r>
           </a:p>
         </p:txBody>
       </p:sp>
@@ -8123,7 +8327,7 @@
                 <a:latin typeface="Open Sans Light"/>
                 <a:cs typeface="Open Sans Light"/>
               </a:rPr>
-              <a:t>Bubble Plot of Current PE and Expected Growth in the Next 5 Years for Different Industries</a:t>
+              <a:t>3D Scatterplots</a:t>
             </a:r>
             <a:endParaRPr lang="en-US" sz="1600" dirty="0">
               <a:solidFill>

--- a/report/extra_credit_presentation.pptx
+++ b/report/extra_credit_presentation.pptx
@@ -6437,7 +6437,7 @@
           </p:cNvPicPr>
           <p:nvPr/>
         </p:nvPicPr>
-        <p:blipFill>
+        <p:blipFill rotWithShape="1">
           <a:blip r:embed="rId2">
             <a:extLst>
               <a:ext uri="{28A0092B-C50C-407E-A947-70E740481C1C}">
@@ -6445,14 +6445,13 @@
               </a:ext>
             </a:extLst>
           </a:blip>
-          <a:stretch>
-            <a:fillRect/>
-          </a:stretch>
+          <a:srcRect b="134"/>
+          <a:stretch/>
         </p:blipFill>
         <p:spPr>
           <a:xfrm>
             <a:off x="4785325" y="1465821"/>
-            <a:ext cx="4207005" cy="1509940"/>
+            <a:ext cx="4207005" cy="1507933"/>
           </a:xfrm>
           <a:prstGeom prst="rect">
             <a:avLst/>
@@ -6682,6 +6681,56 @@
               <a:latin typeface="Open Sans Light"/>
               <a:cs typeface="Open Sans Light"/>
             </a:endParaRPr>
+          </a:p>
+        </p:txBody>
+      </p:sp>
+      <p:sp>
+        <p:nvSpPr>
+          <p:cNvPr id="33" name="Rectangle 32"/>
+          <p:cNvSpPr/>
+          <p:nvPr/>
+        </p:nvSpPr>
+        <p:spPr>
+          <a:xfrm>
+            <a:off x="4785325" y="2962030"/>
+            <a:ext cx="329844" cy="125046"/>
+          </a:xfrm>
+          <a:prstGeom prst="rect">
+            <a:avLst/>
+          </a:prstGeom>
+          <a:solidFill>
+            <a:srgbClr val="FFFFFF"/>
+          </a:solidFill>
+          <a:ln>
+            <a:noFill/>
+          </a:ln>
+          <a:effectLst/>
+        </p:spPr>
+        <p:style>
+          <a:lnRef idx="1">
+            <a:schemeClr val="accent1"/>
+          </a:lnRef>
+          <a:fillRef idx="3">
+            <a:schemeClr val="accent1"/>
+          </a:fillRef>
+          <a:effectRef idx="2">
+            <a:schemeClr val="accent1"/>
+          </a:effectRef>
+          <a:fontRef idx="minor">
+            <a:schemeClr val="lt1"/>
+          </a:fontRef>
+        </p:style>
+        <p:txBody>
+          <a:bodyPr rot="0" spcFirstLastPara="0" vertOverflow="overflow" horzOverflow="overflow" vert="horz" wrap="square" lIns="91440" tIns="45720" rIns="91440" bIns="45720" numCol="1" spcCol="0" rtlCol="0" fromWordArt="0" anchor="ctr" anchorCtr="0" forceAA="0" compatLnSpc="1">
+            <a:prstTxWarp prst="textNoShape">
+              <a:avLst/>
+            </a:prstTxWarp>
+            <a:noAutofit/>
+          </a:bodyPr>
+          <a:lstStyle/>
+          <a:p>
+            <a:pPr algn="ctr"/>
+            <a:endParaRPr lang="en-US"/>
           </a:p>
         </p:txBody>
       </p:sp>
@@ -7354,7 +7403,7 @@
         <p:spPr>
           <a:xfrm>
             <a:off x="3523395" y="1079540"/>
-            <a:ext cx="5468935" cy="954107"/>
+            <a:ext cx="5468935" cy="2246769"/>
           </a:xfrm>
           <a:prstGeom prst="rect">
             <a:avLst/>
@@ -7397,10 +7446,72 @@
               <a:buFont typeface="Wingdings" charset="2"/>
               <a:buChar char="§"/>
             </a:pPr>
-            <a:endParaRPr lang="en-US" sz="1400" dirty="0">
-              <a:latin typeface="Open Sans Light"/>
-              <a:cs typeface="Open Sans Light"/>
-            </a:endParaRPr>
+            <a:r>
+              <a:rPr lang="en-US" sz="1400" dirty="0" smtClean="0">
+                <a:latin typeface="Open Sans Light"/>
+                <a:cs typeface="Open Sans Light"/>
+              </a:rPr>
+              <a:t>Current PE, Forward PE, Total Levered Beta, Growth</a:t>
+            </a:r>
+          </a:p>
+          <a:p>
+            <a:pPr marL="742950" lvl="1" indent="-285750">
+              <a:buFont typeface="Wingdings" charset="2"/>
+              <a:buChar char="§"/>
+            </a:pPr>
+            <a:r>
+              <a:rPr lang="en-US" sz="1400" dirty="0" smtClean="0">
+                <a:latin typeface="Open Sans Light"/>
+                <a:cs typeface="Open Sans Light"/>
+              </a:rPr>
+              <a:t>PE Ratio to Average Unlevered Beta</a:t>
+            </a:r>
+          </a:p>
+          <a:p>
+            <a:pPr marL="742950" lvl="1" indent="-285750">
+              <a:buFont typeface="Wingdings" charset="2"/>
+              <a:buChar char="§"/>
+            </a:pPr>
+            <a:r>
+              <a:rPr lang="en-US" sz="1400" dirty="0">
+                <a:latin typeface="Open Sans Light"/>
+                <a:cs typeface="Open Sans Light"/>
+              </a:rPr>
+              <a:t>Average Unlevered </a:t>
+            </a:r>
+            <a:r>
+              <a:rPr lang="en-US" sz="1400" dirty="0" smtClean="0">
+                <a:latin typeface="Open Sans Light"/>
+                <a:cs typeface="Open Sans Light"/>
+              </a:rPr>
+              <a:t>Beta to Expected Growth Rate</a:t>
+            </a:r>
+          </a:p>
+          <a:p>
+            <a:pPr marL="742950" lvl="1" indent="-285750">
+              <a:buFont typeface="Wingdings" charset="2"/>
+              <a:buChar char="§"/>
+            </a:pPr>
+            <a:r>
+              <a:rPr lang="en-US" sz="1400" dirty="0" smtClean="0">
+                <a:latin typeface="Open Sans Light"/>
+                <a:cs typeface="Open Sans Light"/>
+              </a:rPr>
+              <a:t>Current PE to Expected Growth Rate</a:t>
+            </a:r>
+          </a:p>
+          <a:p>
+            <a:pPr marL="285750" indent="-285750">
+              <a:buFont typeface="Wingdings" charset="2"/>
+              <a:buChar char="§"/>
+            </a:pPr>
+            <a:r>
+              <a:rPr lang="en-US" sz="1400" dirty="0" smtClean="0">
+                <a:latin typeface="Open Sans Light"/>
+                <a:cs typeface="Open Sans Light"/>
+              </a:rPr>
+              <a:t>We found that industries with high beta are growing industries such as online retail, real estate, and software and those with the lowest beta are stable markets such as finance or trucking</a:t>
+            </a:r>
           </a:p>
         </p:txBody>
       </p:sp>
@@ -8932,7 +9043,7 @@
         </p:nvSpPr>
         <p:spPr>
           <a:xfrm>
-            <a:off x="1190660" y="1871138"/>
+            <a:off x="916823" y="1871138"/>
             <a:ext cx="1280160" cy="1280160"/>
           </a:xfrm>
           <a:prstGeom prst="ellipse">
@@ -8986,7 +9097,7 @@
         </p:nvSpPr>
         <p:spPr>
           <a:xfrm>
-            <a:off x="3728172" y="1871138"/>
+            <a:off x="3771890" y="1871138"/>
             <a:ext cx="1280160" cy="1280160"/>
           </a:xfrm>
           <a:prstGeom prst="ellipse">
@@ -9040,7 +9151,7 @@
         </p:nvSpPr>
         <p:spPr>
           <a:xfrm>
-            <a:off x="6265684" y="1871138"/>
+            <a:off x="6626956" y="1871138"/>
             <a:ext cx="1280160" cy="1280160"/>
           </a:xfrm>
           <a:prstGeom prst="ellipse">
@@ -9086,6 +9197,183 @@
           </a:p>
         </p:txBody>
       </p:sp>
+      <p:sp>
+        <p:nvSpPr>
+          <p:cNvPr id="18" name="TextBox 17"/>
+          <p:cNvSpPr txBox="1"/>
+          <p:nvPr/>
+        </p:nvSpPr>
+        <p:spPr>
+          <a:xfrm>
+            <a:off x="439377" y="3640348"/>
+            <a:ext cx="2235053" cy="584776"/>
+          </a:xfrm>
+          <a:prstGeom prst="rect">
+            <a:avLst/>
+          </a:prstGeom>
+          <a:noFill/>
+        </p:spPr>
+        <p:txBody>
+          <a:bodyPr wrap="square" rtlCol="0">
+            <a:spAutoFit/>
+          </a:bodyPr>
+          <a:lstStyle/>
+          <a:p>
+            <a:pPr algn="ctr"/>
+            <a:r>
+              <a:rPr lang="en-US" dirty="0" smtClean="0">
+                <a:latin typeface="Open Sans Light"/>
+                <a:cs typeface="Open Sans Light"/>
+              </a:rPr>
+              <a:t>Blah</a:t>
+            </a:r>
+          </a:p>
+          <a:p>
+            <a:pPr algn="ctr"/>
+            <a:r>
+              <a:rPr lang="en-US" sz="1400" dirty="0" smtClean="0">
+                <a:latin typeface="Open Sans Light"/>
+                <a:cs typeface="Open Sans Light"/>
+              </a:rPr>
+              <a:t>blah</a:t>
+            </a:r>
+          </a:p>
+        </p:txBody>
+      </p:sp>
+      <p:sp>
+        <p:nvSpPr>
+          <p:cNvPr id="19" name="TextBox 18"/>
+          <p:cNvSpPr txBox="1"/>
+          <p:nvPr/>
+        </p:nvSpPr>
+        <p:spPr>
+          <a:xfrm>
+            <a:off x="3295839" y="3640348"/>
+            <a:ext cx="2235053" cy="584776"/>
+          </a:xfrm>
+          <a:prstGeom prst="rect">
+            <a:avLst/>
+          </a:prstGeom>
+          <a:noFill/>
+        </p:spPr>
+        <p:txBody>
+          <a:bodyPr wrap="square" rtlCol="0">
+            <a:spAutoFit/>
+          </a:bodyPr>
+          <a:lstStyle/>
+          <a:p>
+            <a:pPr algn="ctr"/>
+            <a:r>
+              <a:rPr lang="en-US" dirty="0" smtClean="0">
+                <a:latin typeface="Open Sans Light"/>
+                <a:cs typeface="Open Sans Light"/>
+              </a:rPr>
+              <a:t>Blah</a:t>
+            </a:r>
+          </a:p>
+          <a:p>
+            <a:pPr algn="ctr"/>
+            <a:r>
+              <a:rPr lang="en-US" sz="1400" dirty="0" smtClean="0">
+                <a:latin typeface="Open Sans Light"/>
+                <a:cs typeface="Open Sans Light"/>
+              </a:rPr>
+              <a:t>blah</a:t>
+            </a:r>
+          </a:p>
+        </p:txBody>
+      </p:sp>
+      <p:sp>
+        <p:nvSpPr>
+          <p:cNvPr id="20" name="TextBox 19"/>
+          <p:cNvSpPr txBox="1"/>
+          <p:nvPr/>
+        </p:nvSpPr>
+        <p:spPr>
+          <a:xfrm>
+            <a:off x="6141353" y="3640348"/>
+            <a:ext cx="2235053" cy="584776"/>
+          </a:xfrm>
+          <a:prstGeom prst="rect">
+            <a:avLst/>
+          </a:prstGeom>
+          <a:noFill/>
+        </p:spPr>
+        <p:txBody>
+          <a:bodyPr wrap="square" rtlCol="0">
+            <a:spAutoFit/>
+          </a:bodyPr>
+          <a:lstStyle/>
+          <a:p>
+            <a:pPr algn="ctr"/>
+            <a:r>
+              <a:rPr lang="en-US" dirty="0" smtClean="0">
+                <a:latin typeface="Open Sans Light"/>
+                <a:cs typeface="Open Sans Light"/>
+              </a:rPr>
+              <a:t>Blah</a:t>
+            </a:r>
+          </a:p>
+          <a:p>
+            <a:pPr algn="ctr"/>
+            <a:r>
+              <a:rPr lang="en-US" sz="1400" dirty="0" smtClean="0">
+                <a:latin typeface="Open Sans Light"/>
+                <a:cs typeface="Open Sans Light"/>
+              </a:rPr>
+              <a:t>blah</a:t>
+            </a:r>
+          </a:p>
+        </p:txBody>
+      </p:sp>
+      <p:pic>
+        <p:nvPicPr>
+          <p:cNvPr id="21" name="Picture 20"/>
+          <p:cNvPicPr>
+            <a:picLocks noChangeAspect="1"/>
+          </p:cNvPicPr>
+          <p:nvPr/>
+        </p:nvPicPr>
+        <p:blipFill>
+          <a:blip r:embed="rId2"/>
+          <a:stretch>
+            <a:fillRect/>
+          </a:stretch>
+        </p:blipFill>
+        <p:spPr>
+          <a:xfrm>
+            <a:off x="6868107" y="2114499"/>
+            <a:ext cx="797859" cy="797859"/>
+          </a:xfrm>
+          <a:prstGeom prst="rect">
+            <a:avLst/>
+          </a:prstGeom>
+        </p:spPr>
+      </p:pic>
+      <p:pic>
+        <p:nvPicPr>
+          <p:cNvPr id="22" name="Picture 21"/>
+          <p:cNvPicPr>
+            <a:picLocks noChangeAspect="1"/>
+          </p:cNvPicPr>
+          <p:nvPr/>
+        </p:nvPicPr>
+        <p:blipFill>
+          <a:blip r:embed="rId3"/>
+          <a:stretch>
+            <a:fillRect/>
+          </a:stretch>
+        </p:blipFill>
+        <p:spPr>
+          <a:xfrm>
+            <a:off x="4013041" y="2114499"/>
+            <a:ext cx="797859" cy="797859"/>
+          </a:xfrm>
+          <a:prstGeom prst="rect">
+            <a:avLst/>
+          </a:prstGeom>
+        </p:spPr>
+      </p:pic>
     </p:spTree>
     <p:extLst>
       <p:ext uri="{BB962C8B-B14F-4D97-AF65-F5344CB8AC3E}">
@@ -9391,6 +9679,12 @@
               <a:t>/</a:t>
             </a:r>
             <a:endParaRPr lang="en-US" sz="1400" dirty="0" smtClean="0"/>
+          </a:p>
+          <a:p>
+            <a:r>
+              <a:rPr lang="en-US" sz="1400" dirty="0" smtClean="0"/>
+              <a:t>Icons: The Noun Project</a:t>
+            </a:r>
           </a:p>
           <a:p>
             <a:endParaRPr lang="en-US" sz="1400" dirty="0"/>

--- a/report/extra_credit_presentation.pptx
+++ b/report/extra_credit_presentation.pptx
@@ -8366,7 +8366,7 @@
                 <a:latin typeface="Open Sans Light"/>
                 <a:cs typeface="Open Sans Light"/>
               </a:rPr>
-              <a:t>We found that higher beta corresponded with expected growth (as predicted), higher beta was correlated with higher PEG ratio, and that lower expected growth equated with higher PEG ratios </a:t>
+              <a:t>We found that higher beta corresponded with expected growth (as predicted), higher beta was correlated with higher PEG ratio, and that lower expected growth equated with higher PEG ratios</a:t>
             </a:r>
           </a:p>
         </p:txBody>
@@ -9206,7 +9206,7 @@
         <p:spPr>
           <a:xfrm>
             <a:off x="439377" y="3640348"/>
-            <a:ext cx="2235053" cy="584776"/>
+            <a:ext cx="2235053" cy="2308324"/>
           </a:xfrm>
           <a:prstGeom prst="rect">
             <a:avLst/>
@@ -9225,7 +9225,7 @@
                 <a:latin typeface="Open Sans Light"/>
                 <a:cs typeface="Open Sans Light"/>
               </a:rPr>
-              <a:t>Blah</a:t>
+              <a:t>Beta &amp; Payout Ratio</a:t>
             </a:r>
           </a:p>
           <a:p>
@@ -9235,7 +9235,7 @@
                 <a:latin typeface="Open Sans Light"/>
                 <a:cs typeface="Open Sans Light"/>
               </a:rPr>
-              <a:t>blah</a:t>
+              <a:t>Payout ratio is directly correlated with PE ratio. Thus, examining the relationship of beta to PE tells us that PE ratio is negatively correlated with beta, and thus payout ratio is negatively correlated with risk.</a:t>
             </a:r>
           </a:p>
         </p:txBody>
@@ -9249,7 +9249,7 @@
         <p:spPr>
           <a:xfrm>
             <a:off x="3295839" y="3640348"/>
-            <a:ext cx="2235053" cy="584776"/>
+            <a:ext cx="2235053" cy="2308324"/>
           </a:xfrm>
           <a:prstGeom prst="rect">
             <a:avLst/>
@@ -9268,7 +9268,7 @@
                 <a:latin typeface="Open Sans Light"/>
                 <a:cs typeface="Open Sans Light"/>
               </a:rPr>
-              <a:t>Blah</a:t>
+              <a:t>Beta &amp; Growth Rate</a:t>
             </a:r>
           </a:p>
           <a:p>
@@ -9278,7 +9278,7 @@
                 <a:latin typeface="Open Sans Light"/>
                 <a:cs typeface="Open Sans Light"/>
               </a:rPr>
-              <a:t>blah</a:t>
+              <a:t>Higher beta corresponds to a higher growth rate, as expected. Industries with higher beta and risk are those that are growing, such as online retail, real estate, and software, while stable markets have lower beta.</a:t>
             </a:r>
           </a:p>
         </p:txBody>
@@ -9292,7 +9292,7 @@
         <p:spPr>
           <a:xfrm>
             <a:off x="6141353" y="3640348"/>
-            <a:ext cx="2235053" cy="584776"/>
+            <a:ext cx="2235053" cy="2308324"/>
           </a:xfrm>
           <a:prstGeom prst="rect">
             <a:avLst/>
@@ -9311,7 +9311,7 @@
                 <a:latin typeface="Open Sans Light"/>
                 <a:cs typeface="Open Sans Light"/>
               </a:rPr>
-              <a:t>Blah</a:t>
+              <a:t>Tech Industry</a:t>
             </a:r>
           </a:p>
           <a:p>
@@ -9321,7 +9321,7 @@
                 <a:latin typeface="Open Sans Light"/>
                 <a:cs typeface="Open Sans Light"/>
               </a:rPr>
-              <a:t>blah</a:t>
+              <a:t>Because the technology industry has a high beta, by our analysis of growth rate versus beta, it also has a high growth rate. Additionally, because beta is negatively correlated with PE ratios, the industry has low PE.</a:t>
             </a:r>
           </a:p>
         </p:txBody>
@@ -9368,6 +9368,30 @@
           <a:xfrm>
             <a:off x="4013041" y="2114499"/>
             <a:ext cx="797859" cy="797859"/>
+          </a:xfrm>
+          <a:prstGeom prst="rect">
+            <a:avLst/>
+          </a:prstGeom>
+        </p:spPr>
+      </p:pic>
+      <p:pic>
+        <p:nvPicPr>
+          <p:cNvPr id="23" name="Picture 22"/>
+          <p:cNvPicPr>
+            <a:picLocks noChangeAspect="1"/>
+          </p:cNvPicPr>
+          <p:nvPr/>
+        </p:nvPicPr>
+        <p:blipFill>
+          <a:blip r:embed="rId4"/>
+          <a:stretch>
+            <a:fillRect/>
+          </a:stretch>
+        </p:blipFill>
+        <p:spPr>
+          <a:xfrm>
+            <a:off x="1158424" y="2114499"/>
+            <a:ext cx="796959" cy="796959"/>
           </a:xfrm>
           <a:prstGeom prst="rect">
             <a:avLst/>
